--- a/User_OtherFiles/포폴 발표 준비/2017_NCIA.pptx
+++ b/User_OtherFiles/포폴 발표 준비/2017_NCIA.pptx
@@ -5,7 +5,7 @@
     <p:sldMasterId id="2147483648" r:id="rId1"/>
   </p:sldMasterIdLst>
   <p:notesMasterIdLst>
-    <p:notesMasterId r:id="rId14"/>
+    <p:notesMasterId r:id="rId16"/>
   </p:notesMasterIdLst>
   <p:sldIdLst>
     <p:sldId id="256" r:id="rId2"/>
@@ -13,13 +13,15 @@
     <p:sldId id="265" r:id="rId4"/>
     <p:sldId id="267" r:id="rId5"/>
     <p:sldId id="266" r:id="rId6"/>
-    <p:sldId id="259" r:id="rId7"/>
-    <p:sldId id="260" r:id="rId8"/>
-    <p:sldId id="261" r:id="rId9"/>
-    <p:sldId id="262" r:id="rId10"/>
-    <p:sldId id="263" r:id="rId11"/>
-    <p:sldId id="264" r:id="rId12"/>
-    <p:sldId id="258" r:id="rId13"/>
+    <p:sldId id="269" r:id="rId7"/>
+    <p:sldId id="268" r:id="rId8"/>
+    <p:sldId id="259" r:id="rId9"/>
+    <p:sldId id="260" r:id="rId10"/>
+    <p:sldId id="261" r:id="rId11"/>
+    <p:sldId id="262" r:id="rId12"/>
+    <p:sldId id="263" r:id="rId13"/>
+    <p:sldId id="264" r:id="rId14"/>
+    <p:sldId id="258" r:id="rId15"/>
   </p:sldIdLst>
   <p:sldSz cx="9906000" cy="6858000" type="A4"/>
   <p:notesSz cx="6858000" cy="9144000"/>
@@ -234,7 +236,7 @@
             <a:fld id="{D5D70811-BB17-44EC-93F5-EBED80FC02C9}" type="datetimeFigureOut">
               <a:rPr lang="ko-KR" altLang="en-US" smtClean="0"/>
               <a:pPr/>
-              <a:t>2017-06-18</a:t>
+              <a:t>2017-06-19</a:t>
             </a:fld>
             <a:endParaRPr lang="ko-KR" altLang="en-US"/>
           </a:p>
@@ -651,7 +653,7 @@
             <a:fld id="{44F815ED-413D-4A02-982A-9455DFA13CE9}" type="slidenum">
               <a:rPr lang="ko-KR" altLang="en-US" smtClean="0"/>
               <a:pPr/>
-              <a:t>12</a:t>
+              <a:t>14</a:t>
             </a:fld>
             <a:endParaRPr lang="ko-KR" altLang="en-US"/>
           </a:p>
@@ -874,7 +876,7 @@
             <a:fld id="{0BBB8B00-0776-4BAC-8A9C-01E682A90BE6}" type="datetime1">
               <a:rPr lang="ko-KR" altLang="en-US" smtClean="0"/>
               <a:pPr/>
-              <a:t>2017-06-18</a:t>
+              <a:t>2017-06-19</a:t>
             </a:fld>
             <a:endParaRPr lang="ko-KR" altLang="en-US"/>
           </a:p>
@@ -1148,7 +1150,7 @@
             <a:fld id="{0863CACC-A201-48DF-9CBB-9B8D02E8C8AC}" type="datetime1">
               <a:rPr lang="ko-KR" altLang="en-US" smtClean="0"/>
               <a:pPr/>
-              <a:t>2017-06-18</a:t>
+              <a:t>2017-06-19</a:t>
             </a:fld>
             <a:endParaRPr lang="ko-KR" altLang="en-US"/>
           </a:p>
@@ -1405,7 +1407,7 @@
             <a:fld id="{FB1D2214-6261-43BB-B6B0-35EC06A61E61}" type="datetime1">
               <a:rPr lang="ko-KR" altLang="en-US" smtClean="0"/>
               <a:pPr/>
-              <a:t>2017-06-18</a:t>
+              <a:t>2017-06-19</a:t>
             </a:fld>
             <a:endParaRPr lang="ko-KR" altLang="en-US"/>
           </a:p>
@@ -1572,7 +1574,7 @@
             <a:fld id="{34B4CE96-5DCD-4603-91E1-FC2BD01E76F6}" type="datetime1">
               <a:rPr lang="ko-KR" altLang="en-US" smtClean="0"/>
               <a:pPr/>
-              <a:t>2017-06-18</a:t>
+              <a:t>2017-06-19</a:t>
             </a:fld>
             <a:endParaRPr lang="ko-KR" altLang="en-US"/>
           </a:p>
@@ -1749,7 +1751,7 @@
             <a:fld id="{73C0934B-31D0-4308-ACFF-B67849464334}" type="datetime1">
               <a:rPr lang="ko-KR" altLang="en-US" smtClean="0"/>
               <a:pPr/>
-              <a:t>2017-06-18</a:t>
+              <a:t>2017-06-19</a:t>
             </a:fld>
             <a:endParaRPr lang="ko-KR" altLang="en-US"/>
           </a:p>
@@ -2089,7 +2091,7 @@
             <a:fld id="{22B92E89-2433-4E95-A6A9-BE7EB38384C9}" type="datetime1">
               <a:rPr lang="ko-KR" altLang="en-US" smtClean="0"/>
               <a:pPr/>
-              <a:t>2017-06-18</a:t>
+              <a:t>2017-06-19</a:t>
             </a:fld>
             <a:endParaRPr lang="ko-KR" altLang="en-US"/>
           </a:p>
@@ -2268,7 +2270,7 @@
             <a:fld id="{22B92E89-2433-4E95-A6A9-BE7EB38384C9}" type="datetime1">
               <a:rPr lang="ko-KR" altLang="en-US" smtClean="0"/>
               <a:pPr/>
-              <a:t>2017-06-18</a:t>
+              <a:t>2017-06-19</a:t>
             </a:fld>
             <a:endParaRPr lang="ko-KR" altLang="en-US"/>
           </a:p>
@@ -3005,7 +3007,7 @@
             <a:fld id="{32D3ACB2-5D5F-4902-8836-B4034B62E743}" type="datetime1">
               <a:rPr lang="ko-KR" altLang="en-US" smtClean="0"/>
               <a:pPr/>
-              <a:t>2017-06-18</a:t>
+              <a:t>2017-06-19</a:t>
             </a:fld>
             <a:endParaRPr lang="ko-KR" altLang="en-US"/>
           </a:p>
@@ -3297,7 +3299,7 @@
             <a:fld id="{C10D0FAF-B218-4013-ACB9-644290D95C3B}" type="datetime1">
               <a:rPr lang="ko-KR" altLang="en-US" smtClean="0"/>
               <a:pPr/>
-              <a:t>2017-06-18</a:t>
+              <a:t>2017-06-19</a:t>
             </a:fld>
             <a:endParaRPr lang="ko-KR" altLang="en-US"/>
           </a:p>
@@ -3723,7 +3725,7 @@
             <a:fld id="{3C3FF913-EBC2-4212-8482-F9DBD56EC0FA}" type="datetime1">
               <a:rPr lang="ko-KR" altLang="en-US" smtClean="0"/>
               <a:pPr/>
-              <a:t>2017-06-18</a:t>
+              <a:t>2017-06-19</a:t>
             </a:fld>
             <a:endParaRPr lang="ko-KR" altLang="en-US"/>
           </a:p>
@@ -3845,7 +3847,7 @@
             <a:fld id="{6A0953B5-F10D-41F8-BD5A-CDE77EBC4002}" type="datetime1">
               <a:rPr lang="ko-KR" altLang="en-US" smtClean="0"/>
               <a:pPr/>
-              <a:t>2017-06-18</a:t>
+              <a:t>2017-06-19</a:t>
             </a:fld>
             <a:endParaRPr lang="ko-KR" altLang="en-US"/>
           </a:p>
@@ -4000,7 +4002,7 @@
             <a:fld id="{BD343E2E-D187-44B7-945F-E031827BE040}" type="datetime1">
               <a:rPr lang="ko-KR" altLang="en-US" smtClean="0"/>
               <a:pPr/>
-              <a:t>2017-06-18</a:t>
+              <a:t>2017-06-19</a:t>
             </a:fld>
             <a:endParaRPr lang="ko-KR" altLang="en-US"/>
           </a:p>
@@ -4644,7 +4646,7 @@
     </p:spTree>
     <p:extLst>
       <p:ext uri="{BB962C8B-B14F-4D97-AF65-F5344CB8AC3E}">
-        <p14:creationId xmlns:p14="http://schemas.microsoft.com/office/powerpoint/2010/main" val="1782863153"/>
+        <p14:creationId xmlns:p14="http://schemas.microsoft.com/office/powerpoint/2010/main" val="52122458"/>
       </p:ext>
     </p:extLst>
   </p:cSld>
@@ -4781,6 +4783,203 @@
     </p:spTree>
     <p:extLst>
       <p:ext uri="{BB962C8B-B14F-4D97-AF65-F5344CB8AC3E}">
+        <p14:creationId xmlns:p14="http://schemas.microsoft.com/office/powerpoint/2010/main" val="3482968452"/>
+      </p:ext>
+    </p:extLst>
+  </p:cSld>
+  <p:clrMapOvr>
+    <a:masterClrMapping/>
+  </p:clrMapOvr>
+  <p:timing>
+    <p:tnLst>
+      <p:par>
+        <p:cTn id="1" dur="indefinite" restart="never" nodeType="tmRoot"/>
+      </p:par>
+    </p:tnLst>
+  </p:timing>
+</p:sld>
+</file>
+
+<file path=ppt/slides/slide12.xml><?xml version="1.0" encoding="utf-8"?>
+<p:sld xmlns:a="http://schemas.openxmlformats.org/drawingml/2006/main" xmlns:r="http://schemas.openxmlformats.org/officeDocument/2006/relationships" xmlns:p="http://schemas.openxmlformats.org/presentationml/2006/main">
+  <p:cSld>
+    <p:spTree>
+      <p:nvGrpSpPr>
+        <p:cNvPr id="1" name=""/>
+        <p:cNvGrpSpPr/>
+        <p:nvPr/>
+      </p:nvGrpSpPr>
+      <p:grpSpPr>
+        <a:xfrm>
+          <a:off x="0" y="0"/>
+          <a:ext cx="0" cy="0"/>
+          <a:chOff x="0" y="0"/>
+          <a:chExt cx="0" cy="0"/>
+        </a:xfrm>
+      </p:grpSpPr>
+      <p:sp>
+        <p:nvSpPr>
+          <p:cNvPr id="4" name="제목 3"/>
+          <p:cNvSpPr>
+            <a:spLocks noGrp="1"/>
+          </p:cNvSpPr>
+          <p:nvPr>
+            <p:ph type="ctrTitle"/>
+          </p:nvPr>
+        </p:nvSpPr>
+        <p:spPr/>
+        <p:txBody>
+          <a:bodyPr/>
+          <a:lstStyle/>
+          <a:p>
+            <a:r>
+              <a:rPr lang="ko-KR" altLang="en-US" dirty="0" smtClean="0"/>
+              <a:t>제에목</a:t>
+            </a:r>
+            <a:endParaRPr lang="ko-KR" altLang="en-US" dirty="0"/>
+          </a:p>
+        </p:txBody>
+      </p:sp>
+    </p:spTree>
+    <p:extLst>
+      <p:ext uri="{BB962C8B-B14F-4D97-AF65-F5344CB8AC3E}">
+        <p14:creationId xmlns:p14="http://schemas.microsoft.com/office/powerpoint/2010/main" val="1782863153"/>
+      </p:ext>
+    </p:extLst>
+  </p:cSld>
+  <p:clrMapOvr>
+    <a:masterClrMapping/>
+  </p:clrMapOvr>
+  <p:timing>
+    <p:tnLst>
+      <p:par>
+        <p:cTn id="1" dur="indefinite" restart="never" nodeType="tmRoot"/>
+      </p:par>
+    </p:tnLst>
+  </p:timing>
+</p:sld>
+</file>
+
+<file path=ppt/slides/slide13.xml><?xml version="1.0" encoding="utf-8"?>
+<p:sld xmlns:a="http://schemas.openxmlformats.org/drawingml/2006/main" xmlns:r="http://schemas.openxmlformats.org/officeDocument/2006/relationships" xmlns:p="http://schemas.openxmlformats.org/presentationml/2006/main">
+  <p:cSld>
+    <p:spTree>
+      <p:nvGrpSpPr>
+        <p:cNvPr id="1" name=""/>
+        <p:cNvGrpSpPr/>
+        <p:nvPr/>
+      </p:nvGrpSpPr>
+      <p:grpSpPr>
+        <a:xfrm>
+          <a:off x="0" y="0"/>
+          <a:ext cx="0" cy="0"/>
+          <a:chOff x="0" y="0"/>
+          <a:chExt cx="0" cy="0"/>
+        </a:xfrm>
+      </p:grpSpPr>
+      <p:sp>
+        <p:nvSpPr>
+          <p:cNvPr id="4" name="제목 3"/>
+          <p:cNvSpPr>
+            <a:spLocks noGrp="1"/>
+          </p:cNvSpPr>
+          <p:nvPr>
+            <p:ph type="title"/>
+          </p:nvPr>
+        </p:nvSpPr>
+        <p:spPr/>
+        <p:txBody>
+          <a:bodyPr/>
+          <a:lstStyle/>
+          <a:p>
+            <a:r>
+              <a:rPr lang="ko-KR" altLang="en-US" dirty="0" smtClean="0"/>
+              <a:t>소제목</a:t>
+            </a:r>
+            <a:r>
+              <a:rPr lang="en-US" altLang="ko-KR" dirty="0" smtClean="0"/>
+              <a:t>?</a:t>
+            </a:r>
+            <a:endParaRPr lang="ko-KR" altLang="en-US" dirty="0"/>
+          </a:p>
+        </p:txBody>
+      </p:sp>
+      <p:sp>
+        <p:nvSpPr>
+          <p:cNvPr id="6" name="내용 개체 틀 5"/>
+          <p:cNvSpPr>
+            <a:spLocks noGrp="1"/>
+          </p:cNvSpPr>
+          <p:nvPr>
+            <p:ph idx="1"/>
+          </p:nvPr>
+        </p:nvSpPr>
+        <p:spPr/>
+        <p:txBody>
+          <a:bodyPr/>
+          <a:lstStyle/>
+          <a:p>
+            <a:r>
+              <a:rPr lang="ko-KR" altLang="en-US" dirty="0" smtClean="0"/>
+              <a:t>내용 블라블라</a:t>
+            </a:r>
+            <a:r>
+              <a:rPr lang="en-US" altLang="ko-KR" dirty="0" smtClean="0"/>
+              <a:t/>
+            </a:r>
+            <a:br>
+              <a:rPr lang="en-US" altLang="ko-KR" dirty="0" smtClean="0"/>
+            </a:br>
+            <a:r>
+              <a:rPr lang="ko-KR" altLang="en-US" dirty="0" smtClean="0"/>
+              <a:t>아마도 뷰포리아랑 헤드 트레킹이랑</a:t>
+            </a:r>
+            <a:r>
+              <a:rPr lang="en-US" altLang="ko-KR" dirty="0" smtClean="0"/>
+              <a:t/>
+            </a:r>
+            <a:br>
+              <a:rPr lang="en-US" altLang="ko-KR" dirty="0" smtClean="0"/>
+            </a:br>
+            <a:r>
+              <a:rPr lang="ko-KR" altLang="en-US" dirty="0" smtClean="0"/>
+              <a:t>제작하면서 어려웠던 부분</a:t>
+            </a:r>
+            <a:r>
+              <a:rPr lang="en-US" altLang="ko-KR" dirty="0" smtClean="0"/>
+              <a:t>(</a:t>
+            </a:r>
+            <a:r>
+              <a:rPr lang="ko-KR" altLang="en-US" dirty="0" smtClean="0"/>
+              <a:t>애니메이션</a:t>
+            </a:r>
+            <a:r>
+              <a:rPr lang="en-US" altLang="ko-KR" dirty="0" smtClean="0"/>
+              <a:t>, </a:t>
+            </a:r>
+            <a:r>
+              <a:rPr lang="ko-KR" altLang="en-US" dirty="0" smtClean="0"/>
+              <a:t>맵 배치</a:t>
+            </a:r>
+            <a:r>
+              <a:rPr lang="en-US" altLang="ko-KR" dirty="0" smtClean="0"/>
+              <a:t>, </a:t>
+            </a:r>
+            <a:r>
+              <a:rPr lang="ko-KR" altLang="en-US" dirty="0" smtClean="0"/>
+              <a:t>최적화 및 초기화 부분</a:t>
+            </a:r>
+            <a:r>
+              <a:rPr lang="en-US" altLang="ko-KR" dirty="0"/>
+              <a:t>)</a:t>
+            </a:r>
+            <a:endParaRPr lang="ko-KR" altLang="en-US" dirty="0"/>
+          </a:p>
+        </p:txBody>
+      </p:sp>
+    </p:spTree>
+    <p:extLst>
+      <p:ext uri="{BB962C8B-B14F-4D97-AF65-F5344CB8AC3E}">
         <p14:creationId xmlns:p14="http://schemas.microsoft.com/office/powerpoint/2010/main" val="3565554129"/>
       </p:ext>
     </p:extLst>
@@ -4798,7 +4997,7 @@
 </p:sld>
 </file>
 
-<file path=ppt/slides/slide12.xml><?xml version="1.0" encoding="utf-8"?>
+<file path=ppt/slides/slide14.xml><?xml version="1.0" encoding="utf-8"?>
 <p:sld xmlns:a="http://schemas.openxmlformats.org/drawingml/2006/main" xmlns:r="http://schemas.openxmlformats.org/officeDocument/2006/relationships" xmlns:p="http://schemas.openxmlformats.org/presentationml/2006/main">
   <p:cSld>
     <p:spTree>
@@ -5202,7 +5401,7 @@
         </p:nvSpPr>
         <p:spPr>
           <a:xfrm>
-            <a:off x="1928664" y="2204864"/>
+            <a:off x="1809274" y="2216641"/>
             <a:ext cx="2887329" cy="2545377"/>
           </a:xfrm>
           <a:prstGeom prst="rect">
@@ -5349,7 +5548,14 @@
                 <a:latin typeface="나눔스퀘어 ExtraBold" panose="020B0600000101010101" pitchFamily="50" charset="-127"/>
                 <a:ea typeface="나눔스퀘어 ExtraBold" panose="020B0600000101010101" pitchFamily="50" charset="-127"/>
               </a:rPr>
-              <a:t>일 개발 시작</a:t>
+              <a:t>일 </a:t>
+            </a:r>
+            <a:r>
+              <a:rPr lang="ko-KR" altLang="en-US" dirty="0" smtClean="0">
+                <a:latin typeface="나눔스퀘어 ExtraBold" panose="020B0600000101010101" pitchFamily="50" charset="-127"/>
+                <a:ea typeface="나눔스퀘어 ExtraBold" panose="020B0600000101010101" pitchFamily="50" charset="-127"/>
+              </a:rPr>
+              <a:t>개발 시작</a:t>
             </a:r>
             <a:endParaRPr lang="ko-KR" altLang="en-US" dirty="0">
               <a:latin typeface="나눔스퀘어 ExtraBold" panose="020B0600000101010101" pitchFamily="50" charset="-127"/>
@@ -5358,82 +5564,78 @@
           </a:p>
         </p:txBody>
       </p:sp>
+      <p:sp>
+        <p:nvSpPr>
+          <p:cNvPr id="7" name="제목 3"/>
+          <p:cNvSpPr txBox="1">
+            <a:spLocks/>
+          </p:cNvSpPr>
+          <p:nvPr/>
+        </p:nvSpPr>
+        <p:spPr>
+          <a:xfrm>
+            <a:off x="344488" y="200790"/>
+            <a:ext cx="9217024" cy="419898"/>
+          </a:xfrm>
+          <a:prstGeom prst="rect">
+            <a:avLst/>
+          </a:prstGeom>
+        </p:spPr>
+        <p:txBody>
+          <a:bodyPr/>
+          <a:lstStyle>
+            <a:lvl1pPr algn="l" defTabSz="914400" rtl="0" eaLnBrk="1" latinLnBrk="1" hangingPunct="1">
+              <a:spcBef>
+                <a:spcPct val="0"/>
+              </a:spcBef>
+              <a:buNone/>
+              <a:defRPr sz="2200" b="1" kern="1200">
+                <a:solidFill>
+                  <a:schemeClr val="tx1"/>
+                </a:solidFill>
+                <a:latin typeface="+mj-lt"/>
+                <a:ea typeface="+mj-ea"/>
+                <a:cs typeface="+mj-cs"/>
+              </a:defRPr>
+            </a:lvl1pPr>
+          </a:lstStyle>
+          <a:p>
+            <a:r>
+              <a:rPr lang="en-US" altLang="ko-KR" dirty="0" smtClean="0"/>
+              <a:t>SQUARE </a:t>
+            </a:r>
+            <a:r>
+              <a:rPr lang="ko-KR" altLang="en-US" dirty="0" smtClean="0"/>
+              <a:t>소개</a:t>
+            </a:r>
+            <a:endParaRPr lang="ko-KR" altLang="en-US" dirty="0"/>
+          </a:p>
+        </p:txBody>
+      </p:sp>
       <p:pic>
         <p:nvPicPr>
-          <p:cNvPr id="5" name="Picture 4"/>
+          <p:cNvPr id="11" name="Picture 10"/>
           <p:cNvPicPr>
             <a:picLocks noChangeAspect="1"/>
           </p:cNvPicPr>
           <p:nvPr/>
         </p:nvPicPr>
         <p:blipFill>
-          <a:blip r:embed="rId2">
-            <a:extLst>
-              <a:ext uri="{BEBA8EAE-BF5A-486C-A8C5-ECC9F3942E4B}">
-                <a14:imgProps xmlns:a14="http://schemas.microsoft.com/office/drawing/2010/main">
-                  <a14:imgLayer r:embed="rId3">
-                    <a14:imgEffect>
-                      <a14:colorTemperature colorTemp="6800"/>
-                    </a14:imgEffect>
-                  </a14:imgLayer>
-                </a14:imgProps>
-              </a:ext>
-              <a:ext uri="{28A0092B-C50C-407E-A947-70E740481C1C}">
-                <a14:useLocalDpi xmlns:a14="http://schemas.microsoft.com/office/drawing/2010/main" val="0"/>
-              </a:ext>
-            </a:extLst>
-          </a:blip>
+          <a:blip r:embed="rId2"/>
           <a:stretch>
             <a:fillRect/>
           </a:stretch>
         </p:blipFill>
         <p:spPr>
           <a:xfrm>
-            <a:off x="5241032" y="2073627"/>
-            <a:ext cx="2448272" cy="2448272"/>
+            <a:off x="4989221" y="2073627"/>
+            <a:ext cx="2694666" cy="3237257"/>
           </a:xfrm>
           <a:prstGeom prst="rect">
             <a:avLst/>
           </a:prstGeom>
-          <a:noFill/>
         </p:spPr>
       </p:pic>
-      <p:sp>
-        <p:nvSpPr>
-          <p:cNvPr id="6" name="TextBox 5"/>
-          <p:cNvSpPr txBox="1"/>
-          <p:nvPr/>
-        </p:nvSpPr>
-        <p:spPr>
-          <a:xfrm>
-            <a:off x="5178894" y="4438853"/>
-            <a:ext cx="2028119" cy="646331"/>
-          </a:xfrm>
-          <a:prstGeom prst="rect">
-            <a:avLst/>
-          </a:prstGeom>
-          <a:noFill/>
-        </p:spPr>
-        <p:txBody>
-          <a:bodyPr wrap="none" rtlCol="0">
-            <a:spAutoFit/>
-          </a:bodyPr>
-          <a:lstStyle/>
-          <a:p>
-            <a:r>
-              <a:rPr lang="en-US" altLang="ko-KR" sz="3600" dirty="0" smtClean="0">
-                <a:latin typeface="나눔스퀘어 ExtraBold" panose="020B0600000101010101" pitchFamily="50" charset="-127"/>
-                <a:ea typeface="나눔스퀘어 ExtraBold" panose="020B0600000101010101" pitchFamily="50" charset="-127"/>
-              </a:rPr>
-              <a:t>SQUARE</a:t>
-            </a:r>
-            <a:endParaRPr lang="ko-KR" altLang="en-US" sz="3600" dirty="0">
-              <a:latin typeface="나눔스퀘어 ExtraBold" panose="020B0600000101010101" pitchFamily="50" charset="-127"/>
-              <a:ea typeface="나눔스퀘어 ExtraBold" panose="020B0600000101010101" pitchFamily="50" charset="-127"/>
-            </a:endParaRPr>
-          </a:p>
-        </p:txBody>
-      </p:sp>
     </p:spTree>
     <p:extLst>
       <p:ext uri="{BB962C8B-B14F-4D97-AF65-F5344CB8AC3E}">
@@ -5444,6 +5646,13 @@
   <p:clrMapOvr>
     <a:masterClrMapping/>
   </p:clrMapOvr>
+  <p:timing>
+    <p:tnLst>
+      <p:par>
+        <p:cTn id="1" dur="indefinite" restart="never" nodeType="tmRoot"/>
+      </p:par>
+    </p:tnLst>
+  </p:timing>
 </p:sld>
 </file>
 
@@ -5581,8 +5790,16 @@
 </file>
 
 <file path=ppt/slides/slide6.xml><?xml version="1.0" encoding="utf-8"?>
-<p:sld xmlns:a="http://schemas.openxmlformats.org/drawingml/2006/main" xmlns:r="http://schemas.openxmlformats.org/officeDocument/2006/relationships" xmlns:p="http://schemas.openxmlformats.org/presentationml/2006/main">
+<p:sld xmlns:a="http://schemas.openxmlformats.org/drawingml/2006/main" xmlns:r="http://schemas.openxmlformats.org/officeDocument/2006/relationships" xmlns:p="http://schemas.openxmlformats.org/presentationml/2006/main" showMasterSp="0">
   <p:cSld>
+    <p:bg>
+      <p:bgPr>
+        <a:solidFill>
+          <a:schemeClr val="tx1"/>
+        </a:solidFill>
+        <a:effectLst/>
+      </p:bgPr>
+    </p:bg>
     <p:spTree>
       <p:nvGrpSpPr>
         <p:cNvPr id="1" name=""/>
@@ -5597,26 +5814,100 @@
           <a:chExt cx="0" cy="0"/>
         </a:xfrm>
       </p:grpSpPr>
-      <p:sp>
-        <p:nvSpPr>
-          <p:cNvPr id="4" name="제목 3"/>
-          <p:cNvSpPr>
-            <a:spLocks noGrp="1"/>
-          </p:cNvSpPr>
-          <p:nvPr>
-            <p:ph type="ctrTitle"/>
-          </p:nvPr>
-        </p:nvSpPr>
-        <p:spPr/>
-        <p:txBody>
-          <a:bodyPr/>
-          <a:lstStyle/>
-          <a:p>
-            <a:endParaRPr lang="ko-KR" altLang="en-US" dirty="0"/>
+      <p:pic>
+        <p:nvPicPr>
+          <p:cNvPr id="6" name="Content Placeholder 5"/>
+          <p:cNvPicPr>
+            <a:picLocks noGrp="1" noChangeAspect="1"/>
+          </p:cNvPicPr>
+          <p:nvPr>
+            <p:ph idx="1"/>
+          </p:nvPr>
+        </p:nvPicPr>
+        <p:blipFill>
+          <a:blip r:embed="rId2">
+            <a:extLst>
+              <a:ext uri="{28A0092B-C50C-407E-A947-70E740481C1C}">
+                <a14:useLocalDpi xmlns:a14="http://schemas.microsoft.com/office/drawing/2010/main" val="0"/>
+              </a:ext>
+            </a:extLst>
+          </a:blip>
+          <a:stretch>
+            <a:fillRect/>
+          </a:stretch>
+        </p:blipFill>
+        <p:spPr>
+          <a:xfrm>
+            <a:off x="344488" y="764704"/>
+            <a:ext cx="9217025" cy="5191723"/>
+          </a:xfrm>
+        </p:spPr>
+      </p:pic>
+      <p:sp>
+        <p:nvSpPr>
+          <p:cNvPr id="7" name="제목 1"/>
+          <p:cNvSpPr txBox="1">
+            <a:spLocks/>
+          </p:cNvSpPr>
+          <p:nvPr/>
+        </p:nvSpPr>
+        <p:spPr>
+          <a:xfrm>
+            <a:off x="7329264" y="6093296"/>
+            <a:ext cx="2664296" cy="864096"/>
+          </a:xfrm>
+          <a:prstGeom prst="rect">
+            <a:avLst/>
+          </a:prstGeom>
+        </p:spPr>
+        <p:txBody>
+          <a:bodyPr vert="horz" lIns="91440" tIns="45720" rIns="91440" bIns="45720" rtlCol="0" anchor="ctr">
+            <a:noAutofit/>
+          </a:bodyPr>
+          <a:lstStyle>
+            <a:lvl1pPr algn="l" defTabSz="914400" rtl="0" eaLnBrk="1" latinLnBrk="1" hangingPunct="1">
+              <a:spcBef>
+                <a:spcPct val="0"/>
+              </a:spcBef>
+              <a:buNone/>
+              <a:defRPr sz="2200" b="1" kern="1200">
+                <a:solidFill>
+                  <a:schemeClr val="tx1"/>
+                </a:solidFill>
+                <a:latin typeface="+mj-lt"/>
+                <a:ea typeface="+mj-ea"/>
+                <a:cs typeface="+mj-cs"/>
+              </a:defRPr>
+            </a:lvl1pPr>
+          </a:lstStyle>
+          <a:p>
+            <a:pPr algn="ctr"/>
+            <a:r>
+              <a:rPr lang="en-US" altLang="ko-KR" sz="4800" dirty="0" smtClean="0">
+                <a:solidFill>
+                  <a:schemeClr val="bg1"/>
+                </a:solidFill>
+                <a:latin typeface="나눔스퀘어 ExtraBold" panose="020B0600000101010101" pitchFamily="50" charset="-127"/>
+                <a:ea typeface="나눔스퀘어 ExtraBold" panose="020B0600000101010101" pitchFamily="50" charset="-127"/>
+              </a:rPr>
+              <a:t>SQUARE</a:t>
+            </a:r>
+            <a:endParaRPr lang="ko-KR" altLang="en-US" sz="4800" dirty="0">
+              <a:solidFill>
+                <a:schemeClr val="bg1"/>
+              </a:solidFill>
+              <a:latin typeface="나눔스퀘어 ExtraBold" panose="020B0600000101010101" pitchFamily="50" charset="-127"/>
+              <a:ea typeface="나눔스퀘어 ExtraBold" panose="020B0600000101010101" pitchFamily="50" charset="-127"/>
+            </a:endParaRPr>
           </a:p>
         </p:txBody>
       </p:sp>
     </p:spTree>
+    <p:extLst>
+      <p:ext uri="{BB962C8B-B14F-4D97-AF65-F5344CB8AC3E}">
+        <p14:creationId xmlns:p14="http://schemas.microsoft.com/office/powerpoint/2010/main" val="3881022457"/>
+      </p:ext>
+    </p:extLst>
   </p:cSld>
   <p:clrMapOvr>
     <a:masterClrMapping/>
@@ -5650,108 +5941,251 @@
       </p:grpSpPr>
       <p:sp>
         <p:nvSpPr>
-          <p:cNvPr id="4" name="제목 3"/>
-          <p:cNvSpPr>
-            <a:spLocks noGrp="1"/>
-          </p:cNvSpPr>
-          <p:nvPr>
-            <p:ph type="title"/>
-          </p:nvPr>
-        </p:nvSpPr>
-        <p:spPr/>
+          <p:cNvPr id="4" name="TextBox 3"/>
+          <p:cNvSpPr txBox="1"/>
+          <p:nvPr/>
+        </p:nvSpPr>
+        <p:spPr>
+          <a:xfrm>
+            <a:off x="1809274" y="2216641"/>
+            <a:ext cx="2887329" cy="2545377"/>
+          </a:xfrm>
+          <a:prstGeom prst="rect">
+            <a:avLst/>
+          </a:prstGeom>
+          <a:noFill/>
+        </p:spPr>
+        <p:txBody>
+          <a:bodyPr wrap="none" rtlCol="0">
+            <a:spAutoFit/>
+          </a:bodyPr>
+          <a:lstStyle/>
+          <a:p>
+            <a:pPr>
+              <a:lnSpc>
+                <a:spcPct val="150000"/>
+              </a:lnSpc>
+            </a:pPr>
+            <a:r>
+              <a:rPr lang="en-US" altLang="ko-KR" dirty="0" smtClean="0">
+                <a:latin typeface="나눔스퀘어 ExtraBold" panose="020B0600000101010101" pitchFamily="50" charset="-127"/>
+                <a:ea typeface="나눔스퀘어 ExtraBold" panose="020B0600000101010101" pitchFamily="50" charset="-127"/>
+              </a:rPr>
+              <a:t>&lt;SQUARE&gt;</a:t>
+            </a:r>
+          </a:p>
+          <a:p>
+            <a:pPr marL="285750" indent="-285750">
+              <a:lnSpc>
+                <a:spcPct val="150000"/>
+              </a:lnSpc>
+              <a:buFont typeface="Arial" panose="020B0604020202020204" pitchFamily="34" charset="0"/>
+              <a:buChar char="•"/>
+            </a:pPr>
+            <a:endParaRPr lang="en-US" altLang="ko-KR" dirty="0" smtClean="0">
+              <a:latin typeface="나눔스퀘어 ExtraBold" panose="020B0600000101010101" pitchFamily="50" charset="-127"/>
+              <a:ea typeface="나눔스퀘어 ExtraBold" panose="020B0600000101010101" pitchFamily="50" charset="-127"/>
+            </a:endParaRPr>
+          </a:p>
+          <a:p>
+            <a:pPr marL="285750" indent="-285750">
+              <a:lnSpc>
+                <a:spcPct val="150000"/>
+              </a:lnSpc>
+              <a:buFont typeface="Arial" panose="020B0604020202020204" pitchFamily="34" charset="0"/>
+              <a:buChar char="•"/>
+            </a:pPr>
+            <a:r>
+              <a:rPr lang="en-US" altLang="ko-KR" dirty="0" smtClean="0">
+                <a:latin typeface="나눔스퀘어 ExtraBold" panose="020B0600000101010101" pitchFamily="50" charset="-127"/>
+                <a:ea typeface="나눔스퀘어 ExtraBold" panose="020B0600000101010101" pitchFamily="50" charset="-127"/>
+              </a:rPr>
+              <a:t>VR Rail Shooter</a:t>
+            </a:r>
+          </a:p>
+          <a:p>
+            <a:pPr marL="285750" indent="-285750">
+              <a:lnSpc>
+                <a:spcPct val="150000"/>
+              </a:lnSpc>
+              <a:buFont typeface="Arial" panose="020B0604020202020204" pitchFamily="34" charset="0"/>
+              <a:buChar char="•"/>
+            </a:pPr>
+            <a:r>
+              <a:rPr lang="ko-KR" altLang="en-US" dirty="0" smtClean="0">
+                <a:latin typeface="나눔스퀘어 ExtraBold" panose="020B0600000101010101" pitchFamily="50" charset="-127"/>
+                <a:ea typeface="나눔스퀘어 ExtraBold" panose="020B0600000101010101" pitchFamily="50" charset="-127"/>
+              </a:rPr>
+              <a:t>모바일 게임</a:t>
+            </a:r>
+            <a:endParaRPr lang="en-US" altLang="ko-KR" dirty="0" smtClean="0">
+              <a:latin typeface="나눔스퀘어 ExtraBold" panose="020B0600000101010101" pitchFamily="50" charset="-127"/>
+              <a:ea typeface="나눔스퀘어 ExtraBold" panose="020B0600000101010101" pitchFamily="50" charset="-127"/>
+            </a:endParaRPr>
+          </a:p>
+          <a:p>
+            <a:pPr marL="285750" indent="-285750">
+              <a:lnSpc>
+                <a:spcPct val="150000"/>
+              </a:lnSpc>
+              <a:buFont typeface="Arial" panose="020B0604020202020204" pitchFamily="34" charset="0"/>
+              <a:buChar char="•"/>
+            </a:pPr>
+            <a:r>
+              <a:rPr lang="ko-KR" altLang="en-US" dirty="0" smtClean="0">
+                <a:latin typeface="나눔스퀘어 ExtraBold" panose="020B0600000101010101" pitchFamily="50" charset="-127"/>
+                <a:ea typeface="나눔스퀘어 ExtraBold" panose="020B0600000101010101" pitchFamily="50" charset="-127"/>
+              </a:rPr>
+              <a:t>유니티 </a:t>
+            </a:r>
+            <a:r>
+              <a:rPr lang="en-US" altLang="ko-KR" dirty="0" smtClean="0">
+                <a:latin typeface="나눔스퀘어 ExtraBold" panose="020B0600000101010101" pitchFamily="50" charset="-127"/>
+                <a:ea typeface="나눔스퀘어 ExtraBold" panose="020B0600000101010101" pitchFamily="50" charset="-127"/>
+              </a:rPr>
+              <a:t>3D</a:t>
+            </a:r>
+          </a:p>
+          <a:p>
+            <a:pPr marL="285750" indent="-285750">
+              <a:lnSpc>
+                <a:spcPct val="150000"/>
+              </a:lnSpc>
+              <a:buFont typeface="Arial" panose="020B0604020202020204" pitchFamily="34" charset="0"/>
+              <a:buChar char="•"/>
+            </a:pPr>
+            <a:r>
+              <a:rPr lang="en-US" altLang="ko-KR" dirty="0" smtClean="0">
+                <a:latin typeface="나눔스퀘어 ExtraBold" panose="020B0600000101010101" pitchFamily="50" charset="-127"/>
+                <a:ea typeface="나눔스퀘어 ExtraBold" panose="020B0600000101010101" pitchFamily="50" charset="-127"/>
+              </a:rPr>
+              <a:t>17</a:t>
+            </a:r>
+            <a:r>
+              <a:rPr lang="ko-KR" altLang="en-US" dirty="0" smtClean="0">
+                <a:latin typeface="나눔스퀘어 ExtraBold" panose="020B0600000101010101" pitchFamily="50" charset="-127"/>
+                <a:ea typeface="나눔스퀘어 ExtraBold" panose="020B0600000101010101" pitchFamily="50" charset="-127"/>
+              </a:rPr>
+              <a:t>년 </a:t>
+            </a:r>
+            <a:r>
+              <a:rPr lang="en-US" altLang="ko-KR" dirty="0" smtClean="0">
+                <a:latin typeface="나눔스퀘어 ExtraBold" panose="020B0600000101010101" pitchFamily="50" charset="-127"/>
+                <a:ea typeface="나눔스퀘어 ExtraBold" panose="020B0600000101010101" pitchFamily="50" charset="-127"/>
+              </a:rPr>
+              <a:t>5</a:t>
+            </a:r>
+            <a:r>
+              <a:rPr lang="ko-KR" altLang="en-US" dirty="0" smtClean="0">
+                <a:latin typeface="나눔스퀘어 ExtraBold" panose="020B0600000101010101" pitchFamily="50" charset="-127"/>
+                <a:ea typeface="나눔스퀘어 ExtraBold" panose="020B0600000101010101" pitchFamily="50" charset="-127"/>
+              </a:rPr>
+              <a:t>월 </a:t>
+            </a:r>
+            <a:r>
+              <a:rPr lang="en-US" altLang="ko-KR" dirty="0" smtClean="0">
+                <a:latin typeface="나눔스퀘어 ExtraBold" panose="020B0600000101010101" pitchFamily="50" charset="-127"/>
+                <a:ea typeface="나눔스퀘어 ExtraBold" panose="020B0600000101010101" pitchFamily="50" charset="-127"/>
+              </a:rPr>
+              <a:t>17</a:t>
+            </a:r>
+            <a:r>
+              <a:rPr lang="ko-KR" altLang="en-US" dirty="0" smtClean="0">
+                <a:latin typeface="나눔스퀘어 ExtraBold" panose="020B0600000101010101" pitchFamily="50" charset="-127"/>
+                <a:ea typeface="나눔스퀘어 ExtraBold" panose="020B0600000101010101" pitchFamily="50" charset="-127"/>
+              </a:rPr>
+              <a:t>일 </a:t>
+            </a:r>
+            <a:r>
+              <a:rPr lang="ko-KR" altLang="en-US" dirty="0" smtClean="0">
+                <a:latin typeface="나눔스퀘어 ExtraBold" panose="020B0600000101010101" pitchFamily="50" charset="-127"/>
+                <a:ea typeface="나눔스퀘어 ExtraBold" panose="020B0600000101010101" pitchFamily="50" charset="-127"/>
+              </a:rPr>
+              <a:t>개발 시작</a:t>
+            </a:r>
+            <a:endParaRPr lang="ko-KR" altLang="en-US" dirty="0">
+              <a:latin typeface="나눔스퀘어 ExtraBold" panose="020B0600000101010101" pitchFamily="50" charset="-127"/>
+              <a:ea typeface="나눔스퀘어 ExtraBold" panose="020B0600000101010101" pitchFamily="50" charset="-127"/>
+            </a:endParaRPr>
+          </a:p>
+        </p:txBody>
+      </p:sp>
+      <p:sp>
+        <p:nvSpPr>
+          <p:cNvPr id="7" name="제목 3"/>
+          <p:cNvSpPr txBox="1">
+            <a:spLocks/>
+          </p:cNvSpPr>
+          <p:nvPr/>
+        </p:nvSpPr>
+        <p:spPr>
+          <a:xfrm>
+            <a:off x="344488" y="200790"/>
+            <a:ext cx="9217024" cy="419898"/>
+          </a:xfrm>
+          <a:prstGeom prst="rect">
+            <a:avLst/>
+          </a:prstGeom>
+        </p:spPr>
         <p:txBody>
           <a:bodyPr/>
-          <a:lstStyle/>
-          <a:p>
+          <a:lstStyle>
+            <a:lvl1pPr algn="l" defTabSz="914400" rtl="0" eaLnBrk="1" latinLnBrk="1" hangingPunct="1">
+              <a:spcBef>
+                <a:spcPct val="0"/>
+              </a:spcBef>
+              <a:buNone/>
+              <a:defRPr sz="2200" b="1" kern="1200">
+                <a:solidFill>
+                  <a:schemeClr val="tx1"/>
+                </a:solidFill>
+                <a:latin typeface="+mj-lt"/>
+                <a:ea typeface="+mj-ea"/>
+                <a:cs typeface="+mj-cs"/>
+              </a:defRPr>
+            </a:lvl1pPr>
+          </a:lstStyle>
+          <a:p>
+            <a:r>
+              <a:rPr lang="en-US" altLang="ko-KR" dirty="0" smtClean="0"/>
+              <a:t>SQUARE </a:t>
+            </a:r>
             <a:r>
               <a:rPr lang="ko-KR" altLang="en-US" dirty="0" smtClean="0"/>
-              <a:t>소제목</a:t>
-            </a:r>
-            <a:r>
-              <a:rPr lang="en-US" altLang="ko-KR" dirty="0" smtClean="0"/>
-              <a:t>?</a:t>
+              <a:t>소개</a:t>
             </a:r>
             <a:endParaRPr lang="ko-KR" altLang="en-US" dirty="0"/>
           </a:p>
         </p:txBody>
       </p:sp>
-      <p:sp>
-        <p:nvSpPr>
-          <p:cNvPr id="6" name="내용 개체 틀 5"/>
-          <p:cNvSpPr>
-            <a:spLocks noGrp="1"/>
-          </p:cNvSpPr>
-          <p:nvPr>
-            <p:ph idx="1"/>
-          </p:nvPr>
-        </p:nvSpPr>
-        <p:spPr/>
-        <p:txBody>
-          <a:bodyPr/>
-          <a:lstStyle/>
-          <a:p>
-            <a:r>
-              <a:rPr lang="ko-KR" altLang="en-US" dirty="0" smtClean="0"/>
-              <a:t>내용 블라블라</a:t>
-            </a:r>
-            <a:r>
-              <a:rPr lang="en-US" altLang="ko-KR" dirty="0" smtClean="0"/>
-              <a:t/>
-            </a:r>
-            <a:br>
-              <a:rPr lang="en-US" altLang="ko-KR" dirty="0" smtClean="0"/>
-            </a:br>
-            <a:r>
-              <a:rPr lang="ko-KR" altLang="en-US" dirty="0" smtClean="0"/>
-              <a:t>아마도 뷰포리아랑 헤드 트레킹이랑</a:t>
-            </a:r>
-            <a:r>
-              <a:rPr lang="en-US" altLang="ko-KR" dirty="0" smtClean="0"/>
-              <a:t/>
-            </a:r>
-            <a:br>
-              <a:rPr lang="en-US" altLang="ko-KR" dirty="0" smtClean="0"/>
-            </a:br>
-            <a:r>
-              <a:rPr lang="ko-KR" altLang="en-US" dirty="0" smtClean="0"/>
-              <a:t>제작하면서 어려웠던 부분</a:t>
-            </a:r>
-            <a:r>
-              <a:rPr lang="en-US" altLang="ko-KR" dirty="0" smtClean="0"/>
-              <a:t>(</a:t>
-            </a:r>
-            <a:r>
-              <a:rPr lang="ko-KR" altLang="en-US" dirty="0" smtClean="0"/>
-              <a:t>애니메이션</a:t>
-            </a:r>
-            <a:r>
-              <a:rPr lang="en-US" altLang="ko-KR" dirty="0" smtClean="0"/>
-              <a:t>, </a:t>
-            </a:r>
-            <a:r>
-              <a:rPr lang="ko-KR" altLang="en-US" dirty="0" smtClean="0"/>
-              <a:t>맵 배치</a:t>
-            </a:r>
-            <a:r>
-              <a:rPr lang="en-US" altLang="ko-KR" dirty="0" smtClean="0"/>
-              <a:t>, </a:t>
-            </a:r>
-            <a:r>
-              <a:rPr lang="ko-KR" altLang="en-US" dirty="0" smtClean="0"/>
-              <a:t>최적화 및 초기화 부분</a:t>
-            </a:r>
-            <a:r>
-              <a:rPr lang="en-US" altLang="ko-KR" dirty="0"/>
-              <a:t>)</a:t>
-            </a:r>
-            <a:endParaRPr lang="ko-KR" altLang="en-US" dirty="0"/>
-          </a:p>
-        </p:txBody>
-      </p:sp>
+      <p:pic>
+        <p:nvPicPr>
+          <p:cNvPr id="8" name="Picture 7"/>
+          <p:cNvPicPr>
+            <a:picLocks noChangeAspect="1"/>
+          </p:cNvPicPr>
+          <p:nvPr/>
+        </p:nvPicPr>
+        <p:blipFill>
+          <a:blip r:embed="rId2"/>
+          <a:stretch>
+            <a:fillRect/>
+          </a:stretch>
+        </p:blipFill>
+        <p:spPr>
+          <a:xfrm>
+            <a:off x="9273480" y="6093296"/>
+            <a:ext cx="456872" cy="548866"/>
+          </a:xfrm>
+          <a:prstGeom prst="rect">
+            <a:avLst/>
+          </a:prstGeom>
+        </p:spPr>
+      </p:pic>
     </p:spTree>
     <p:extLst>
       <p:ext uri="{BB962C8B-B14F-4D97-AF65-F5344CB8AC3E}">
-        <p14:creationId xmlns:p14="http://schemas.microsoft.com/office/powerpoint/2010/main" val="1304914610"/>
+        <p14:creationId xmlns:p14="http://schemas.microsoft.com/office/powerpoint/2010/main" val="4173763145"/>
       </p:ext>
     </p:extLst>
   </p:cSld>
@@ -5800,20 +6234,11 @@
           <a:bodyPr/>
           <a:lstStyle/>
           <a:p>
-            <a:r>
-              <a:rPr lang="ko-KR" altLang="en-US" dirty="0" smtClean="0"/>
-              <a:t>제에목</a:t>
-            </a:r>
             <a:endParaRPr lang="ko-KR" altLang="en-US" dirty="0"/>
           </a:p>
         </p:txBody>
       </p:sp>
     </p:spTree>
-    <p:extLst>
-      <p:ext uri="{BB962C8B-B14F-4D97-AF65-F5344CB8AC3E}">
-        <p14:creationId xmlns:p14="http://schemas.microsoft.com/office/powerpoint/2010/main" val="52122458"/>
-      </p:ext>
-    </p:extLst>
   </p:cSld>
   <p:clrMapOvr>
     <a:masterClrMapping/>
@@ -5948,7 +6373,7 @@
     </p:spTree>
     <p:extLst>
       <p:ext uri="{BB962C8B-B14F-4D97-AF65-F5344CB8AC3E}">
-        <p14:creationId xmlns:p14="http://schemas.microsoft.com/office/powerpoint/2010/main" val="3482968452"/>
+        <p14:creationId xmlns:p14="http://schemas.microsoft.com/office/powerpoint/2010/main" val="1304914610"/>
       </p:ext>
     </p:extLst>
   </p:cSld>

--- a/User_OtherFiles/포폴 발표 준비/2017_NCIA.pptx
+++ b/User_OtherFiles/포폴 발표 준비/2017_NCIA.pptx
@@ -5,38 +5,37 @@
     <p:sldMasterId id="2147483648" r:id="rId1"/>
   </p:sldMasterIdLst>
   <p:notesMasterIdLst>
-    <p:notesMasterId r:id="rId31"/>
+    <p:notesMasterId r:id="rId30"/>
   </p:notesMasterIdLst>
   <p:sldIdLst>
     <p:sldId id="256" r:id="rId2"/>
     <p:sldId id="257" r:id="rId3"/>
     <p:sldId id="265" r:id="rId4"/>
     <p:sldId id="267" r:id="rId5"/>
-    <p:sldId id="293" r:id="rId6"/>
-    <p:sldId id="271" r:id="rId7"/>
-    <p:sldId id="266" r:id="rId8"/>
-    <p:sldId id="269" r:id="rId9"/>
-    <p:sldId id="270" r:id="rId10"/>
-    <p:sldId id="268" r:id="rId11"/>
-    <p:sldId id="274" r:id="rId12"/>
-    <p:sldId id="294" r:id="rId13"/>
-    <p:sldId id="295" r:id="rId14"/>
-    <p:sldId id="281" r:id="rId15"/>
-    <p:sldId id="301" r:id="rId16"/>
-    <p:sldId id="302" r:id="rId17"/>
-    <p:sldId id="300" r:id="rId18"/>
-    <p:sldId id="303" r:id="rId19"/>
-    <p:sldId id="296" r:id="rId20"/>
-    <p:sldId id="283" r:id="rId21"/>
-    <p:sldId id="284" r:id="rId22"/>
-    <p:sldId id="304" r:id="rId23"/>
-    <p:sldId id="287" r:id="rId24"/>
-    <p:sldId id="298" r:id="rId25"/>
-    <p:sldId id="299" r:id="rId26"/>
-    <p:sldId id="297" r:id="rId27"/>
-    <p:sldId id="279" r:id="rId28"/>
-    <p:sldId id="288" r:id="rId29"/>
-    <p:sldId id="258" r:id="rId30"/>
+    <p:sldId id="271" r:id="rId6"/>
+    <p:sldId id="266" r:id="rId7"/>
+    <p:sldId id="269" r:id="rId8"/>
+    <p:sldId id="270" r:id="rId9"/>
+    <p:sldId id="268" r:id="rId10"/>
+    <p:sldId id="274" r:id="rId11"/>
+    <p:sldId id="294" r:id="rId12"/>
+    <p:sldId id="295" r:id="rId13"/>
+    <p:sldId id="281" r:id="rId14"/>
+    <p:sldId id="301" r:id="rId15"/>
+    <p:sldId id="302" r:id="rId16"/>
+    <p:sldId id="300" r:id="rId17"/>
+    <p:sldId id="303" r:id="rId18"/>
+    <p:sldId id="296" r:id="rId19"/>
+    <p:sldId id="283" r:id="rId20"/>
+    <p:sldId id="284" r:id="rId21"/>
+    <p:sldId id="304" r:id="rId22"/>
+    <p:sldId id="287" r:id="rId23"/>
+    <p:sldId id="298" r:id="rId24"/>
+    <p:sldId id="299" r:id="rId25"/>
+    <p:sldId id="297" r:id="rId26"/>
+    <p:sldId id="279" r:id="rId27"/>
+    <p:sldId id="288" r:id="rId28"/>
+    <p:sldId id="258" r:id="rId29"/>
   </p:sldIdLst>
   <p:sldSz cx="9906000" cy="6858000" type="A4"/>
   <p:notesSz cx="6858000" cy="9144000"/>
@@ -137,7 +136,7 @@
   </p:defaultTextStyle>
   <p:extLst>
     <p:ext uri="{EFAFB233-063F-42B5-8137-9DF3F51BA10A}">
-      <p15:sldGuideLst xmlns="" xmlns:p15="http://schemas.microsoft.com/office/powerpoint/2012/main">
+      <p15:sldGuideLst xmlns:p15="http://schemas.microsoft.com/office/powerpoint/2012/main">
         <p15:guide id="1" orient="horz" pos="2160">
           <p15:clr>
             <a:srgbClr val="A4A3A4"/>
@@ -151,7 +150,7 @@
       </p15:sldGuideLst>
     </p:ext>
     <p:ext uri="{2D200454-40CA-4A62-9FC3-DE9A4176ACB9}">
-      <p15:notesGuideLst xmlns="" xmlns:p15="http://schemas.microsoft.com/office/powerpoint/2012/main">
+      <p15:notesGuideLst xmlns:p15="http://schemas.microsoft.com/office/powerpoint/2012/main">
         <p15:guide id="1" orient="horz" pos="2880">
           <p15:clr>
             <a:srgbClr val="A4A3A4"/>
@@ -423,7 +422,7 @@
     </p:spTree>
     <p:extLst>
       <p:ext uri="{BB962C8B-B14F-4D97-AF65-F5344CB8AC3E}">
-        <p14:creationId xmlns="" xmlns:p14="http://schemas.microsoft.com/office/powerpoint/2010/main" val="360340886"/>
+        <p14:creationId xmlns:p14="http://schemas.microsoft.com/office/powerpoint/2010/main" val="360340886"/>
       </p:ext>
     </p:extLst>
   </p:cSld>
@@ -598,6 +597,11 @@
         </p:txBody>
       </p:sp>
     </p:spTree>
+    <p:extLst>
+      <p:ext uri="{BB962C8B-B14F-4D97-AF65-F5344CB8AC3E}">
+        <p14:creationId xmlns:p14="http://schemas.microsoft.com/office/powerpoint/2010/main" val="1870063861"/>
+      </p:ext>
+    </p:extLst>
   </p:cSld>
   <p:clrMapOvr>
     <a:masterClrMapping/>
@@ -671,7 +675,7 @@
             <a:fld id="{44F815ED-413D-4A02-982A-9455DFA13CE9}" type="slidenum">
               <a:rPr lang="ko-KR" altLang="en-US" smtClean="0"/>
               <a:pPr/>
-              <a:t>29</a:t>
+              <a:t>28</a:t>
             </a:fld>
             <a:endParaRPr lang="ko-KR" altLang="en-US"/>
           </a:p>
@@ -680,7 +684,7 @@
     </p:spTree>
     <p:extLst>
       <p:ext uri="{BB962C8B-B14F-4D97-AF65-F5344CB8AC3E}">
-        <p14:creationId xmlns="" xmlns:p14="http://schemas.microsoft.com/office/powerpoint/2010/main" val="2045422622"/>
+        <p14:creationId xmlns:p14="http://schemas.microsoft.com/office/powerpoint/2010/main" val="2045422622"/>
       </p:ext>
     </p:extLst>
   </p:cSld>
@@ -719,7 +723,7 @@
           <a:blip r:embed="rId2">
             <a:extLst>
               <a:ext uri="{28A0092B-C50C-407E-A947-70E740481C1C}">
-                <a14:useLocalDpi xmlns="" xmlns:a14="http://schemas.microsoft.com/office/drawing/2010/main" val="0"/>
+                <a14:useLocalDpi xmlns:a14="http://schemas.microsoft.com/office/drawing/2010/main" val="0"/>
               </a:ext>
             </a:extLst>
           </a:blip>
@@ -780,7 +784,7 @@
           <a:blip r:embed="rId3" cstate="print">
             <a:extLst>
               <a:ext uri="{28A0092B-C50C-407E-A947-70E740481C1C}">
-                <a14:useLocalDpi xmlns="" xmlns:a14="http://schemas.microsoft.com/office/drawing/2010/main" val="0"/>
+                <a14:useLocalDpi xmlns:a14="http://schemas.microsoft.com/office/drawing/2010/main" val="0"/>
               </a:ext>
             </a:extLst>
           </a:blip>
@@ -940,7 +944,7 @@
           <p:cNvPr id="5" name="Picture 7">
             <a:extLst>
               <a:ext uri="{FF2B5EF4-FFF2-40B4-BE49-F238E27FC236}">
-                <a16:creationId xmlns="" xmlns:a16="http://schemas.microsoft.com/office/drawing/2014/main" id="{88221ADF-8108-4B12-AF48-D5E7AB632E98}"/>
+                <a16:creationId xmlns:a16="http://schemas.microsoft.com/office/drawing/2014/main" xmlns="" id="{88221ADF-8108-4B12-AF48-D5E7AB632E98}"/>
               </a:ext>
             </a:extLst>
           </p:cNvPr>
@@ -1863,7 +1867,7 @@
           <a:blip r:embed="rId2">
             <a:extLst>
               <a:ext uri="{28A0092B-C50C-407E-A947-70E740481C1C}">
-                <a14:useLocalDpi xmlns="" xmlns:a14="http://schemas.microsoft.com/office/drawing/2010/main" val="0"/>
+                <a14:useLocalDpi xmlns:a14="http://schemas.microsoft.com/office/drawing/2010/main" val="0"/>
               </a:ext>
             </a:extLst>
           </a:blip>
@@ -1933,7 +1937,7 @@
     </p:spTree>
     <p:extLst>
       <p:ext uri="{BB962C8B-B14F-4D97-AF65-F5344CB8AC3E}">
-        <p14:creationId xmlns="" xmlns:p14="http://schemas.microsoft.com/office/powerpoint/2010/main" val="1209134871"/>
+        <p14:creationId xmlns:p14="http://schemas.microsoft.com/office/powerpoint/2010/main" val="1209134871"/>
       </p:ext>
     </p:extLst>
   </p:cSld>
@@ -1972,7 +1976,7 @@
           <a:blip r:embed="rId2">
             <a:extLst>
               <a:ext uri="{28A0092B-C50C-407E-A947-70E740481C1C}">
-                <a14:useLocalDpi xmlns="" xmlns:a14="http://schemas.microsoft.com/office/drawing/2010/main" val="0"/>
+                <a14:useLocalDpi xmlns:a14="http://schemas.microsoft.com/office/drawing/2010/main" val="0"/>
               </a:ext>
             </a:extLst>
           </a:blip>
@@ -2310,7 +2314,7 @@
           <p:cNvPr id="6" name="Picture 7">
             <a:extLst>
               <a:ext uri="{FF2B5EF4-FFF2-40B4-BE49-F238E27FC236}">
-                <a16:creationId xmlns="" xmlns:a16="http://schemas.microsoft.com/office/drawing/2014/main" id="{5B73B03F-397A-456B-BE0D-EEBE07E811CD}"/>
+                <a16:creationId xmlns:a16="http://schemas.microsoft.com/office/drawing/2014/main" xmlns="" id="{5B73B03F-397A-456B-BE0D-EEBE07E811CD}"/>
               </a:ext>
             </a:extLst>
           </p:cNvPr>
@@ -2338,7 +2342,7 @@
     </p:spTree>
     <p:extLst>
       <p:ext uri="{BB962C8B-B14F-4D97-AF65-F5344CB8AC3E}">
-        <p14:creationId xmlns="" xmlns:p14="http://schemas.microsoft.com/office/powerpoint/2010/main" val="4152361963"/>
+        <p14:creationId xmlns:p14="http://schemas.microsoft.com/office/powerpoint/2010/main" val="4152361963"/>
       </p:ext>
     </p:extLst>
   </p:cSld>
@@ -2377,7 +2381,7 @@
           <a:blip r:embed="rId2">
             <a:extLst>
               <a:ext uri="{28A0092B-C50C-407E-A947-70E740481C1C}">
-                <a14:useLocalDpi xmlns="" xmlns:a14="http://schemas.microsoft.com/office/drawing/2010/main" val="0"/>
+                <a14:useLocalDpi xmlns:a14="http://schemas.microsoft.com/office/drawing/2010/main" val="0"/>
               </a:ext>
             </a:extLst>
           </a:blip>
@@ -2806,7 +2810,7 @@
           <a:blip r:embed="rId3" cstate="print">
             <a:extLst>
               <a:ext uri="{28A0092B-C50C-407E-A947-70E740481C1C}">
-                <a14:useLocalDpi xmlns="" xmlns:a14="http://schemas.microsoft.com/office/drawing/2010/main" val="0"/>
+                <a14:useLocalDpi xmlns:a14="http://schemas.microsoft.com/office/drawing/2010/main" val="0"/>
               </a:ext>
             </a:extLst>
           </a:blip>
@@ -2827,7 +2831,7 @@
     </p:spTree>
     <p:extLst>
       <p:ext uri="{BB962C8B-B14F-4D97-AF65-F5344CB8AC3E}">
-        <p14:creationId xmlns="" xmlns:p14="http://schemas.microsoft.com/office/powerpoint/2010/main" val="1265301567"/>
+        <p14:creationId xmlns:p14="http://schemas.microsoft.com/office/powerpoint/2010/main" val="1265301567"/>
       </p:ext>
     </p:extLst>
   </p:cSld>
@@ -3925,7 +3929,7 @@
           <a:blip r:embed="rId16">
             <a:extLst>
               <a:ext uri="{28A0092B-C50C-407E-A947-70E740481C1C}">
-                <a14:useLocalDpi xmlns="" xmlns:a14="http://schemas.microsoft.com/office/drawing/2010/main" val="0"/>
+                <a14:useLocalDpi xmlns:a14="http://schemas.microsoft.com/office/drawing/2010/main" val="0"/>
               </a:ext>
             </a:extLst>
           </a:blip>
@@ -4178,7 +4182,7 @@
           <a:blip r:embed="rId17" cstate="print">
             <a:extLst>
               <a:ext uri="{28A0092B-C50C-407E-A947-70E740481C1C}">
-                <a14:useLocalDpi xmlns="" xmlns:a14="http://schemas.microsoft.com/office/drawing/2010/main" val="0"/>
+                <a14:useLocalDpi xmlns:a14="http://schemas.microsoft.com/office/drawing/2010/main" val="0"/>
               </a:ext>
             </a:extLst>
           </a:blip>
@@ -4563,349 +4567,17 @@
   <p:clrMapOvr>
     <a:masterClrMapping/>
   </p:clrMapOvr>
+  <p:timing>
+    <p:tnLst>
+      <p:par>
+        <p:cTn id="1" dur="indefinite" restart="never" nodeType="tmRoot"/>
+      </p:par>
+    </p:tnLst>
+  </p:timing>
 </p:sld>
 </file>
 
 <file path=ppt/slides/slide10.xml><?xml version="1.0" encoding="utf-8"?>
-<p:sld xmlns:a="http://schemas.openxmlformats.org/drawingml/2006/main" xmlns:r="http://schemas.openxmlformats.org/officeDocument/2006/relationships" xmlns:p="http://schemas.openxmlformats.org/presentationml/2006/main">
-  <p:cSld>
-    <p:spTree>
-      <p:nvGrpSpPr>
-        <p:cNvPr id="1" name=""/>
-        <p:cNvGrpSpPr/>
-        <p:nvPr/>
-      </p:nvGrpSpPr>
-      <p:grpSpPr>
-        <a:xfrm>
-          <a:off x="0" y="0"/>
-          <a:ext cx="0" cy="0"/>
-          <a:chOff x="0" y="0"/>
-          <a:chExt cx="0" cy="0"/>
-        </a:xfrm>
-      </p:grpSpPr>
-      <p:sp>
-        <p:nvSpPr>
-          <p:cNvPr id="7" name="제목 3"/>
-          <p:cNvSpPr txBox="1">
-            <a:spLocks/>
-          </p:cNvSpPr>
-          <p:nvPr/>
-        </p:nvSpPr>
-        <p:spPr>
-          <a:xfrm>
-            <a:off x="344488" y="200790"/>
-            <a:ext cx="9217024" cy="419898"/>
-          </a:xfrm>
-          <a:prstGeom prst="rect">
-            <a:avLst/>
-          </a:prstGeom>
-        </p:spPr>
-        <p:txBody>
-          <a:bodyPr/>
-          <a:lstStyle>
-            <a:lvl1pPr algn="l" defTabSz="914400" rtl="0" eaLnBrk="1" latinLnBrk="1" hangingPunct="1">
-              <a:spcBef>
-                <a:spcPct val="0"/>
-              </a:spcBef>
-              <a:buNone/>
-              <a:defRPr sz="2200" b="1" kern="1200">
-                <a:solidFill>
-                  <a:schemeClr val="tx1"/>
-                </a:solidFill>
-                <a:latin typeface="+mj-lt"/>
-                <a:ea typeface="+mj-ea"/>
-                <a:cs typeface="+mj-cs"/>
-              </a:defRPr>
-            </a:lvl1pPr>
-          </a:lstStyle>
-          <a:p>
-            <a:r>
-              <a:rPr lang="en-US" altLang="ko-KR" dirty="0">
-                <a:latin typeface="나눔스퀘어 ExtraBold" panose="020B0600000101010101" pitchFamily="50" charset="-127"/>
-                <a:ea typeface="나눔스퀘어 ExtraBold" panose="020B0600000101010101" pitchFamily="50" charset="-127"/>
-              </a:rPr>
-              <a:t>SQUARE </a:t>
-            </a:r>
-            <a:r>
-              <a:rPr lang="ko-KR" altLang="en-US" dirty="0">
-                <a:latin typeface="나눔스퀘어 ExtraBold" panose="020B0600000101010101" pitchFamily="50" charset="-127"/>
-                <a:ea typeface="나눔스퀘어 ExtraBold" panose="020B0600000101010101" pitchFamily="50" charset="-127"/>
-              </a:rPr>
-              <a:t>소개</a:t>
-            </a:r>
-          </a:p>
-        </p:txBody>
-      </p:sp>
-      <p:grpSp>
-        <p:nvGrpSpPr>
-          <p:cNvPr id="3" name="그룹 2">
-            <a:extLst>
-              <a:ext uri="{FF2B5EF4-FFF2-40B4-BE49-F238E27FC236}">
-                <a16:creationId xmlns="" xmlns:a16="http://schemas.microsoft.com/office/drawing/2014/main" id="{184EC50C-899B-4BF5-8044-94E0C9AEAB29}"/>
-              </a:ext>
-            </a:extLst>
-          </p:cNvPr>
-          <p:cNvGrpSpPr/>
-          <p:nvPr/>
-        </p:nvGrpSpPr>
-        <p:grpSpPr>
-          <a:xfrm>
-            <a:off x="267064" y="2593348"/>
-            <a:ext cx="9371872" cy="1123684"/>
-            <a:chOff x="382402" y="1750164"/>
-            <a:chExt cx="9371872" cy="1123684"/>
-          </a:xfrm>
-        </p:grpSpPr>
-        <p:pic>
-          <p:nvPicPr>
-            <p:cNvPr id="1026" name="Picture 2" descr="https://www.vuforia.com/-/media/Vuforia/Homepage/Singles/Vuforia%20Logo%20OLx2.png?h=1032&amp;la=en&amp;w=3848&amp;hash=4CC8F0C70C008B5412146B5FEC118FF573389536"/>
-            <p:cNvPicPr>
-              <a:picLocks noChangeAspect="1" noChangeArrowheads="1"/>
-            </p:cNvPicPr>
-            <p:nvPr/>
-          </p:nvPicPr>
-          <p:blipFill>
-            <a:blip r:embed="rId2" cstate="print">
-              <a:extLst>
-                <a:ext uri="{28A0092B-C50C-407E-A947-70E740481C1C}">
-                  <a14:useLocalDpi xmlns="" xmlns:a14="http://schemas.microsoft.com/office/drawing/2010/main" val="0"/>
-                </a:ext>
-              </a:extLst>
-            </a:blip>
-            <a:srcRect/>
-            <a:stretch>
-              <a:fillRect/>
-            </a:stretch>
-          </p:blipFill>
-          <p:spPr bwMode="auto">
-            <a:xfrm>
-              <a:off x="382402" y="1750164"/>
-              <a:ext cx="4189861" cy="1123684"/>
-            </a:xfrm>
-            <a:prstGeom prst="rect">
-              <a:avLst/>
-            </a:prstGeom>
-            <a:noFill/>
-            <a:extLst>
-              <a:ext uri="{909E8E84-426E-40DD-AFC4-6F175D3DCCD1}">
-                <a14:hiddenFill xmlns="" xmlns:a14="http://schemas.microsoft.com/office/drawing/2010/main">
-                  <a:solidFill>
-                    <a:srgbClr val="FFFFFF"/>
-                  </a:solidFill>
-                </a14:hiddenFill>
-              </a:ext>
-            </a:extLst>
-          </p:spPr>
-        </p:pic>
-        <p:sp>
-          <p:nvSpPr>
-            <p:cNvPr id="9" name="TextBox 8">
-              <a:extLst>
-                <a:ext uri="{FF2B5EF4-FFF2-40B4-BE49-F238E27FC236}">
-                  <a16:creationId xmlns="" xmlns:a16="http://schemas.microsoft.com/office/drawing/2014/main" id="{3D9EB4ED-BB33-4EBB-8F31-FF38F4FB4C7E}"/>
-                </a:ext>
-              </a:extLst>
-            </p:cNvPr>
-            <p:cNvSpPr txBox="1"/>
-            <p:nvPr/>
-          </p:nvSpPr>
-          <p:spPr>
-            <a:xfrm>
-              <a:off x="4788287" y="1988840"/>
-              <a:ext cx="372218" cy="646331"/>
-            </a:xfrm>
-            <a:prstGeom prst="rect">
-              <a:avLst/>
-            </a:prstGeom>
-            <a:noFill/>
-          </p:spPr>
-          <p:txBody>
-            <a:bodyPr wrap="square" rtlCol="0">
-              <a:spAutoFit/>
-            </a:bodyPr>
-            <a:lstStyle/>
-            <a:p>
-              <a:pPr algn="ctr"/>
-              <a:r>
-                <a:rPr lang="en-US" altLang="ko-KR" sz="3600" dirty="0">
-                  <a:solidFill>
-                    <a:srgbClr val="484848"/>
-                  </a:solidFill>
-                  <a:latin typeface="나눔스퀘어 Bold" panose="020B0600000101010101" pitchFamily="50" charset="-127"/>
-                  <a:ea typeface="나눔스퀘어 Bold" panose="020B0600000101010101" pitchFamily="50" charset="-127"/>
-                </a:rPr>
-                <a:t>+</a:t>
-              </a:r>
-              <a:endParaRPr lang="ko-KR" altLang="en-US" sz="3600" dirty="0">
-                <a:solidFill>
-                  <a:srgbClr val="484848"/>
-                </a:solidFill>
-                <a:latin typeface="나눔스퀘어 Bold" panose="020B0600000101010101" pitchFamily="50" charset="-127"/>
-                <a:ea typeface="나눔스퀘어 Bold" panose="020B0600000101010101" pitchFamily="50" charset="-127"/>
-              </a:endParaRPr>
-            </a:p>
-          </p:txBody>
-        </p:sp>
-        <p:pic>
-          <p:nvPicPr>
-            <p:cNvPr id="2" name="Picture 2" descr="http://seavr2015.com/wordpress/wp-content/uploads/2015/09/cardboard-logo.png">
-              <a:extLst>
-                <a:ext uri="{FF2B5EF4-FFF2-40B4-BE49-F238E27FC236}">
-                  <a16:creationId xmlns="" xmlns:a16="http://schemas.microsoft.com/office/drawing/2014/main" id="{6E518CD5-A0F9-42BE-B04C-C8F662E1D40A}"/>
-                </a:ext>
-              </a:extLst>
-            </p:cNvPr>
-            <p:cNvPicPr>
-              <a:picLocks noChangeAspect="1" noChangeArrowheads="1"/>
-            </p:cNvPicPr>
-            <p:nvPr/>
-          </p:nvPicPr>
-          <p:blipFill>
-            <a:blip r:embed="rId3" cstate="print">
-              <a:extLst>
-                <a:ext uri="{28A0092B-C50C-407E-A947-70E740481C1C}">
-                  <a14:useLocalDpi xmlns="" xmlns:a14="http://schemas.microsoft.com/office/drawing/2010/main" val="0"/>
-                </a:ext>
-              </a:extLst>
-            </a:blip>
-            <a:srcRect/>
-            <a:stretch>
-              <a:fillRect/>
-            </a:stretch>
-          </p:blipFill>
-          <p:spPr bwMode="auto">
-            <a:xfrm>
-              <a:off x="5376529" y="1750648"/>
-              <a:ext cx="4377745" cy="1123200"/>
-            </a:xfrm>
-            <a:prstGeom prst="rect">
-              <a:avLst/>
-            </a:prstGeom>
-            <a:noFill/>
-            <a:extLst>
-              <a:ext uri="{909E8E84-426E-40DD-AFC4-6F175D3DCCD1}">
-                <a14:hiddenFill xmlns="" xmlns:a14="http://schemas.microsoft.com/office/drawing/2010/main">
-                  <a:solidFill>
-                    <a:srgbClr val="FFFFFF"/>
-                  </a:solidFill>
-                </a14:hiddenFill>
-              </a:ext>
-            </a:extLst>
-          </p:spPr>
-        </p:pic>
-      </p:grpSp>
-      <p:sp>
-        <p:nvSpPr>
-          <p:cNvPr id="4" name="TextBox 3">
-            <a:extLst>
-              <a:ext uri="{FF2B5EF4-FFF2-40B4-BE49-F238E27FC236}">
-                <a16:creationId xmlns="" xmlns:a16="http://schemas.microsoft.com/office/drawing/2014/main" id="{0B2033AD-468C-41B4-92E5-574240F7BF90}"/>
-              </a:ext>
-            </a:extLst>
-          </p:cNvPr>
-          <p:cNvSpPr txBox="1"/>
-          <p:nvPr/>
-        </p:nvSpPr>
-        <p:spPr>
-          <a:xfrm>
-            <a:off x="1911142" y="4643844"/>
-            <a:ext cx="6083717" cy="369332"/>
-          </a:xfrm>
-          <a:prstGeom prst="rect">
-            <a:avLst/>
-          </a:prstGeom>
-          <a:noFill/>
-        </p:spPr>
-        <p:txBody>
-          <a:bodyPr wrap="none" rtlCol="0">
-            <a:spAutoFit/>
-          </a:bodyPr>
-          <a:lstStyle/>
-          <a:p>
-            <a:r>
-              <a:rPr lang="en-US" altLang="ko-KR" dirty="0">
-                <a:latin typeface="나눔스퀘어 Bold" panose="020B0600000101010101" pitchFamily="50" charset="-127"/>
-                <a:ea typeface="나눔스퀘어 Bold" panose="020B0600000101010101" pitchFamily="50" charset="-127"/>
-              </a:rPr>
-              <a:t>SQUARE</a:t>
-            </a:r>
-            <a:r>
-              <a:rPr lang="ko-KR" altLang="en-US" dirty="0">
-                <a:latin typeface="나눔스퀘어 Bold" panose="020B0600000101010101" pitchFamily="50" charset="-127"/>
-                <a:ea typeface="나눔스퀘어 Bold" panose="020B0600000101010101" pitchFamily="50" charset="-127"/>
-              </a:rPr>
-              <a:t>는 </a:t>
-            </a:r>
-            <a:r>
-              <a:rPr lang="en-US" altLang="ko-KR" dirty="0">
-                <a:latin typeface="나눔스퀘어 Bold" panose="020B0600000101010101" pitchFamily="50" charset="-127"/>
-                <a:ea typeface="나눔스퀘어 Bold" panose="020B0600000101010101" pitchFamily="50" charset="-127"/>
-              </a:rPr>
-              <a:t>AR </a:t>
-            </a:r>
-            <a:r>
-              <a:rPr lang="ko-KR" altLang="en-US" dirty="0">
-                <a:latin typeface="나눔스퀘어 Bold" panose="020B0600000101010101" pitchFamily="50" charset="-127"/>
-                <a:ea typeface="나눔스퀘어 Bold" panose="020B0600000101010101" pitchFamily="50" charset="-127"/>
-              </a:rPr>
-              <a:t>플랫폼과 </a:t>
-            </a:r>
-            <a:r>
-              <a:rPr lang="en-US" altLang="ko-KR" dirty="0">
-                <a:latin typeface="나눔스퀘어 Bold" panose="020B0600000101010101" pitchFamily="50" charset="-127"/>
-                <a:ea typeface="나눔스퀘어 Bold" panose="020B0600000101010101" pitchFamily="50" charset="-127"/>
-              </a:rPr>
-              <a:t>VR </a:t>
-            </a:r>
-            <a:r>
-              <a:rPr lang="ko-KR" altLang="en-US" dirty="0">
-                <a:latin typeface="나눔스퀘어 Bold" panose="020B0600000101010101" pitchFamily="50" charset="-127"/>
-                <a:ea typeface="나눔스퀘어 Bold" panose="020B0600000101010101" pitchFamily="50" charset="-127"/>
-              </a:rPr>
-              <a:t>플랫폼을 혼합한 </a:t>
-            </a:r>
-            <a:r>
-              <a:rPr lang="en-US" altLang="ko-KR" dirty="0">
-                <a:latin typeface="나눔스퀘어 Bold" panose="020B0600000101010101" pitchFamily="50" charset="-127"/>
-                <a:ea typeface="나눔스퀘어 Bold" panose="020B0600000101010101" pitchFamily="50" charset="-127"/>
-              </a:rPr>
-              <a:t>MR </a:t>
-            </a:r>
-            <a:r>
-              <a:rPr lang="ko-KR" altLang="en-US" dirty="0">
-                <a:latin typeface="나눔스퀘어 Bold" panose="020B0600000101010101" pitchFamily="50" charset="-127"/>
-                <a:ea typeface="나눔스퀘어 Bold" panose="020B0600000101010101" pitchFamily="50" charset="-127"/>
-              </a:rPr>
-              <a:t>게임입니다</a:t>
-            </a:r>
-            <a:r>
-              <a:rPr lang="en-US" altLang="ko-KR" dirty="0">
-                <a:latin typeface="나눔스퀘어 Bold" panose="020B0600000101010101" pitchFamily="50" charset="-127"/>
-                <a:ea typeface="나눔스퀘어 Bold" panose="020B0600000101010101" pitchFamily="50" charset="-127"/>
-              </a:rPr>
-              <a:t>.</a:t>
-            </a:r>
-            <a:endParaRPr lang="ko-KR" altLang="en-US" dirty="0">
-              <a:latin typeface="나눔스퀘어 Bold" panose="020B0600000101010101" pitchFamily="50" charset="-127"/>
-              <a:ea typeface="나눔스퀘어 Bold" panose="020B0600000101010101" pitchFamily="50" charset="-127"/>
-            </a:endParaRPr>
-          </a:p>
-        </p:txBody>
-      </p:sp>
-    </p:spTree>
-    <p:extLst>
-      <p:ext uri="{BB962C8B-B14F-4D97-AF65-F5344CB8AC3E}">
-        <p14:creationId xmlns="" xmlns:p14="http://schemas.microsoft.com/office/powerpoint/2010/main" val="4173763145"/>
-      </p:ext>
-    </p:extLst>
-  </p:cSld>
-  <p:clrMapOvr>
-    <a:masterClrMapping/>
-  </p:clrMapOvr>
-</p:sld>
-</file>
-
-<file path=ppt/slides/slide11.xml><?xml version="1.0" encoding="utf-8"?>
 <p:sld xmlns:a="http://schemas.openxmlformats.org/drawingml/2006/main" xmlns:r="http://schemas.openxmlformats.org/officeDocument/2006/relationships" xmlns:p="http://schemas.openxmlformats.org/presentationml/2006/main" showMasterSp="0">
   <p:cSld>
     <p:bg>
@@ -4938,7 +4610,7 @@
           <p:cNvPr id="20" name="Picture 7">
             <a:extLst>
               <a:ext uri="{FF2B5EF4-FFF2-40B4-BE49-F238E27FC236}">
-                <a16:creationId xmlns="" xmlns:a16="http://schemas.microsoft.com/office/drawing/2014/main" id="{0769C974-8BD0-43FB-8A13-DB9E5BAEEC9C}"/>
+                <a16:creationId xmlns:a16="http://schemas.microsoft.com/office/drawing/2014/main" xmlns="" id="{0769C974-8BD0-43FB-8A13-DB9E5BAEEC9C}"/>
               </a:ext>
             </a:extLst>
           </p:cNvPr>
@@ -4951,7 +4623,7 @@
           <a:blip r:embed="rId2" cstate="print">
             <a:extLst>
               <a:ext uri="{BEBA8EAE-BF5A-486C-A8C5-ECC9F3942E4B}">
-                <a14:imgProps xmlns="" xmlns:a14="http://schemas.microsoft.com/office/drawing/2010/main">
+                <a14:imgProps xmlns:a14="http://schemas.microsoft.com/office/drawing/2010/main">
                   <a14:imgLayer r:embed="rId3">
                     <a14:imgEffect>
                       <a14:brightnessContrast bright="100000"/>
@@ -4995,7 +4667,7 @@
             <p:cNvPr id="14" name="그룹 13">
               <a:extLst>
                 <a:ext uri="{FF2B5EF4-FFF2-40B4-BE49-F238E27FC236}">
-                  <a16:creationId xmlns="" xmlns:a16="http://schemas.microsoft.com/office/drawing/2014/main" id="{60B3439F-FEB9-4D5D-94FB-82CD6BCD0646}"/>
+                  <a16:creationId xmlns:a16="http://schemas.microsoft.com/office/drawing/2014/main" xmlns="" id="{60B3439F-FEB9-4D5D-94FB-82CD6BCD0646}"/>
                 </a:ext>
               </a:extLst>
             </p:cNvPr>
@@ -5161,7 +4833,7 @@
               <p:cNvPr id="22" name="그림 21">
                 <a:extLst>
                   <a:ext uri="{FF2B5EF4-FFF2-40B4-BE49-F238E27FC236}">
-                    <a16:creationId xmlns="" xmlns:a16="http://schemas.microsoft.com/office/drawing/2014/main" id="{39253CFF-666E-44EB-8250-519DFA853CF4}"/>
+                    <a16:creationId xmlns:a16="http://schemas.microsoft.com/office/drawing/2014/main" xmlns="" id="{39253CFF-666E-44EB-8250-519DFA853CF4}"/>
                   </a:ext>
                 </a:extLst>
               </p:cNvPr>
@@ -5174,7 +4846,7 @@
               <a:blip r:embed="rId4" cstate="print">
                 <a:extLst>
                   <a:ext uri="{28A0092B-C50C-407E-A947-70E740481C1C}">
-                    <a14:useLocalDpi xmlns="" xmlns:a14="http://schemas.microsoft.com/office/drawing/2010/main" val="0"/>
+                    <a14:useLocalDpi xmlns:a14="http://schemas.microsoft.com/office/drawing/2010/main" val="0"/>
                   </a:ext>
                 </a:extLst>
               </a:blip>
@@ -5248,7 +4920,7 @@
               <a:blip r:embed="rId5">
                 <a:extLst>
                   <a:ext uri="{28A0092B-C50C-407E-A947-70E740481C1C}">
-                    <a14:useLocalDpi xmlns="" xmlns:a14="http://schemas.microsoft.com/office/drawing/2010/main" val="0"/>
+                    <a14:useLocalDpi xmlns:a14="http://schemas.microsoft.com/office/drawing/2010/main" val="0"/>
                   </a:ext>
                 </a:extLst>
               </a:blip>
@@ -5278,7 +4950,7 @@
               <a:blip r:embed="rId6">
                 <a:extLst>
                   <a:ext uri="{28A0092B-C50C-407E-A947-70E740481C1C}">
-                    <a14:useLocalDpi xmlns="" xmlns:a14="http://schemas.microsoft.com/office/drawing/2010/main" val="0"/>
+                    <a14:useLocalDpi xmlns:a14="http://schemas.microsoft.com/office/drawing/2010/main" val="0"/>
                   </a:ext>
                 </a:extLst>
               </a:blip>
@@ -5457,7 +5129,7 @@
               <p:cNvPr id="1026" name="Picture 2" descr="http://www.gunblast.com/images/RKCampbell_EAAWitness/03.jpg">
                 <a:extLst>
                   <a:ext uri="{FF2B5EF4-FFF2-40B4-BE49-F238E27FC236}">
-                    <a16:creationId xmlns="" xmlns:a16="http://schemas.microsoft.com/office/drawing/2014/main" id="{AECA96FB-997A-45C5-98AE-62A52095350F}"/>
+                    <a16:creationId xmlns:a16="http://schemas.microsoft.com/office/drawing/2014/main" xmlns="" id="{AECA96FB-997A-45C5-98AE-62A52095350F}"/>
                   </a:ext>
                 </a:extLst>
               </p:cNvPr>
@@ -5470,7 +5142,7 @@
               <a:blip r:embed="rId7" cstate="print">
                 <a:extLst>
                   <a:ext uri="{28A0092B-C50C-407E-A947-70E740481C1C}">
-                    <a14:useLocalDpi xmlns="" xmlns:a14="http://schemas.microsoft.com/office/drawing/2010/main" val="0"/>
+                    <a14:useLocalDpi xmlns:a14="http://schemas.microsoft.com/office/drawing/2010/main" val="0"/>
                   </a:ext>
                 </a:extLst>
               </a:blip>
@@ -5488,7 +5160,7 @@
               <a:noFill/>
               <a:extLst>
                 <a:ext uri="{909E8E84-426E-40DD-AFC4-6F175D3DCCD1}">
-                  <a14:hiddenFill xmlns="" xmlns:a14="http://schemas.microsoft.com/office/drawing/2010/main">
+                  <a14:hiddenFill xmlns:a14="http://schemas.microsoft.com/office/drawing/2010/main">
                     <a:solidFill>
                       <a:srgbClr val="FFFFFF"/>
                     </a:solidFill>
@@ -5502,7 +5174,7 @@
               <p:cNvPr id="13" name="AutoShape 10" descr="https://0mcd7v4mmy-flywheel.netdna-ssl.com/wp-content/uploads/GunFiring-720x480.jpg">
                 <a:extLst>
                   <a:ext uri="{FF2B5EF4-FFF2-40B4-BE49-F238E27FC236}">
-                    <a16:creationId xmlns="" xmlns:a16="http://schemas.microsoft.com/office/drawing/2014/main" id="{38D2C870-903E-4488-B153-91FA4860E724}"/>
+                    <a16:creationId xmlns:a16="http://schemas.microsoft.com/office/drawing/2014/main" xmlns="" id="{38D2C870-903E-4488-B153-91FA4860E724}"/>
                   </a:ext>
                 </a:extLst>
               </p:cNvPr>
@@ -5522,7 +5194,7 @@
               <a:noFill/>
               <a:extLst>
                 <a:ext uri="{909E8E84-426E-40DD-AFC4-6F175D3DCCD1}">
-                  <a14:hiddenFill xmlns="" xmlns:a14="http://schemas.microsoft.com/office/drawing/2010/main">
+                  <a14:hiddenFill xmlns:a14="http://schemas.microsoft.com/office/drawing/2010/main">
                     <a:solidFill>
                       <a:srgbClr val="FFFFFF"/>
                     </a:solidFill>
@@ -5547,7 +5219,7 @@
               <p:cNvPr id="28" name="TextBox 27">
                 <a:extLst>
                   <a:ext uri="{FF2B5EF4-FFF2-40B4-BE49-F238E27FC236}">
-                    <a16:creationId xmlns="" xmlns:a16="http://schemas.microsoft.com/office/drawing/2014/main" id="{4E91272E-1056-4196-996E-32EECDD43FB0}"/>
+                    <a16:creationId xmlns:a16="http://schemas.microsoft.com/office/drawing/2014/main" xmlns="" id="{4E91272E-1056-4196-996E-32EECDD43FB0}"/>
                   </a:ext>
                 </a:extLst>
               </p:cNvPr>
@@ -5626,7 +5298,7 @@
               <p:cNvPr id="30" name="Picture 2">
                 <a:extLst>
                   <a:ext uri="{FF2B5EF4-FFF2-40B4-BE49-F238E27FC236}">
-                    <a16:creationId xmlns="" xmlns:a16="http://schemas.microsoft.com/office/drawing/2014/main" id="{03801580-FDC1-4C1A-90AF-247FE12C6807}"/>
+                    <a16:creationId xmlns:a16="http://schemas.microsoft.com/office/drawing/2014/main" xmlns="" id="{03801580-FDC1-4C1A-90AF-247FE12C6807}"/>
                   </a:ext>
                 </a:extLst>
               </p:cNvPr>
@@ -5639,7 +5311,7 @@
               <a:blip r:embed="rId8">
                 <a:extLst>
                   <a:ext uri="{28A0092B-C50C-407E-A947-70E740481C1C}">
-                    <a14:useLocalDpi xmlns="" xmlns:a14="http://schemas.microsoft.com/office/drawing/2010/main" val="0"/>
+                    <a14:useLocalDpi xmlns:a14="http://schemas.microsoft.com/office/drawing/2010/main" val="0"/>
                   </a:ext>
                 </a:extLst>
               </a:blip>
@@ -5662,7 +5334,7 @@
               <p:cNvPr id="31" name="TextBox 30">
                 <a:extLst>
                   <a:ext uri="{FF2B5EF4-FFF2-40B4-BE49-F238E27FC236}">
-                    <a16:creationId xmlns="" xmlns:a16="http://schemas.microsoft.com/office/drawing/2014/main" id="{80C2D0A1-E7C1-49CA-AC4F-050075A81FA8}"/>
+                    <a16:creationId xmlns:a16="http://schemas.microsoft.com/office/drawing/2014/main" xmlns="" id="{80C2D0A1-E7C1-49CA-AC4F-050075A81FA8}"/>
                   </a:ext>
                 </a:extLst>
               </p:cNvPr>
@@ -5711,7 +5383,7 @@
               <p:cNvPr id="32" name="Rectangle 14">
                 <a:extLst>
                   <a:ext uri="{FF2B5EF4-FFF2-40B4-BE49-F238E27FC236}">
-                    <a16:creationId xmlns="" xmlns:a16="http://schemas.microsoft.com/office/drawing/2014/main" id="{98347E1C-4AEA-43CF-9FCA-B24052593285}"/>
+                    <a16:creationId xmlns:a16="http://schemas.microsoft.com/office/drawing/2014/main" xmlns="" id="{98347E1C-4AEA-43CF-9FCA-B24052593285}"/>
                   </a:ext>
                 </a:extLst>
               </p:cNvPr>
@@ -5752,7 +5424,7 @@
               <p:cNvPr id="33" name="AutoShape 10" descr="https://0mcd7v4mmy-flywheel.netdna-ssl.com/wp-content/uploads/GunFiring-720x480.jpg">
                 <a:extLst>
                   <a:ext uri="{FF2B5EF4-FFF2-40B4-BE49-F238E27FC236}">
-                    <a16:creationId xmlns="" xmlns:a16="http://schemas.microsoft.com/office/drawing/2014/main" id="{2472BB78-50DB-49E1-A2FD-6DAE23F350ED}"/>
+                    <a16:creationId xmlns:a16="http://schemas.microsoft.com/office/drawing/2014/main" xmlns="" id="{2472BB78-50DB-49E1-A2FD-6DAE23F350ED}"/>
                   </a:ext>
                 </a:extLst>
               </p:cNvPr>
@@ -5772,7 +5444,7 @@
               <a:noFill/>
               <a:extLst>
                 <a:ext uri="{909E8E84-426E-40DD-AFC4-6F175D3DCCD1}">
-                  <a14:hiddenFill xmlns="" xmlns:a14="http://schemas.microsoft.com/office/drawing/2010/main">
+                  <a14:hiddenFill xmlns:a14="http://schemas.microsoft.com/office/drawing/2010/main">
                     <a:solidFill>
                       <a:srgbClr val="FFFFFF"/>
                     </a:solidFill>
@@ -5797,7 +5469,7 @@
               <p:cNvPr id="7170" name="Picture 2" descr="https://d30y9cdsu7xlg0.cloudfront.net/png/51465-200.png">
                 <a:extLst>
                   <a:ext uri="{FF2B5EF4-FFF2-40B4-BE49-F238E27FC236}">
-                    <a16:creationId xmlns="" xmlns:a16="http://schemas.microsoft.com/office/drawing/2014/main" id="{AB1BC48B-88B5-4B65-934F-664CCFD8DF6A}"/>
+                    <a16:creationId xmlns:a16="http://schemas.microsoft.com/office/drawing/2014/main" xmlns="" id="{AB1BC48B-88B5-4B65-934F-664CCFD8DF6A}"/>
                   </a:ext>
                 </a:extLst>
               </p:cNvPr>
@@ -5810,7 +5482,7 @@
               <a:blip r:embed="rId9">
                 <a:extLst>
                   <a:ext uri="{28A0092B-C50C-407E-A947-70E740481C1C}">
-                    <a14:useLocalDpi xmlns="" xmlns:a14="http://schemas.microsoft.com/office/drawing/2010/main" val="0"/>
+                    <a14:useLocalDpi xmlns:a14="http://schemas.microsoft.com/office/drawing/2010/main" val="0"/>
                   </a:ext>
                 </a:extLst>
               </a:blip>
@@ -5838,7 +5510,7 @@
             <p:cNvPr id="35" name="Picture 2" descr="https://www.vuforia.com/-/media/Vuforia/Homepage/Singles/Vuforia%20Logo%20OLx2.png?h=1032&amp;la=en&amp;w=3848&amp;hash=4CC8F0C70C008B5412146B5FEC118FF573389536">
               <a:extLst>
                 <a:ext uri="{FF2B5EF4-FFF2-40B4-BE49-F238E27FC236}">
-                  <a16:creationId xmlns="" xmlns:a16="http://schemas.microsoft.com/office/drawing/2014/main" id="{3BF66E9D-A845-443B-93DC-B88C51A2A4EE}"/>
+                  <a16:creationId xmlns:a16="http://schemas.microsoft.com/office/drawing/2014/main" xmlns="" id="{3BF66E9D-A845-443B-93DC-B88C51A2A4EE}"/>
                 </a:ext>
               </a:extLst>
             </p:cNvPr>
@@ -5851,7 +5523,7 @@
             <a:blip r:embed="rId10" cstate="print">
               <a:extLst>
                 <a:ext uri="{BEBA8EAE-BF5A-486C-A8C5-ECC9F3942E4B}">
-                  <a14:imgProps xmlns="" xmlns:a14="http://schemas.microsoft.com/office/drawing/2010/main">
+                  <a14:imgProps xmlns:a14="http://schemas.microsoft.com/office/drawing/2010/main">
                     <a14:imgLayer r:embed="rId11">
                       <a14:imgEffect>
                         <a14:brightnessContrast bright="100000"/>
@@ -5860,7 +5532,7 @@
                   </a14:imgProps>
                 </a:ext>
                 <a:ext uri="{28A0092B-C50C-407E-A947-70E740481C1C}">
-                  <a14:useLocalDpi xmlns="" xmlns:a14="http://schemas.microsoft.com/office/drawing/2010/main" val="0"/>
+                  <a14:useLocalDpi xmlns:a14="http://schemas.microsoft.com/office/drawing/2010/main" val="0"/>
                 </a:ext>
               </a:extLst>
             </a:blip>
@@ -5943,7 +5615,7 @@
     </p:spTree>
     <p:extLst>
       <p:ext uri="{BB962C8B-B14F-4D97-AF65-F5344CB8AC3E}">
-        <p14:creationId xmlns="" xmlns:p14="http://schemas.microsoft.com/office/powerpoint/2010/main" val="2263810066"/>
+        <p14:creationId xmlns:p14="http://schemas.microsoft.com/office/powerpoint/2010/main" val="2263810066"/>
       </p:ext>
     </p:extLst>
   </p:cSld>
@@ -5960,7 +5632,7 @@
 </p:sld>
 </file>
 
-<file path=ppt/slides/slide12.xml><?xml version="1.0" encoding="utf-8"?>
+<file path=ppt/slides/slide11.xml><?xml version="1.0" encoding="utf-8"?>
 <p:sld xmlns:a="http://schemas.openxmlformats.org/drawingml/2006/main" xmlns:r="http://schemas.openxmlformats.org/officeDocument/2006/relationships" xmlns:p="http://schemas.openxmlformats.org/presentationml/2006/main" showMasterSp="0">
   <p:cSld>
     <p:bg>
@@ -5993,7 +5665,7 @@
           <p:cNvPr id="20" name="Picture 7">
             <a:extLst>
               <a:ext uri="{FF2B5EF4-FFF2-40B4-BE49-F238E27FC236}">
-                <a16:creationId xmlns="" xmlns:a16="http://schemas.microsoft.com/office/drawing/2014/main" id="{0769C974-8BD0-43FB-8A13-DB9E5BAEEC9C}"/>
+                <a16:creationId xmlns:a16="http://schemas.microsoft.com/office/drawing/2014/main" xmlns="" id="{0769C974-8BD0-43FB-8A13-DB9E5BAEEC9C}"/>
               </a:ext>
             </a:extLst>
           </p:cNvPr>
@@ -6006,7 +5678,7 @@
           <a:blip r:embed="rId2" cstate="print">
             <a:extLst>
               <a:ext uri="{BEBA8EAE-BF5A-486C-A8C5-ECC9F3942E4B}">
-                <a14:imgProps xmlns="" xmlns:a14="http://schemas.microsoft.com/office/drawing/2010/main">
+                <a14:imgProps xmlns:a14="http://schemas.microsoft.com/office/drawing/2010/main">
                   <a14:imgLayer r:embed="rId3">
                     <a14:imgEffect>
                       <a14:brightnessContrast bright="100000"/>
@@ -6167,7 +5839,7 @@
             <p:cNvPr id="25" name="Picture 2" descr="http://seavr2015.com/wordpress/wp-content/uploads/2015/09/cardboard-logo.png">
               <a:extLst>
                 <a:ext uri="{FF2B5EF4-FFF2-40B4-BE49-F238E27FC236}">
-                  <a16:creationId xmlns="" xmlns:a16="http://schemas.microsoft.com/office/drawing/2014/main" id="{6E518CD5-A0F9-42BE-B04C-C8F662E1D40A}"/>
+                  <a16:creationId xmlns:a16="http://schemas.microsoft.com/office/drawing/2014/main" xmlns="" id="{6E518CD5-A0F9-42BE-B04C-C8F662E1D40A}"/>
                 </a:ext>
               </a:extLst>
             </p:cNvPr>
@@ -6181,7 +5853,7 @@
               <a:lum bright="100000"/>
               <a:extLst>
                 <a:ext uri="{28A0092B-C50C-407E-A947-70E740481C1C}">
-                  <a14:useLocalDpi xmlns="" xmlns:a14="http://schemas.microsoft.com/office/drawing/2010/main" val="0"/>
+                  <a14:useLocalDpi xmlns:a14="http://schemas.microsoft.com/office/drawing/2010/main" val="0"/>
                 </a:ext>
               </a:extLst>
             </a:blip>
@@ -6201,7 +5873,7 @@
             <a:noFill/>
             <a:extLst>
               <a:ext uri="{909E8E84-426E-40DD-AFC4-6F175D3DCCD1}">
-                <a14:hiddenFill xmlns="" xmlns:a14="http://schemas.microsoft.com/office/drawing/2010/main">
+                <a14:hiddenFill xmlns:a14="http://schemas.microsoft.com/office/drawing/2010/main">
                   <a:solidFill>
                     <a:srgbClr val="FFFFFF"/>
                   </a:solidFill>
@@ -6214,7 +5886,7 @@
     </p:spTree>
     <p:extLst>
       <p:ext uri="{BB962C8B-B14F-4D97-AF65-F5344CB8AC3E}">
-        <p14:creationId xmlns="" xmlns:p14="http://schemas.microsoft.com/office/powerpoint/2010/main" val="2263810066"/>
+        <p14:creationId xmlns:p14="http://schemas.microsoft.com/office/powerpoint/2010/main" val="2263810066"/>
       </p:ext>
     </p:extLst>
   </p:cSld>
@@ -6231,7 +5903,7 @@
 </p:sld>
 </file>
 
-<file path=ppt/slides/slide13.xml><?xml version="1.0" encoding="utf-8"?>
+<file path=ppt/slides/slide12.xml><?xml version="1.0" encoding="utf-8"?>
 <p:sld xmlns:a="http://schemas.openxmlformats.org/drawingml/2006/main" xmlns:r="http://schemas.openxmlformats.org/officeDocument/2006/relationships" xmlns:p="http://schemas.openxmlformats.org/presentationml/2006/main" showMasterSp="0">
   <p:cSld>
     <p:bg>
@@ -6264,7 +5936,7 @@
           <p:cNvPr id="20" name="Picture 7">
             <a:extLst>
               <a:ext uri="{FF2B5EF4-FFF2-40B4-BE49-F238E27FC236}">
-                <a16:creationId xmlns="" xmlns:a16="http://schemas.microsoft.com/office/drawing/2014/main" id="{0769C974-8BD0-43FB-8A13-DB9E5BAEEC9C}"/>
+                <a16:creationId xmlns:a16="http://schemas.microsoft.com/office/drawing/2014/main" xmlns="" id="{0769C974-8BD0-43FB-8A13-DB9E5BAEEC9C}"/>
               </a:ext>
             </a:extLst>
           </p:cNvPr>
@@ -6277,7 +5949,7 @@
           <a:blip r:embed="rId2" cstate="print">
             <a:extLst>
               <a:ext uri="{BEBA8EAE-BF5A-486C-A8C5-ECC9F3942E4B}">
-                <a14:imgProps xmlns="" xmlns:a14="http://schemas.microsoft.com/office/drawing/2010/main">
+                <a14:imgProps xmlns:a14="http://schemas.microsoft.com/office/drawing/2010/main">
                   <a14:imgLayer r:embed="rId3">
                     <a14:imgEffect>
                       <a14:brightnessContrast bright="100000"/>
@@ -6441,7 +6113,7 @@
               <p:cNvPr id="9" name="Picture 2" descr="http://seavr2015.com/wordpress/wp-content/uploads/2015/09/cardboard-logo.png">
                 <a:extLst>
                   <a:ext uri="{FF2B5EF4-FFF2-40B4-BE49-F238E27FC236}">
-                    <a16:creationId xmlns="" xmlns:a16="http://schemas.microsoft.com/office/drawing/2014/main" id="{6E518CD5-A0F9-42BE-B04C-C8F662E1D40A}"/>
+                    <a16:creationId xmlns:a16="http://schemas.microsoft.com/office/drawing/2014/main" xmlns="" id="{6E518CD5-A0F9-42BE-B04C-C8F662E1D40A}"/>
                   </a:ext>
                 </a:extLst>
               </p:cNvPr>
@@ -6455,7 +6127,7 @@
                 <a:lum bright="100000"/>
                 <a:extLst>
                   <a:ext uri="{28A0092B-C50C-407E-A947-70E740481C1C}">
-                    <a14:useLocalDpi xmlns="" xmlns:a14="http://schemas.microsoft.com/office/drawing/2010/main" val="0"/>
+                    <a14:useLocalDpi xmlns:a14="http://schemas.microsoft.com/office/drawing/2010/main" val="0"/>
                   </a:ext>
                 </a:extLst>
               </a:blip>
@@ -6475,7 +6147,7 @@
               <a:noFill/>
               <a:extLst>
                 <a:ext uri="{909E8E84-426E-40DD-AFC4-6F175D3DCCD1}">
-                  <a14:hiddenFill xmlns="" xmlns:a14="http://schemas.microsoft.com/office/drawing/2010/main">
+                  <a14:hiddenFill xmlns:a14="http://schemas.microsoft.com/office/drawing/2010/main">
                     <a:solidFill>
                       <a:srgbClr val="FFFFFF"/>
                     </a:solidFill>
@@ -6489,7 +6161,7 @@
               <p:cNvPr id="10" name="Picture 2" descr="https://www.vuforia.com/-/media/Vuforia/Homepage/Singles/Vuforia%20Logo%20OLx2.png?h=1032&amp;la=en&amp;w=3848&amp;hash=4CC8F0C70C008B5412146B5FEC118FF573389536">
                 <a:extLst>
                   <a:ext uri="{FF2B5EF4-FFF2-40B4-BE49-F238E27FC236}">
-                    <a16:creationId xmlns="" xmlns:a16="http://schemas.microsoft.com/office/drawing/2014/main" id="{3BF66E9D-A845-443B-93DC-B88C51A2A4EE}"/>
+                    <a16:creationId xmlns:a16="http://schemas.microsoft.com/office/drawing/2014/main" xmlns="" id="{3BF66E9D-A845-443B-93DC-B88C51A2A4EE}"/>
                   </a:ext>
                 </a:extLst>
               </p:cNvPr>
@@ -6502,8 +6174,8 @@
               <a:blip r:embed="rId5" cstate="print">
                 <a:extLst>
                   <a:ext uri="{BEBA8EAE-BF5A-486C-A8C5-ECC9F3942E4B}">
-                    <a14:imgProps xmlns="" xmlns:a14="http://schemas.microsoft.com/office/drawing/2010/main">
-                      <a14:imgLayer r:embed="rId11">
+                    <a14:imgProps xmlns:a14="http://schemas.microsoft.com/office/drawing/2010/main">
+                      <a14:imgLayer r:embed="rId6">
                         <a14:imgEffect>
                           <a14:brightnessContrast bright="100000"/>
                         </a14:imgEffect>
@@ -6511,7 +6183,7 @@
                     </a14:imgProps>
                   </a:ext>
                   <a:ext uri="{28A0092B-C50C-407E-A947-70E740481C1C}">
-                    <a14:useLocalDpi xmlns="" xmlns:a14="http://schemas.microsoft.com/office/drawing/2010/main" val="0"/>
+                    <a14:useLocalDpi xmlns:a14="http://schemas.microsoft.com/office/drawing/2010/main" val="0"/>
                   </a:ext>
                 </a:extLst>
               </a:blip>
@@ -6546,7 +6218,7 @@
               <p:nvPr/>
             </p:nvPicPr>
             <p:blipFill>
-              <a:blip r:embed="rId12" cstate="print">
+              <a:blip r:embed="rId7" cstate="print">
                 <a:biLevel thresh="50000"/>
                 <a:lum bright="100000"/>
               </a:blip>
@@ -6712,7 +6384,7 @@
     </p:spTree>
     <p:extLst>
       <p:ext uri="{BB962C8B-B14F-4D97-AF65-F5344CB8AC3E}">
-        <p14:creationId xmlns="" xmlns:p14="http://schemas.microsoft.com/office/powerpoint/2010/main" val="2263810066"/>
+        <p14:creationId xmlns:p14="http://schemas.microsoft.com/office/powerpoint/2010/main" val="2263810066"/>
       </p:ext>
     </p:extLst>
   </p:cSld>
@@ -6729,7 +6401,7 @@
 </p:sld>
 </file>
 
-<file path=ppt/slides/slide14.xml><?xml version="1.0" encoding="utf-8"?>
+<file path=ppt/slides/slide13.xml><?xml version="1.0" encoding="utf-8"?>
 <p:sld xmlns:a="http://schemas.openxmlformats.org/drawingml/2006/main" xmlns:r="http://schemas.openxmlformats.org/officeDocument/2006/relationships" xmlns:p="http://schemas.openxmlformats.org/presentationml/2006/main">
   <p:cSld>
     <p:spTree>
@@ -6776,7 +6448,151 @@
     </p:spTree>
     <p:extLst>
       <p:ext uri="{BB962C8B-B14F-4D97-AF65-F5344CB8AC3E}">
-        <p14:creationId xmlns="" xmlns:p14="http://schemas.microsoft.com/office/powerpoint/2010/main" val="1917777873"/>
+        <p14:creationId xmlns:p14="http://schemas.microsoft.com/office/powerpoint/2010/main" val="1917777873"/>
+      </p:ext>
+    </p:extLst>
+  </p:cSld>
+  <p:clrMapOvr>
+    <a:masterClrMapping/>
+  </p:clrMapOvr>
+  <p:timing>
+    <p:tnLst>
+      <p:par>
+        <p:cTn id="1" dur="indefinite" restart="never" nodeType="tmRoot"/>
+      </p:par>
+    </p:tnLst>
+  </p:timing>
+</p:sld>
+</file>
+
+<file path=ppt/slides/slide14.xml><?xml version="1.0" encoding="utf-8"?>
+<p:sld xmlns:a="http://schemas.openxmlformats.org/drawingml/2006/main" xmlns:r="http://schemas.openxmlformats.org/officeDocument/2006/relationships" xmlns:p="http://schemas.openxmlformats.org/presentationml/2006/main" showMasterSp="0">
+  <p:cSld>
+    <p:bg>
+      <p:bgPr>
+        <a:solidFill>
+          <a:schemeClr val="tx1">
+            <a:lumMod val="75000"/>
+            <a:lumOff val="25000"/>
+          </a:schemeClr>
+        </a:solidFill>
+        <a:effectLst/>
+      </p:bgPr>
+    </p:bg>
+    <p:spTree>
+      <p:nvGrpSpPr>
+        <p:cNvPr id="1" name=""/>
+        <p:cNvGrpSpPr/>
+        <p:nvPr/>
+      </p:nvGrpSpPr>
+      <p:grpSpPr>
+        <a:xfrm>
+          <a:off x="0" y="0"/>
+          <a:ext cx="0" cy="0"/>
+          <a:chOff x="0" y="0"/>
+          <a:chExt cx="0" cy="0"/>
+        </a:xfrm>
+      </p:grpSpPr>
+      <p:pic>
+        <p:nvPicPr>
+          <p:cNvPr id="5" name="Picture 7">
+            <a:extLst>
+              <a:ext uri="{FF2B5EF4-FFF2-40B4-BE49-F238E27FC236}">
+                <a16:creationId xmlns:a16="http://schemas.microsoft.com/office/drawing/2014/main" xmlns="" id="{CF97F8B5-1605-4D20-B119-00CF37DD408E}"/>
+              </a:ext>
+            </a:extLst>
+          </p:cNvPr>
+          <p:cNvPicPr>
+            <a:picLocks noChangeAspect="1"/>
+          </p:cNvPicPr>
+          <p:nvPr/>
+        </p:nvPicPr>
+        <p:blipFill>
+          <a:blip r:embed="rId2" cstate="print">
+            <a:extLst>
+              <a:ext uri="{BEBA8EAE-BF5A-486C-A8C5-ECC9F3942E4B}">
+                <a14:imgProps xmlns:a14="http://schemas.microsoft.com/office/drawing/2010/main">
+                  <a14:imgLayer r:embed="rId3">
+                    <a14:imgEffect>
+                      <a14:brightnessContrast bright="100000"/>
+                    </a14:imgEffect>
+                  </a14:imgLayer>
+                </a14:imgProps>
+              </a:ext>
+            </a:extLst>
+          </a:blip>
+          <a:stretch>
+            <a:fillRect/>
+          </a:stretch>
+        </p:blipFill>
+        <p:spPr>
+          <a:xfrm>
+            <a:off x="9273480" y="6237312"/>
+            <a:ext cx="456872" cy="548866"/>
+          </a:xfrm>
+          <a:prstGeom prst="rect">
+            <a:avLst/>
+          </a:prstGeom>
+          <a:noFill/>
+        </p:spPr>
+      </p:pic>
+      <p:sp>
+        <p:nvSpPr>
+          <p:cNvPr id="14" name="TextBox 13"/>
+          <p:cNvSpPr txBox="1"/>
+          <p:nvPr/>
+        </p:nvSpPr>
+        <p:spPr>
+          <a:xfrm>
+            <a:off x="3942147" y="3198168"/>
+            <a:ext cx="2021707" cy="461665"/>
+          </a:xfrm>
+          <a:prstGeom prst="rect">
+            <a:avLst/>
+          </a:prstGeom>
+          <a:noFill/>
+        </p:spPr>
+        <p:txBody>
+          <a:bodyPr wrap="none" rtlCol="0">
+            <a:spAutoFit/>
+          </a:bodyPr>
+          <a:lstStyle/>
+          <a:p>
+            <a:pPr algn="ctr"/>
+            <a:r>
+              <a:rPr lang="ko-KR" altLang="en-US" sz="2400" dirty="0" err="1" smtClean="0">
+                <a:solidFill>
+                  <a:schemeClr val="bg1"/>
+                </a:solidFill>
+                <a:latin typeface="나눔스퀘어 Bold" panose="020B0600000101010101" pitchFamily="50" charset="-127"/>
+                <a:ea typeface="나눔스퀘어 Bold" panose="020B0600000101010101" pitchFamily="50" charset="-127"/>
+              </a:rPr>
+              <a:t>레퍼런스</a:t>
+            </a:r>
+            <a:r>
+              <a:rPr lang="ko-KR" altLang="en-US" sz="2400" dirty="0" smtClean="0">
+                <a:solidFill>
+                  <a:schemeClr val="bg1"/>
+                </a:solidFill>
+                <a:latin typeface="나눔스퀘어 Bold" panose="020B0600000101010101" pitchFamily="50" charset="-127"/>
+                <a:ea typeface="나눔스퀘어 Bold" panose="020B0600000101010101" pitchFamily="50" charset="-127"/>
+              </a:rPr>
+              <a:t> 부족</a:t>
+            </a:r>
+            <a:endParaRPr lang="en-US" altLang="ko-KR" sz="2400" dirty="0">
+              <a:solidFill>
+                <a:schemeClr val="bg1"/>
+              </a:solidFill>
+              <a:latin typeface="나눔스퀘어 Bold" panose="020B0600000101010101" pitchFamily="50" charset="-127"/>
+              <a:ea typeface="나눔스퀘어 Bold" panose="020B0600000101010101" pitchFamily="50" charset="-127"/>
+            </a:endParaRPr>
+          </a:p>
+        </p:txBody>
+      </p:sp>
+    </p:spTree>
+    <p:extLst>
+      <p:ext uri="{BB962C8B-B14F-4D97-AF65-F5344CB8AC3E}">
+        <p14:creationId xmlns:p14="http://schemas.microsoft.com/office/powerpoint/2010/main" val="3510903501"/>
       </p:ext>
     </p:extLst>
   </p:cSld>
@@ -6826,7 +6642,7 @@
           <p:cNvPr id="5" name="Picture 7">
             <a:extLst>
               <a:ext uri="{FF2B5EF4-FFF2-40B4-BE49-F238E27FC236}">
-                <a16:creationId xmlns="" xmlns:a16="http://schemas.microsoft.com/office/drawing/2014/main" id="{CF97F8B5-1605-4D20-B119-00CF37DD408E}"/>
+                <a16:creationId xmlns:a16="http://schemas.microsoft.com/office/drawing/2014/main" xmlns="" id="{CF97F8B5-1605-4D20-B119-00CF37DD408E}"/>
               </a:ext>
             </a:extLst>
           </p:cNvPr>
@@ -6839,152 +6655,8 @@
           <a:blip r:embed="rId2" cstate="print">
             <a:extLst>
               <a:ext uri="{BEBA8EAE-BF5A-486C-A8C5-ECC9F3942E4B}">
-                <a14:imgProps xmlns="" xmlns:a14="http://schemas.microsoft.com/office/drawing/2010/main">
-                  <a14:imgLayer r:embed="rId5">
-                    <a14:imgEffect>
-                      <a14:brightnessContrast bright="100000"/>
-                    </a14:imgEffect>
-                  </a14:imgLayer>
-                </a14:imgProps>
-              </a:ext>
-            </a:extLst>
-          </a:blip>
-          <a:stretch>
-            <a:fillRect/>
-          </a:stretch>
-        </p:blipFill>
-        <p:spPr>
-          <a:xfrm>
-            <a:off x="9273480" y="6237312"/>
-            <a:ext cx="456872" cy="548866"/>
-          </a:xfrm>
-          <a:prstGeom prst="rect">
-            <a:avLst/>
-          </a:prstGeom>
-          <a:noFill/>
-        </p:spPr>
-      </p:pic>
-      <p:sp>
-        <p:nvSpPr>
-          <p:cNvPr id="14" name="TextBox 13"/>
-          <p:cNvSpPr txBox="1"/>
-          <p:nvPr/>
-        </p:nvSpPr>
-        <p:spPr>
-          <a:xfrm>
-            <a:off x="3942147" y="3198168"/>
-            <a:ext cx="2021707" cy="461665"/>
-          </a:xfrm>
-          <a:prstGeom prst="rect">
-            <a:avLst/>
-          </a:prstGeom>
-          <a:noFill/>
-        </p:spPr>
-        <p:txBody>
-          <a:bodyPr wrap="none" rtlCol="0">
-            <a:spAutoFit/>
-          </a:bodyPr>
-          <a:lstStyle/>
-          <a:p>
-            <a:pPr algn="ctr"/>
-            <a:r>
-              <a:rPr lang="ko-KR" altLang="en-US" sz="2400" dirty="0" err="1" smtClean="0">
-                <a:solidFill>
-                  <a:schemeClr val="bg1"/>
-                </a:solidFill>
-                <a:latin typeface="나눔스퀘어 Bold" panose="020B0600000101010101" pitchFamily="50" charset="-127"/>
-                <a:ea typeface="나눔스퀘어 Bold" panose="020B0600000101010101" pitchFamily="50" charset="-127"/>
-              </a:rPr>
-              <a:t>레퍼런스</a:t>
-            </a:r>
-            <a:r>
-              <a:rPr lang="ko-KR" altLang="en-US" sz="2400" dirty="0" smtClean="0">
-                <a:solidFill>
-                  <a:schemeClr val="bg1"/>
-                </a:solidFill>
-                <a:latin typeface="나눔스퀘어 Bold" panose="020B0600000101010101" pitchFamily="50" charset="-127"/>
-                <a:ea typeface="나눔스퀘어 Bold" panose="020B0600000101010101" pitchFamily="50" charset="-127"/>
-              </a:rPr>
-              <a:t> 부족</a:t>
-            </a:r>
-            <a:endParaRPr lang="en-US" altLang="ko-KR" sz="2400" dirty="0">
-              <a:solidFill>
-                <a:schemeClr val="bg1"/>
-              </a:solidFill>
-              <a:latin typeface="나눔스퀘어 Bold" panose="020B0600000101010101" pitchFamily="50" charset="-127"/>
-              <a:ea typeface="나눔스퀘어 Bold" panose="020B0600000101010101" pitchFamily="50" charset="-127"/>
-            </a:endParaRPr>
-          </a:p>
-        </p:txBody>
-      </p:sp>
-    </p:spTree>
-    <p:extLst>
-      <p:ext uri="{BB962C8B-B14F-4D97-AF65-F5344CB8AC3E}">
-        <p14:creationId xmlns="" xmlns:p14="http://schemas.microsoft.com/office/powerpoint/2010/main" val="3510903501"/>
-      </p:ext>
-    </p:extLst>
-  </p:cSld>
-  <p:clrMapOvr>
-    <a:masterClrMapping/>
-  </p:clrMapOvr>
-  <p:timing>
-    <p:tnLst>
-      <p:par>
-        <p:cTn id="1" dur="indefinite" restart="never" nodeType="tmRoot"/>
-      </p:par>
-    </p:tnLst>
-  </p:timing>
-</p:sld>
-</file>
-
-<file path=ppt/slides/slide16.xml><?xml version="1.0" encoding="utf-8"?>
-<p:sld xmlns:a="http://schemas.openxmlformats.org/drawingml/2006/main" xmlns:r="http://schemas.openxmlformats.org/officeDocument/2006/relationships" xmlns:p="http://schemas.openxmlformats.org/presentationml/2006/main" showMasterSp="0">
-  <p:cSld>
-    <p:bg>
-      <p:bgPr>
-        <a:solidFill>
-          <a:schemeClr val="tx1">
-            <a:lumMod val="75000"/>
-            <a:lumOff val="25000"/>
-          </a:schemeClr>
-        </a:solidFill>
-        <a:effectLst/>
-      </p:bgPr>
-    </p:bg>
-    <p:spTree>
-      <p:nvGrpSpPr>
-        <p:cNvPr id="1" name=""/>
-        <p:cNvGrpSpPr/>
-        <p:nvPr/>
-      </p:nvGrpSpPr>
-      <p:grpSpPr>
-        <a:xfrm>
-          <a:off x="0" y="0"/>
-          <a:ext cx="0" cy="0"/>
-          <a:chOff x="0" y="0"/>
-          <a:chExt cx="0" cy="0"/>
-        </a:xfrm>
-      </p:grpSpPr>
-      <p:pic>
-        <p:nvPicPr>
-          <p:cNvPr id="5" name="Picture 7">
-            <a:extLst>
-              <a:ext uri="{FF2B5EF4-FFF2-40B4-BE49-F238E27FC236}">
-                <a16:creationId xmlns="" xmlns:a16="http://schemas.microsoft.com/office/drawing/2014/main" id="{CF97F8B5-1605-4D20-B119-00CF37DD408E}"/>
-              </a:ext>
-            </a:extLst>
-          </p:cNvPr>
-          <p:cNvPicPr>
-            <a:picLocks noChangeAspect="1"/>
-          </p:cNvPicPr>
-          <p:nvPr/>
-        </p:nvPicPr>
-        <p:blipFill>
-          <a:blip r:embed="rId2" cstate="print">
-            <a:extLst>
-              <a:ext uri="{BEBA8EAE-BF5A-486C-A8C5-ECC9F3942E4B}">
-                <a14:imgProps xmlns="" xmlns:a14="http://schemas.microsoft.com/office/drawing/2010/main">
-                  <a14:imgLayer r:embed="rId5">
+                <a14:imgProps xmlns:a14="http://schemas.microsoft.com/office/drawing/2010/main">
+                  <a14:imgLayer r:embed="rId3">
                     <a14:imgEffect>
                       <a14:brightnessContrast bright="100000"/>
                     </a14:imgEffect>
@@ -7138,7 +6810,7 @@
                 <p:cNvPr id="12" name="Picture 2" descr="http://seavr2015.com/wordpress/wp-content/uploads/2015/09/cardboard-logo.png">
                   <a:extLst>
                     <a:ext uri="{FF2B5EF4-FFF2-40B4-BE49-F238E27FC236}">
-                      <a16:creationId xmlns="" xmlns:a16="http://schemas.microsoft.com/office/drawing/2014/main" id="{6E518CD5-A0F9-42BE-B04C-C8F662E1D40A}"/>
+                      <a16:creationId xmlns:a16="http://schemas.microsoft.com/office/drawing/2014/main" xmlns="" id="{6E518CD5-A0F9-42BE-B04C-C8F662E1D40A}"/>
                     </a:ext>
                   </a:extLst>
                 </p:cNvPr>
@@ -7148,11 +6820,11 @@
                 <p:nvPr/>
               </p:nvPicPr>
               <p:blipFill>
-                <a:blip r:embed="rId6" cstate="print">
+                <a:blip r:embed="rId4" cstate="print">
                   <a:lum bright="100000"/>
                   <a:extLst>
                     <a:ext uri="{28A0092B-C50C-407E-A947-70E740481C1C}">
-                      <a14:useLocalDpi xmlns="" xmlns:a14="http://schemas.microsoft.com/office/drawing/2010/main" val="0"/>
+                      <a14:useLocalDpi xmlns:a14="http://schemas.microsoft.com/office/drawing/2010/main" val="0"/>
                     </a:ext>
                   </a:extLst>
                 </a:blip>
@@ -7172,7 +6844,7 @@
                 <a:noFill/>
                 <a:extLst>
                   <a:ext uri="{909E8E84-426E-40DD-AFC4-6F175D3DCCD1}">
-                    <a14:hiddenFill xmlns="" xmlns:a14="http://schemas.microsoft.com/office/drawing/2010/main">
+                    <a14:hiddenFill xmlns:a14="http://schemas.microsoft.com/office/drawing/2010/main">
                       <a:solidFill>
                         <a:srgbClr val="FFFFFF"/>
                       </a:solidFill>
@@ -7186,7 +6858,7 @@
                 <p:cNvPr id="13" name="Picture 2" descr="https://www.vuforia.com/-/media/Vuforia/Homepage/Singles/Vuforia%20Logo%20OLx2.png?h=1032&amp;la=en&amp;w=3848&amp;hash=4CC8F0C70C008B5412146B5FEC118FF573389536">
                   <a:extLst>
                     <a:ext uri="{FF2B5EF4-FFF2-40B4-BE49-F238E27FC236}">
-                      <a16:creationId xmlns="" xmlns:a16="http://schemas.microsoft.com/office/drawing/2014/main" id="{3BF66E9D-A845-443B-93DC-B88C51A2A4EE}"/>
+                      <a16:creationId xmlns:a16="http://schemas.microsoft.com/office/drawing/2014/main" xmlns="" id="{3BF66E9D-A845-443B-93DC-B88C51A2A4EE}"/>
                     </a:ext>
                   </a:extLst>
                 </p:cNvPr>
@@ -7196,11 +6868,11 @@
                 <p:nvPr/>
               </p:nvPicPr>
               <p:blipFill>
-                <a:blip r:embed="rId7" cstate="print">
+                <a:blip r:embed="rId5" cstate="print">
                   <a:extLst>
                     <a:ext uri="{BEBA8EAE-BF5A-486C-A8C5-ECC9F3942E4B}">
-                      <a14:imgProps xmlns="" xmlns:a14="http://schemas.microsoft.com/office/drawing/2010/main">
-                        <a14:imgLayer r:embed="rId11">
+                      <a14:imgProps xmlns:a14="http://schemas.microsoft.com/office/drawing/2010/main">
+                        <a14:imgLayer r:embed="rId6">
                           <a14:imgEffect>
                             <a14:brightnessContrast bright="100000"/>
                           </a14:imgEffect>
@@ -7208,7 +6880,7 @@
                       </a14:imgProps>
                     </a:ext>
                     <a:ext uri="{28A0092B-C50C-407E-A947-70E740481C1C}">
-                      <a14:useLocalDpi xmlns="" xmlns:a14="http://schemas.microsoft.com/office/drawing/2010/main" val="0"/>
+                      <a14:useLocalDpi xmlns:a14="http://schemas.microsoft.com/office/drawing/2010/main" val="0"/>
                     </a:ext>
                   </a:extLst>
                 </a:blip>
@@ -7381,7 +7053,7 @@
     </p:spTree>
     <p:extLst>
       <p:ext uri="{BB962C8B-B14F-4D97-AF65-F5344CB8AC3E}">
-        <p14:creationId xmlns="" xmlns:p14="http://schemas.microsoft.com/office/powerpoint/2010/main" val="3510903501"/>
+        <p14:creationId xmlns:p14="http://schemas.microsoft.com/office/powerpoint/2010/main" val="3510903501"/>
       </p:ext>
     </p:extLst>
   </p:cSld>
@@ -7391,82 +7063,14 @@
   <p:timing>
     <p:tnLst>
       <p:par>
-        <p:cTn id="1" dur="indefinite" restart="never" nodeType="tmRoot">
-          <p:childTnLst>
-            <p:seq concurrent="1" nextAc="seek">
-              <p:cTn id="2" dur="indefinite" nodeType="mainSeq">
-                <p:childTnLst>
-                  <p:par>
-                    <p:cTn id="3" fill="hold">
-                      <p:stCondLst>
-                        <p:cond delay="indefinite"/>
-                      </p:stCondLst>
-                      <p:childTnLst>
-                        <p:par>
-                          <p:cTn id="4" fill="hold">
-                            <p:stCondLst>
-                              <p:cond delay="0"/>
-                            </p:stCondLst>
-                            <p:childTnLst>
-                              <p:par>
-                                <p:cTn id="5" presetID="1" presetClass="entr" presetSubtype="0" fill="hold" nodeType="clickEffect">
-                                  <p:stCondLst>
-                                    <p:cond delay="0"/>
-                                  </p:stCondLst>
-                                  <p:childTnLst>
-                                    <p:set>
-                                      <p:cBhvr>
-                                        <p:cTn id="6" dur="1" fill="hold">
-                                          <p:stCondLst>
-                                            <p:cond delay="0"/>
-                                          </p:stCondLst>
-                                        </p:cTn>
-                                        <p:tgtEl>
-                                          <p:spTgt spid="2"/>
-                                        </p:tgtEl>
-                                        <p:attrNameLst>
-                                          <p:attrName>style.visibility</p:attrName>
-                                        </p:attrNameLst>
-                                      </p:cBhvr>
-                                      <p:to>
-                                        <p:strVal val="visible"/>
-                                      </p:to>
-                                    </p:set>
-                                  </p:childTnLst>
-                                </p:cTn>
-                              </p:par>
-                            </p:childTnLst>
-                          </p:cTn>
-                        </p:par>
-                      </p:childTnLst>
-                    </p:cTn>
-                  </p:par>
-                </p:childTnLst>
-              </p:cTn>
-              <p:prevCondLst>
-                <p:cond evt="onPrev" delay="0">
-                  <p:tgtEl>
-                    <p:sldTgt/>
-                  </p:tgtEl>
-                </p:cond>
-              </p:prevCondLst>
-              <p:nextCondLst>
-                <p:cond evt="onNext" delay="0">
-                  <p:tgtEl>
-                    <p:sldTgt/>
-                  </p:tgtEl>
-                </p:cond>
-              </p:nextCondLst>
-            </p:seq>
-          </p:childTnLst>
-        </p:cTn>
+        <p:cTn id="1" dur="indefinite" restart="never" nodeType="tmRoot"/>
       </p:par>
     </p:tnLst>
   </p:timing>
 </p:sld>
 </file>
 
-<file path=ppt/slides/slide17.xml><?xml version="1.0" encoding="utf-8"?>
+<file path=ppt/slides/slide16.xml><?xml version="1.0" encoding="utf-8"?>
 <p:sld xmlns:a="http://schemas.openxmlformats.org/drawingml/2006/main" xmlns:r="http://schemas.openxmlformats.org/officeDocument/2006/relationships" xmlns:p="http://schemas.openxmlformats.org/presentationml/2006/main" showMasterSp="0">
   <p:cSld>
     <p:bg>
@@ -7499,7 +7103,7 @@
           <p:cNvPr id="5" name="Picture 7">
             <a:extLst>
               <a:ext uri="{FF2B5EF4-FFF2-40B4-BE49-F238E27FC236}">
-                <a16:creationId xmlns="" xmlns:a16="http://schemas.microsoft.com/office/drawing/2014/main" id="{CF97F8B5-1605-4D20-B119-00CF37DD408E}"/>
+                <a16:creationId xmlns:a16="http://schemas.microsoft.com/office/drawing/2014/main" xmlns="" id="{CF97F8B5-1605-4D20-B119-00CF37DD408E}"/>
               </a:ext>
             </a:extLst>
           </p:cNvPr>
@@ -7512,8 +7116,8 @@
           <a:blip r:embed="rId2" cstate="print">
             <a:extLst>
               <a:ext uri="{BEBA8EAE-BF5A-486C-A8C5-ECC9F3942E4B}">
-                <a14:imgProps xmlns="" xmlns:a14="http://schemas.microsoft.com/office/drawing/2010/main">
-                  <a14:imgLayer r:embed="rId5">
+                <a14:imgProps xmlns:a14="http://schemas.microsoft.com/office/drawing/2010/main">
+                  <a14:imgLayer r:embed="rId3">
                     <a14:imgEffect>
                       <a14:brightnessContrast bright="100000"/>
                     </a14:imgEffect>
@@ -7647,7 +7251,7 @@
                 <p:cNvPr id="12" name="Picture 2" descr="http://seavr2015.com/wordpress/wp-content/uploads/2015/09/cardboard-logo.png">
                   <a:extLst>
                     <a:ext uri="{FF2B5EF4-FFF2-40B4-BE49-F238E27FC236}">
-                      <a16:creationId xmlns="" xmlns:a16="http://schemas.microsoft.com/office/drawing/2014/main" id="{6E518CD5-A0F9-42BE-B04C-C8F662E1D40A}"/>
+                      <a16:creationId xmlns:a16="http://schemas.microsoft.com/office/drawing/2014/main" xmlns="" id="{6E518CD5-A0F9-42BE-B04C-C8F662E1D40A}"/>
                     </a:ext>
                   </a:extLst>
                 </p:cNvPr>
@@ -7657,11 +7261,11 @@
                 <p:nvPr/>
               </p:nvPicPr>
               <p:blipFill>
-                <a:blip r:embed="rId6" cstate="print">
+                <a:blip r:embed="rId4" cstate="print">
                   <a:lum bright="100000"/>
                   <a:extLst>
                     <a:ext uri="{28A0092B-C50C-407E-A947-70E740481C1C}">
-                      <a14:useLocalDpi xmlns="" xmlns:a14="http://schemas.microsoft.com/office/drawing/2010/main" val="0"/>
+                      <a14:useLocalDpi xmlns:a14="http://schemas.microsoft.com/office/drawing/2010/main" val="0"/>
                     </a:ext>
                   </a:extLst>
                 </a:blip>
@@ -7681,7 +7285,7 @@
                 <a:noFill/>
                 <a:extLst>
                   <a:ext uri="{909E8E84-426E-40DD-AFC4-6F175D3DCCD1}">
-                    <a14:hiddenFill xmlns="" xmlns:a14="http://schemas.microsoft.com/office/drawing/2010/main">
+                    <a14:hiddenFill xmlns:a14="http://schemas.microsoft.com/office/drawing/2010/main">
                       <a:solidFill>
                         <a:srgbClr val="FFFFFF"/>
                       </a:solidFill>
@@ -7695,7 +7299,7 @@
                 <p:cNvPr id="13" name="Picture 2" descr="https://www.vuforia.com/-/media/Vuforia/Homepage/Singles/Vuforia%20Logo%20OLx2.png?h=1032&amp;la=en&amp;w=3848&amp;hash=4CC8F0C70C008B5412146B5FEC118FF573389536">
                   <a:extLst>
                     <a:ext uri="{FF2B5EF4-FFF2-40B4-BE49-F238E27FC236}">
-                      <a16:creationId xmlns="" xmlns:a16="http://schemas.microsoft.com/office/drawing/2014/main" id="{3BF66E9D-A845-443B-93DC-B88C51A2A4EE}"/>
+                      <a16:creationId xmlns:a16="http://schemas.microsoft.com/office/drawing/2014/main" xmlns="" id="{3BF66E9D-A845-443B-93DC-B88C51A2A4EE}"/>
                     </a:ext>
                   </a:extLst>
                 </p:cNvPr>
@@ -7705,11 +7309,11 @@
                 <p:nvPr/>
               </p:nvPicPr>
               <p:blipFill>
-                <a:blip r:embed="rId7" cstate="print">
+                <a:blip r:embed="rId5" cstate="print">
                   <a:extLst>
                     <a:ext uri="{BEBA8EAE-BF5A-486C-A8C5-ECC9F3942E4B}">
-                      <a14:imgProps xmlns="" xmlns:a14="http://schemas.microsoft.com/office/drawing/2010/main">
-                        <a14:imgLayer r:embed="rId11">
+                      <a14:imgProps xmlns:a14="http://schemas.microsoft.com/office/drawing/2010/main">
+                        <a14:imgLayer r:embed="rId6">
                           <a14:imgEffect>
                             <a14:brightnessContrast bright="100000"/>
                           </a14:imgEffect>
@@ -7717,7 +7321,7 @@
                       </a14:imgProps>
                     </a:ext>
                     <a:ext uri="{28A0092B-C50C-407E-A947-70E740481C1C}">
-                      <a14:useLocalDpi xmlns="" xmlns:a14="http://schemas.microsoft.com/office/drawing/2010/main" val="0"/>
+                      <a14:useLocalDpi xmlns:a14="http://schemas.microsoft.com/office/drawing/2010/main" val="0"/>
                     </a:ext>
                   </a:extLst>
                 </a:blip>
@@ -7999,7 +7603,151 @@
     </p:spTree>
     <p:extLst>
       <p:ext uri="{BB962C8B-B14F-4D97-AF65-F5344CB8AC3E}">
-        <p14:creationId xmlns="" xmlns:p14="http://schemas.microsoft.com/office/powerpoint/2010/main" val="3510903501"/>
+        <p14:creationId xmlns:p14="http://schemas.microsoft.com/office/powerpoint/2010/main" val="3510903501"/>
+      </p:ext>
+    </p:extLst>
+  </p:cSld>
+  <p:clrMapOvr>
+    <a:masterClrMapping/>
+  </p:clrMapOvr>
+  <p:timing>
+    <p:tnLst>
+      <p:par>
+        <p:cTn id="1" dur="indefinite" restart="never" nodeType="tmRoot"/>
+      </p:par>
+    </p:tnLst>
+  </p:timing>
+</p:sld>
+</file>
+
+<file path=ppt/slides/slide17.xml><?xml version="1.0" encoding="utf-8"?>
+<p:sld xmlns:a="http://schemas.openxmlformats.org/drawingml/2006/main" xmlns:r="http://schemas.openxmlformats.org/officeDocument/2006/relationships" xmlns:p="http://schemas.openxmlformats.org/presentationml/2006/main" showMasterSp="0">
+  <p:cSld>
+    <p:bg>
+      <p:bgPr>
+        <a:solidFill>
+          <a:schemeClr val="tx1">
+            <a:lumMod val="75000"/>
+            <a:lumOff val="25000"/>
+          </a:schemeClr>
+        </a:solidFill>
+        <a:effectLst/>
+      </p:bgPr>
+    </p:bg>
+    <p:spTree>
+      <p:nvGrpSpPr>
+        <p:cNvPr id="1" name=""/>
+        <p:cNvGrpSpPr/>
+        <p:nvPr/>
+      </p:nvGrpSpPr>
+      <p:grpSpPr>
+        <a:xfrm>
+          <a:off x="0" y="0"/>
+          <a:ext cx="0" cy="0"/>
+          <a:chOff x="0" y="0"/>
+          <a:chExt cx="0" cy="0"/>
+        </a:xfrm>
+      </p:grpSpPr>
+      <p:pic>
+        <p:nvPicPr>
+          <p:cNvPr id="5" name="Picture 7">
+            <a:extLst>
+              <a:ext uri="{FF2B5EF4-FFF2-40B4-BE49-F238E27FC236}">
+                <a16:creationId xmlns:a16="http://schemas.microsoft.com/office/drawing/2014/main" xmlns="" id="{CF97F8B5-1605-4D20-B119-00CF37DD408E}"/>
+              </a:ext>
+            </a:extLst>
+          </p:cNvPr>
+          <p:cNvPicPr>
+            <a:picLocks noChangeAspect="1"/>
+          </p:cNvPicPr>
+          <p:nvPr/>
+        </p:nvPicPr>
+        <p:blipFill>
+          <a:blip r:embed="rId2" cstate="print">
+            <a:extLst>
+              <a:ext uri="{BEBA8EAE-BF5A-486C-A8C5-ECC9F3942E4B}">
+                <a14:imgProps xmlns:a14="http://schemas.microsoft.com/office/drawing/2010/main">
+                  <a14:imgLayer r:embed="rId3">
+                    <a14:imgEffect>
+                      <a14:brightnessContrast bright="100000"/>
+                    </a14:imgEffect>
+                  </a14:imgLayer>
+                </a14:imgProps>
+              </a:ext>
+            </a:extLst>
+          </a:blip>
+          <a:stretch>
+            <a:fillRect/>
+          </a:stretch>
+        </p:blipFill>
+        <p:spPr>
+          <a:xfrm>
+            <a:off x="9273480" y="6237312"/>
+            <a:ext cx="456872" cy="548866"/>
+          </a:xfrm>
+          <a:prstGeom prst="rect">
+            <a:avLst/>
+          </a:prstGeom>
+          <a:noFill/>
+        </p:spPr>
+      </p:pic>
+      <p:sp>
+        <p:nvSpPr>
+          <p:cNvPr id="14" name="TextBox 13"/>
+          <p:cNvSpPr txBox="1"/>
+          <p:nvPr/>
+        </p:nvSpPr>
+        <p:spPr>
+          <a:xfrm>
+            <a:off x="4120881" y="3198168"/>
+            <a:ext cx="1664238" cy="461665"/>
+          </a:xfrm>
+          <a:prstGeom prst="rect">
+            <a:avLst/>
+          </a:prstGeom>
+          <a:noFill/>
+        </p:spPr>
+        <p:txBody>
+          <a:bodyPr wrap="none" rtlCol="0">
+            <a:spAutoFit/>
+          </a:bodyPr>
+          <a:lstStyle/>
+          <a:p>
+            <a:pPr algn="ctr"/>
+            <a:r>
+              <a:rPr lang="ko-KR" altLang="en-US" sz="2400" err="1" smtClean="0">
+                <a:solidFill>
+                  <a:schemeClr val="bg1"/>
+                </a:solidFill>
+                <a:latin typeface="나눔스퀘어 Bold" panose="020B0600000101010101" pitchFamily="50" charset="-127"/>
+                <a:ea typeface="나눔스퀘어 Bold" panose="020B0600000101010101" pitchFamily="50" charset="-127"/>
+              </a:rPr>
+              <a:t>자이로</a:t>
+            </a:r>
+            <a:r>
+              <a:rPr lang="ko-KR" altLang="en-US" sz="2400" dirty="0" smtClean="0">
+                <a:solidFill>
+                  <a:schemeClr val="bg1"/>
+                </a:solidFill>
+                <a:latin typeface="나눔스퀘어 Bold" panose="020B0600000101010101" pitchFamily="50" charset="-127"/>
+                <a:ea typeface="나눔스퀘어 Bold" panose="020B0600000101010101" pitchFamily="50" charset="-127"/>
+              </a:rPr>
+              <a:t> 교정</a:t>
+            </a:r>
+            <a:endParaRPr lang="en-US" altLang="ko-KR" sz="2400" dirty="0">
+              <a:solidFill>
+                <a:schemeClr val="bg1"/>
+              </a:solidFill>
+              <a:latin typeface="나눔스퀘어 Bold" panose="020B0600000101010101" pitchFamily="50" charset="-127"/>
+              <a:ea typeface="나눔스퀘어 Bold" panose="020B0600000101010101" pitchFamily="50" charset="-127"/>
+            </a:endParaRPr>
+          </a:p>
+        </p:txBody>
+      </p:sp>
+    </p:spTree>
+    <p:extLst>
+      <p:ext uri="{BB962C8B-B14F-4D97-AF65-F5344CB8AC3E}">
+        <p14:creationId xmlns:p14="http://schemas.microsoft.com/office/powerpoint/2010/main" val="3510903501"/>
       </p:ext>
     </p:extLst>
   </p:cSld>
@@ -8046,10 +7794,10 @@
       </p:grpSpPr>
       <p:pic>
         <p:nvPicPr>
-          <p:cNvPr id="5" name="Picture 7">
+          <p:cNvPr id="20" name="Picture 7">
             <a:extLst>
               <a:ext uri="{FF2B5EF4-FFF2-40B4-BE49-F238E27FC236}">
-                <a16:creationId xmlns="" xmlns:a16="http://schemas.microsoft.com/office/drawing/2014/main" id="{CF97F8B5-1605-4D20-B119-00CF37DD408E}"/>
+                <a16:creationId xmlns:a16="http://schemas.microsoft.com/office/drawing/2014/main" xmlns="" id="{0769C974-8BD0-43FB-8A13-DB9E5BAEEC9C}"/>
               </a:ext>
             </a:extLst>
           </p:cNvPr>
@@ -8062,151 +7810,7 @@
           <a:blip r:embed="rId2" cstate="print">
             <a:extLst>
               <a:ext uri="{BEBA8EAE-BF5A-486C-A8C5-ECC9F3942E4B}">
-                <a14:imgProps xmlns="" xmlns:a14="http://schemas.microsoft.com/office/drawing/2010/main">
-                  <a14:imgLayer r:embed="rId5">
-                    <a14:imgEffect>
-                      <a14:brightnessContrast bright="100000"/>
-                    </a14:imgEffect>
-                  </a14:imgLayer>
-                </a14:imgProps>
-              </a:ext>
-            </a:extLst>
-          </a:blip>
-          <a:stretch>
-            <a:fillRect/>
-          </a:stretch>
-        </p:blipFill>
-        <p:spPr>
-          <a:xfrm>
-            <a:off x="9273480" y="6237312"/>
-            <a:ext cx="456872" cy="548866"/>
-          </a:xfrm>
-          <a:prstGeom prst="rect">
-            <a:avLst/>
-          </a:prstGeom>
-          <a:noFill/>
-        </p:spPr>
-      </p:pic>
-      <p:sp>
-        <p:nvSpPr>
-          <p:cNvPr id="14" name="TextBox 13"/>
-          <p:cNvSpPr txBox="1"/>
-          <p:nvPr/>
-        </p:nvSpPr>
-        <p:spPr>
-          <a:xfrm>
-            <a:off x="4120881" y="3198168"/>
-            <a:ext cx="1664238" cy="461665"/>
-          </a:xfrm>
-          <a:prstGeom prst="rect">
-            <a:avLst/>
-          </a:prstGeom>
-          <a:noFill/>
-        </p:spPr>
-        <p:txBody>
-          <a:bodyPr wrap="none" rtlCol="0">
-            <a:spAutoFit/>
-          </a:bodyPr>
-          <a:lstStyle/>
-          <a:p>
-            <a:pPr algn="ctr"/>
-            <a:r>
-              <a:rPr lang="ko-KR" altLang="en-US" sz="2400" err="1" smtClean="0">
-                <a:solidFill>
-                  <a:schemeClr val="bg1"/>
-                </a:solidFill>
-                <a:latin typeface="나눔스퀘어 Bold" panose="020B0600000101010101" pitchFamily="50" charset="-127"/>
-                <a:ea typeface="나눔스퀘어 Bold" panose="020B0600000101010101" pitchFamily="50" charset="-127"/>
-              </a:rPr>
-              <a:t>자이로</a:t>
-            </a:r>
-            <a:r>
-              <a:rPr lang="ko-KR" altLang="en-US" sz="2400" dirty="0" smtClean="0">
-                <a:solidFill>
-                  <a:schemeClr val="bg1"/>
-                </a:solidFill>
-                <a:latin typeface="나눔스퀘어 Bold" panose="020B0600000101010101" pitchFamily="50" charset="-127"/>
-                <a:ea typeface="나눔스퀘어 Bold" panose="020B0600000101010101" pitchFamily="50" charset="-127"/>
-              </a:rPr>
-              <a:t> 교정</a:t>
-            </a:r>
-            <a:endParaRPr lang="en-US" altLang="ko-KR" sz="2400" dirty="0">
-              <a:solidFill>
-                <a:schemeClr val="bg1"/>
-              </a:solidFill>
-              <a:latin typeface="나눔스퀘어 Bold" panose="020B0600000101010101" pitchFamily="50" charset="-127"/>
-              <a:ea typeface="나눔스퀘어 Bold" panose="020B0600000101010101" pitchFamily="50" charset="-127"/>
-            </a:endParaRPr>
-          </a:p>
-        </p:txBody>
-      </p:sp>
-    </p:spTree>
-    <p:extLst>
-      <p:ext uri="{BB962C8B-B14F-4D97-AF65-F5344CB8AC3E}">
-        <p14:creationId xmlns="" xmlns:p14="http://schemas.microsoft.com/office/powerpoint/2010/main" val="3510903501"/>
-      </p:ext>
-    </p:extLst>
-  </p:cSld>
-  <p:clrMapOvr>
-    <a:masterClrMapping/>
-  </p:clrMapOvr>
-  <p:timing>
-    <p:tnLst>
-      <p:par>
-        <p:cTn id="1" dur="indefinite" restart="never" nodeType="tmRoot"/>
-      </p:par>
-    </p:tnLst>
-  </p:timing>
-</p:sld>
-</file>
-
-<file path=ppt/slides/slide19.xml><?xml version="1.0" encoding="utf-8"?>
-<p:sld xmlns:a="http://schemas.openxmlformats.org/drawingml/2006/main" xmlns:r="http://schemas.openxmlformats.org/officeDocument/2006/relationships" xmlns:p="http://schemas.openxmlformats.org/presentationml/2006/main" showMasterSp="0">
-  <p:cSld>
-    <p:bg>
-      <p:bgPr>
-        <a:solidFill>
-          <a:schemeClr val="tx1">
-            <a:lumMod val="75000"/>
-            <a:lumOff val="25000"/>
-          </a:schemeClr>
-        </a:solidFill>
-        <a:effectLst/>
-      </p:bgPr>
-    </p:bg>
-    <p:spTree>
-      <p:nvGrpSpPr>
-        <p:cNvPr id="1" name=""/>
-        <p:cNvGrpSpPr/>
-        <p:nvPr/>
-      </p:nvGrpSpPr>
-      <p:grpSpPr>
-        <a:xfrm>
-          <a:off x="0" y="0"/>
-          <a:ext cx="0" cy="0"/>
-          <a:chOff x="0" y="0"/>
-          <a:chExt cx="0" cy="0"/>
-        </a:xfrm>
-      </p:grpSpPr>
-      <p:pic>
-        <p:nvPicPr>
-          <p:cNvPr id="20" name="Picture 7">
-            <a:extLst>
-              <a:ext uri="{FF2B5EF4-FFF2-40B4-BE49-F238E27FC236}">
-                <a16:creationId xmlns="" xmlns:a16="http://schemas.microsoft.com/office/drawing/2014/main" id="{0769C974-8BD0-43FB-8A13-DB9E5BAEEC9C}"/>
-              </a:ext>
-            </a:extLst>
-          </p:cNvPr>
-          <p:cNvPicPr>
-            <a:picLocks noChangeAspect="1"/>
-          </p:cNvPicPr>
-          <p:nvPr/>
-        </p:nvPicPr>
-        <p:blipFill>
-          <a:blip r:embed="rId2" cstate="print">
-            <a:extLst>
-              <a:ext uri="{BEBA8EAE-BF5A-486C-A8C5-ECC9F3942E4B}">
-                <a14:imgProps xmlns="" xmlns:a14="http://schemas.microsoft.com/office/drawing/2010/main">
+                <a14:imgProps xmlns:a14="http://schemas.microsoft.com/office/drawing/2010/main">
                   <a14:imgLayer r:embed="rId3">
                     <a14:imgEffect>
                       <a14:brightnessContrast bright="100000"/>
@@ -8355,7 +7959,7 @@
                 <p:cNvPr id="22" name="Picture 2" descr="http://seavr2015.com/wordpress/wp-content/uploads/2015/09/cardboard-logo.png">
                   <a:extLst>
                     <a:ext uri="{FF2B5EF4-FFF2-40B4-BE49-F238E27FC236}">
-                      <a16:creationId xmlns="" xmlns:a16="http://schemas.microsoft.com/office/drawing/2014/main" id="{6E518CD5-A0F9-42BE-B04C-C8F662E1D40A}"/>
+                      <a16:creationId xmlns:a16="http://schemas.microsoft.com/office/drawing/2014/main" xmlns="" id="{6E518CD5-A0F9-42BE-B04C-C8F662E1D40A}"/>
                     </a:ext>
                   </a:extLst>
                 </p:cNvPr>
@@ -8369,7 +7973,7 @@
                   <a:lum bright="100000"/>
                   <a:extLst>
                     <a:ext uri="{28A0092B-C50C-407E-A947-70E740481C1C}">
-                      <a14:useLocalDpi xmlns="" xmlns:a14="http://schemas.microsoft.com/office/drawing/2010/main" val="0"/>
+                      <a14:useLocalDpi xmlns:a14="http://schemas.microsoft.com/office/drawing/2010/main" val="0"/>
                     </a:ext>
                   </a:extLst>
                 </a:blip>
@@ -8389,7 +7993,7 @@
                 <a:noFill/>
                 <a:extLst>
                   <a:ext uri="{909E8E84-426E-40DD-AFC4-6F175D3DCCD1}">
-                    <a14:hiddenFill xmlns="" xmlns:a14="http://schemas.microsoft.com/office/drawing/2010/main">
+                    <a14:hiddenFill xmlns:a14="http://schemas.microsoft.com/office/drawing/2010/main">
                       <a:solidFill>
                         <a:srgbClr val="FFFFFF"/>
                       </a:solidFill>
@@ -8988,7 +8592,7 @@
     </p:spTree>
     <p:extLst>
       <p:ext uri="{BB962C8B-B14F-4D97-AF65-F5344CB8AC3E}">
-        <p14:creationId xmlns="" xmlns:p14="http://schemas.microsoft.com/office/powerpoint/2010/main" val="2263810066"/>
+        <p14:creationId xmlns:p14="http://schemas.microsoft.com/office/powerpoint/2010/main" val="2263810066"/>
       </p:ext>
     </p:extLst>
   </p:cSld>
@@ -9005,109 +8609,7 @@
 </p:sld>
 </file>
 
-<file path=ppt/slides/slide2.xml><?xml version="1.0" encoding="utf-8"?>
-<p:sld xmlns:a="http://schemas.openxmlformats.org/drawingml/2006/main" xmlns:r="http://schemas.openxmlformats.org/officeDocument/2006/relationships" xmlns:p="http://schemas.openxmlformats.org/presentationml/2006/main">
-  <p:cSld>
-    <p:spTree>
-      <p:nvGrpSpPr>
-        <p:cNvPr id="1" name=""/>
-        <p:cNvGrpSpPr/>
-        <p:nvPr/>
-      </p:nvGrpSpPr>
-      <p:grpSpPr>
-        <a:xfrm>
-          <a:off x="0" y="0"/>
-          <a:ext cx="0" cy="0"/>
-          <a:chOff x="0" y="0"/>
-          <a:chExt cx="0" cy="0"/>
-        </a:xfrm>
-      </p:grpSpPr>
-      <p:sp>
-        <p:nvSpPr>
-          <p:cNvPr id="2" name="제목 1"/>
-          <p:cNvSpPr>
-            <a:spLocks noGrp="1"/>
-          </p:cNvSpPr>
-          <p:nvPr>
-            <p:ph type="title"/>
-          </p:nvPr>
-        </p:nvSpPr>
-        <p:spPr/>
-        <p:txBody>
-          <a:bodyPr anchor="ctr"/>
-          <a:lstStyle/>
-          <a:p>
-            <a:r>
-              <a:rPr lang="ko-KR" altLang="en-US" sz="2600" spc="-100" dirty="0">
-                <a:solidFill>
-                  <a:schemeClr val="tx1">
-                    <a:lumMod val="85000"/>
-                    <a:lumOff val="15000"/>
-                  </a:schemeClr>
-                </a:solidFill>
-                <a:latin typeface="+mj-ea"/>
-              </a:rPr>
-              <a:t>목차</a:t>
-            </a:r>
-          </a:p>
-        </p:txBody>
-      </p:sp>
-      <p:sp>
-        <p:nvSpPr>
-          <p:cNvPr id="3" name="내용 개체 틀 2"/>
-          <p:cNvSpPr>
-            <a:spLocks noGrp="1"/>
-          </p:cNvSpPr>
-          <p:nvPr>
-            <p:ph idx="1"/>
-          </p:nvPr>
-        </p:nvSpPr>
-        <p:spPr/>
-        <p:txBody>
-          <a:bodyPr/>
-          <a:lstStyle/>
-          <a:p>
-            <a:r>
-              <a:rPr lang="ko-KR" altLang="en-US" dirty="0"/>
-              <a:t>발표자 소개</a:t>
-            </a:r>
-            <a:endParaRPr lang="en-US" altLang="ko-KR" dirty="0"/>
-          </a:p>
-          <a:p>
-            <a:r>
-              <a:rPr lang="en-US" altLang="ko-KR" dirty="0"/>
-              <a:t>SQUARE </a:t>
-            </a:r>
-            <a:r>
-              <a:rPr lang="ko-KR" altLang="en-US" dirty="0"/>
-              <a:t>소개</a:t>
-            </a:r>
-            <a:endParaRPr lang="en-US" altLang="ko-KR" dirty="0"/>
-          </a:p>
-          <a:p>
-            <a:r>
-              <a:rPr lang="ko-KR" altLang="en-US" dirty="0"/>
-              <a:t>제작 과정</a:t>
-            </a:r>
-            <a:endParaRPr lang="en-US" altLang="ko-KR" dirty="0"/>
-          </a:p>
-          <a:p>
-            <a:r>
-              <a:rPr lang="ko-KR" altLang="en-US" dirty="0"/>
-              <a:t>정리</a:t>
-            </a:r>
-          </a:p>
-        </p:txBody>
-      </p:sp>
-    </p:spTree>
-  </p:cSld>
-  <p:clrMapOvr>
-    <a:masterClrMapping/>
-  </p:clrMapOvr>
-</p:sld>
-</file>
-
-<file path=ppt/slides/slide20.xml><?xml version="1.0" encoding="utf-8"?>
+<file path=ppt/slides/slide19.xml><?xml version="1.0" encoding="utf-8"?>
 <p:sld xmlns:a="http://schemas.openxmlformats.org/drawingml/2006/main" xmlns:r="http://schemas.openxmlformats.org/officeDocument/2006/relationships" xmlns:p="http://schemas.openxmlformats.org/presentationml/2006/main" showMasterSp="0">
   <p:cSld>
     <p:bg>
@@ -9247,7 +8749,7 @@
             <a:blip r:embed="rId2" cstate="print">
               <a:extLst>
                 <a:ext uri="{28A0092B-C50C-407E-A947-70E740481C1C}">
-                  <a14:useLocalDpi xmlns="" xmlns:a14="http://schemas.microsoft.com/office/drawing/2010/main" val="0"/>
+                  <a14:useLocalDpi xmlns:a14="http://schemas.microsoft.com/office/drawing/2010/main" val="0"/>
                 </a:ext>
               </a:extLst>
             </a:blip>
@@ -9277,7 +8779,7 @@
             <a:blip r:embed="rId3" cstate="print">
               <a:extLst>
                 <a:ext uri="{28A0092B-C50C-407E-A947-70E740481C1C}">
-                  <a14:useLocalDpi xmlns="" xmlns:a14="http://schemas.microsoft.com/office/drawing/2010/main" val="0"/>
+                  <a14:useLocalDpi xmlns:a14="http://schemas.microsoft.com/office/drawing/2010/main" val="0"/>
                 </a:ext>
               </a:extLst>
             </a:blip>
@@ -9307,7 +8809,7 @@
             <a:blip r:embed="rId4" cstate="print">
               <a:extLst>
                 <a:ext uri="{BEBA8EAE-BF5A-486C-A8C5-ECC9F3942E4B}">
-                  <a14:imgProps xmlns="" xmlns:a14="http://schemas.microsoft.com/office/drawing/2010/main">
+                  <a14:imgProps xmlns:a14="http://schemas.microsoft.com/office/drawing/2010/main">
                     <a14:imgLayer r:embed="rId5">
                       <a14:imgEffect>
                         <a14:backgroundRemoval t="10000" b="90000" l="10000" r="90000"/>
@@ -9316,7 +8818,7 @@
                   </a14:imgProps>
                 </a:ext>
                 <a:ext uri="{28A0092B-C50C-407E-A947-70E740481C1C}">
-                  <a14:useLocalDpi xmlns="" xmlns:a14="http://schemas.microsoft.com/office/drawing/2010/main" val="0"/>
+                  <a14:useLocalDpi xmlns:a14="http://schemas.microsoft.com/office/drawing/2010/main" val="0"/>
                 </a:ext>
               </a:extLst>
             </a:blip>
@@ -9336,7 +8838,7 @@
             <a:noFill/>
             <a:extLst>
               <a:ext uri="{909E8E84-426E-40DD-AFC4-6F175D3DCCD1}">
-                <a14:hiddenFill xmlns="" xmlns:a14="http://schemas.microsoft.com/office/drawing/2010/main">
+                <a14:hiddenFill xmlns:a14="http://schemas.microsoft.com/office/drawing/2010/main">
                   <a:solidFill>
                     <a:srgbClr val="FFFFFF"/>
                   </a:solidFill>
@@ -9441,7 +8943,7 @@
               <a:blip r:embed="rId4" cstate="print">
                 <a:extLst>
                   <a:ext uri="{BEBA8EAE-BF5A-486C-A8C5-ECC9F3942E4B}">
-                    <a14:imgProps xmlns="" xmlns:a14="http://schemas.microsoft.com/office/drawing/2010/main">
+                    <a14:imgProps xmlns:a14="http://schemas.microsoft.com/office/drawing/2010/main">
                       <a14:imgLayer r:embed="rId5">
                         <a14:imgEffect>
                           <a14:backgroundRemoval t="10000" b="90000" l="10000" r="90000"/>
@@ -9450,7 +8952,7 @@
                     </a14:imgProps>
                   </a:ext>
                   <a:ext uri="{28A0092B-C50C-407E-A947-70E740481C1C}">
-                    <a14:useLocalDpi xmlns="" xmlns:a14="http://schemas.microsoft.com/office/drawing/2010/main" val="0"/>
+                    <a14:useLocalDpi xmlns:a14="http://schemas.microsoft.com/office/drawing/2010/main" val="0"/>
                   </a:ext>
                 </a:extLst>
               </a:blip>
@@ -10168,7 +9670,7 @@
               <a:noFill/>
               <a:extLst>
                 <a:ext uri="{909E8E84-426E-40DD-AFC4-6F175D3DCCD1}">
-                  <a14:hiddenFill xmlns="" xmlns:a14="http://schemas.microsoft.com/office/drawing/2010/main">
+                  <a14:hiddenFill xmlns:a14="http://schemas.microsoft.com/office/drawing/2010/main">
                     <a:solidFill>
                       <a:srgbClr val="FFFFFF"/>
                     </a:solidFill>
@@ -10189,7 +9691,7 @@
               <a:blip r:embed="rId4" cstate="print">
                 <a:extLst>
                   <a:ext uri="{BEBA8EAE-BF5A-486C-A8C5-ECC9F3942E4B}">
-                    <a14:imgProps xmlns="" xmlns:a14="http://schemas.microsoft.com/office/drawing/2010/main">
+                    <a14:imgProps xmlns:a14="http://schemas.microsoft.com/office/drawing/2010/main">
                       <a14:imgLayer r:embed="rId5">
                         <a14:imgEffect>
                           <a14:backgroundRemoval t="10000" b="90000" l="10000" r="90000"/>
@@ -10198,7 +9700,7 @@
                     </a14:imgProps>
                   </a:ext>
                   <a:ext uri="{28A0092B-C50C-407E-A947-70E740481C1C}">
-                    <a14:useLocalDpi xmlns="" xmlns:a14="http://schemas.microsoft.com/office/drawing/2010/main" val="0"/>
+                    <a14:useLocalDpi xmlns:a14="http://schemas.microsoft.com/office/drawing/2010/main" val="0"/>
                   </a:ext>
                 </a:extLst>
               </a:blip>
@@ -10891,7 +10393,7 @@
               <a:noFill/>
               <a:extLst>
                 <a:ext uri="{909E8E84-426E-40DD-AFC4-6F175D3DCCD1}">
-                  <a14:hiddenFill xmlns="" xmlns:a14="http://schemas.microsoft.com/office/drawing/2010/main">
+                  <a14:hiddenFill xmlns:a14="http://schemas.microsoft.com/office/drawing/2010/main">
                     <a:solidFill>
                       <a:srgbClr val="FFFFFF"/>
                     </a:solidFill>
@@ -11048,7 +10550,7 @@
           <p:cNvPr id="17" name="Picture 7">
             <a:extLst>
               <a:ext uri="{FF2B5EF4-FFF2-40B4-BE49-F238E27FC236}">
-                <a16:creationId xmlns="" xmlns:a16="http://schemas.microsoft.com/office/drawing/2014/main" id="{9B96E8FF-05D0-485F-B472-9DFAA5FBFA10}"/>
+                <a16:creationId xmlns:a16="http://schemas.microsoft.com/office/drawing/2014/main" xmlns="" id="{9B96E8FF-05D0-485F-B472-9DFAA5FBFA10}"/>
               </a:ext>
             </a:extLst>
           </p:cNvPr>
@@ -11061,7 +10563,7 @@
           <a:blip r:embed="rId6" cstate="print">
             <a:extLst>
               <a:ext uri="{BEBA8EAE-BF5A-486C-A8C5-ECC9F3942E4B}">
-                <a14:imgProps xmlns="" xmlns:a14="http://schemas.microsoft.com/office/drawing/2010/main">
+                <a14:imgProps xmlns:a14="http://schemas.microsoft.com/office/drawing/2010/main">
                   <a14:imgLayer r:embed="rId7">
                     <a14:imgEffect>
                       <a14:brightnessContrast bright="100000"/>
@@ -11089,7 +10591,7 @@
     </p:spTree>
     <p:extLst>
       <p:ext uri="{BB962C8B-B14F-4D97-AF65-F5344CB8AC3E}">
-        <p14:creationId xmlns="" xmlns:p14="http://schemas.microsoft.com/office/powerpoint/2010/main" val="1794578454"/>
+        <p14:creationId xmlns:p14="http://schemas.microsoft.com/office/powerpoint/2010/main" val="1794578454"/>
       </p:ext>
     </p:extLst>
   </p:cSld>
@@ -11106,7 +10608,116 @@
 </p:sld>
 </file>
 
-<file path=ppt/slides/slide21.xml><?xml version="1.0" encoding="utf-8"?>
+<file path=ppt/slides/slide2.xml><?xml version="1.0" encoding="utf-8"?>
+<p:sld xmlns:a="http://schemas.openxmlformats.org/drawingml/2006/main" xmlns:r="http://schemas.openxmlformats.org/officeDocument/2006/relationships" xmlns:p="http://schemas.openxmlformats.org/presentationml/2006/main">
+  <p:cSld>
+    <p:spTree>
+      <p:nvGrpSpPr>
+        <p:cNvPr id="1" name=""/>
+        <p:cNvGrpSpPr/>
+        <p:nvPr/>
+      </p:nvGrpSpPr>
+      <p:grpSpPr>
+        <a:xfrm>
+          <a:off x="0" y="0"/>
+          <a:ext cx="0" cy="0"/>
+          <a:chOff x="0" y="0"/>
+          <a:chExt cx="0" cy="0"/>
+        </a:xfrm>
+      </p:grpSpPr>
+      <p:sp>
+        <p:nvSpPr>
+          <p:cNvPr id="2" name="제목 1"/>
+          <p:cNvSpPr>
+            <a:spLocks noGrp="1"/>
+          </p:cNvSpPr>
+          <p:nvPr>
+            <p:ph type="title"/>
+          </p:nvPr>
+        </p:nvSpPr>
+        <p:spPr/>
+        <p:txBody>
+          <a:bodyPr anchor="ctr"/>
+          <a:lstStyle/>
+          <a:p>
+            <a:r>
+              <a:rPr lang="ko-KR" altLang="en-US" sz="2600" spc="-100" dirty="0">
+                <a:solidFill>
+                  <a:schemeClr val="tx1">
+                    <a:lumMod val="85000"/>
+                    <a:lumOff val="15000"/>
+                  </a:schemeClr>
+                </a:solidFill>
+                <a:latin typeface="+mj-ea"/>
+              </a:rPr>
+              <a:t>목차</a:t>
+            </a:r>
+          </a:p>
+        </p:txBody>
+      </p:sp>
+      <p:sp>
+        <p:nvSpPr>
+          <p:cNvPr id="3" name="내용 개체 틀 2"/>
+          <p:cNvSpPr>
+            <a:spLocks noGrp="1"/>
+          </p:cNvSpPr>
+          <p:nvPr>
+            <p:ph idx="1"/>
+          </p:nvPr>
+        </p:nvSpPr>
+        <p:spPr/>
+        <p:txBody>
+          <a:bodyPr/>
+          <a:lstStyle/>
+          <a:p>
+            <a:r>
+              <a:rPr lang="ko-KR" altLang="en-US" dirty="0"/>
+              <a:t>발표자 소개</a:t>
+            </a:r>
+            <a:endParaRPr lang="en-US" altLang="ko-KR" dirty="0"/>
+          </a:p>
+          <a:p>
+            <a:r>
+              <a:rPr lang="en-US" altLang="ko-KR" dirty="0"/>
+              <a:t>SQUARE </a:t>
+            </a:r>
+            <a:r>
+              <a:rPr lang="ko-KR" altLang="en-US" dirty="0"/>
+              <a:t>소개</a:t>
+            </a:r>
+            <a:endParaRPr lang="en-US" altLang="ko-KR" dirty="0"/>
+          </a:p>
+          <a:p>
+            <a:r>
+              <a:rPr lang="ko-KR" altLang="en-US" dirty="0"/>
+              <a:t>제작 과정</a:t>
+            </a:r>
+            <a:endParaRPr lang="en-US" altLang="ko-KR" dirty="0"/>
+          </a:p>
+          <a:p>
+            <a:r>
+              <a:rPr lang="ko-KR" altLang="en-US" dirty="0"/>
+              <a:t>정리</a:t>
+            </a:r>
+          </a:p>
+        </p:txBody>
+      </p:sp>
+    </p:spTree>
+  </p:cSld>
+  <p:clrMapOvr>
+    <a:masterClrMapping/>
+  </p:clrMapOvr>
+  <p:timing>
+    <p:tnLst>
+      <p:par>
+        <p:cTn id="1" dur="indefinite" restart="never" nodeType="tmRoot"/>
+      </p:par>
+    </p:tnLst>
+  </p:timing>
+</p:sld>
+</file>
+
+<file path=ppt/slides/slide20.xml><?xml version="1.0" encoding="utf-8"?>
 <p:sld xmlns:a="http://schemas.openxmlformats.org/drawingml/2006/main" xmlns:r="http://schemas.openxmlformats.org/officeDocument/2006/relationships" xmlns:p="http://schemas.openxmlformats.org/presentationml/2006/main" showMasterSp="0">
   <p:cSld>
     <p:bg>
@@ -11146,7 +10757,7 @@
           <a:blip r:embed="rId2">
             <a:extLst>
               <a:ext uri="{28A0092B-C50C-407E-A947-70E740481C1C}">
-                <a14:useLocalDpi xmlns="" xmlns:a14="http://schemas.microsoft.com/office/drawing/2010/main" val="0"/>
+                <a14:useLocalDpi xmlns:a14="http://schemas.microsoft.com/office/drawing/2010/main" val="0"/>
               </a:ext>
             </a:extLst>
           </a:blip>
@@ -11166,7 +10777,7 @@
           <a:noFill/>
           <a:extLst>
             <a:ext uri="{909E8E84-426E-40DD-AFC4-6F175D3DCCD1}">
-              <a14:hiddenFill xmlns="" xmlns:a14="http://schemas.microsoft.com/office/drawing/2010/main">
+              <a14:hiddenFill xmlns:a14="http://schemas.microsoft.com/office/drawing/2010/main">
                 <a:solidFill>
                   <a:srgbClr val="FFFFFF"/>
                 </a:solidFill>
@@ -11270,7 +10881,7 @@
           <p:cNvPr id="5" name="Picture 7">
             <a:extLst>
               <a:ext uri="{FF2B5EF4-FFF2-40B4-BE49-F238E27FC236}">
-                <a16:creationId xmlns="" xmlns:a16="http://schemas.microsoft.com/office/drawing/2014/main" id="{CF97F8B5-1605-4D20-B119-00CF37DD408E}"/>
+                <a16:creationId xmlns:a16="http://schemas.microsoft.com/office/drawing/2014/main" xmlns="" id="{CF97F8B5-1605-4D20-B119-00CF37DD408E}"/>
               </a:ext>
             </a:extLst>
           </p:cNvPr>
@@ -11283,7 +10894,7 @@
           <a:blip r:embed="rId4" cstate="print">
             <a:extLst>
               <a:ext uri="{BEBA8EAE-BF5A-486C-A8C5-ECC9F3942E4B}">
-                <a14:imgProps xmlns="" xmlns:a14="http://schemas.microsoft.com/office/drawing/2010/main">
+                <a14:imgProps xmlns:a14="http://schemas.microsoft.com/office/drawing/2010/main">
                   <a14:imgLayer r:embed="rId5">
                     <a14:imgEffect>
                       <a14:brightnessContrast bright="100000"/>
@@ -11311,7 +10922,141 @@
     </p:spTree>
     <p:extLst>
       <p:ext uri="{BB962C8B-B14F-4D97-AF65-F5344CB8AC3E}">
-        <p14:creationId xmlns="" xmlns:p14="http://schemas.microsoft.com/office/powerpoint/2010/main" val="3510903501"/>
+        <p14:creationId xmlns:p14="http://schemas.microsoft.com/office/powerpoint/2010/main" val="3510903501"/>
+      </p:ext>
+    </p:extLst>
+  </p:cSld>
+  <p:clrMapOvr>
+    <a:masterClrMapping/>
+  </p:clrMapOvr>
+  <p:timing>
+    <p:tnLst>
+      <p:par>
+        <p:cTn id="1" dur="indefinite" restart="never" nodeType="tmRoot"/>
+      </p:par>
+    </p:tnLst>
+  </p:timing>
+</p:sld>
+</file>
+
+<file path=ppt/slides/slide21.xml><?xml version="1.0" encoding="utf-8"?>
+<p:sld xmlns:a="http://schemas.openxmlformats.org/drawingml/2006/main" xmlns:r="http://schemas.openxmlformats.org/officeDocument/2006/relationships" xmlns:p="http://schemas.openxmlformats.org/presentationml/2006/main" showMasterSp="0">
+  <p:cSld>
+    <p:bg>
+      <p:bgPr>
+        <a:solidFill>
+          <a:schemeClr val="tx1">
+            <a:lumMod val="75000"/>
+            <a:lumOff val="25000"/>
+          </a:schemeClr>
+        </a:solidFill>
+        <a:effectLst/>
+      </p:bgPr>
+    </p:bg>
+    <p:spTree>
+      <p:nvGrpSpPr>
+        <p:cNvPr id="1" name=""/>
+        <p:cNvGrpSpPr/>
+        <p:nvPr/>
+      </p:nvGrpSpPr>
+      <p:grpSpPr>
+        <a:xfrm>
+          <a:off x="0" y="0"/>
+          <a:ext cx="0" cy="0"/>
+          <a:chOff x="0" y="0"/>
+          <a:chExt cx="0" cy="0"/>
+        </a:xfrm>
+      </p:grpSpPr>
+      <p:pic>
+        <p:nvPicPr>
+          <p:cNvPr id="5" name="Picture 7">
+            <a:extLst>
+              <a:ext uri="{FF2B5EF4-FFF2-40B4-BE49-F238E27FC236}">
+                <a16:creationId xmlns:a16="http://schemas.microsoft.com/office/drawing/2014/main" xmlns="" id="{CF97F8B5-1605-4D20-B119-00CF37DD408E}"/>
+              </a:ext>
+            </a:extLst>
+          </p:cNvPr>
+          <p:cNvPicPr>
+            <a:picLocks noChangeAspect="1"/>
+          </p:cNvPicPr>
+          <p:nvPr/>
+        </p:nvPicPr>
+        <p:blipFill>
+          <a:blip r:embed="rId2" cstate="print">
+            <a:extLst>
+              <a:ext uri="{BEBA8EAE-BF5A-486C-A8C5-ECC9F3942E4B}">
+                <a14:imgProps xmlns:a14="http://schemas.microsoft.com/office/drawing/2010/main">
+                  <a14:imgLayer r:embed="rId3">
+                    <a14:imgEffect>
+                      <a14:brightnessContrast bright="100000"/>
+                    </a14:imgEffect>
+                  </a14:imgLayer>
+                </a14:imgProps>
+              </a:ext>
+            </a:extLst>
+          </a:blip>
+          <a:stretch>
+            <a:fillRect/>
+          </a:stretch>
+        </p:blipFill>
+        <p:spPr>
+          <a:xfrm>
+            <a:off x="9273480" y="6237312"/>
+            <a:ext cx="456872" cy="548866"/>
+          </a:xfrm>
+          <a:prstGeom prst="rect">
+            <a:avLst/>
+          </a:prstGeom>
+          <a:noFill/>
+        </p:spPr>
+      </p:pic>
+      <p:sp>
+        <p:nvSpPr>
+          <p:cNvPr id="14" name="TextBox 13"/>
+          <p:cNvSpPr txBox="1"/>
+          <p:nvPr/>
+        </p:nvSpPr>
+        <p:spPr>
+          <a:xfrm>
+            <a:off x="4159354" y="3198168"/>
+            <a:ext cx="1587293" cy="461665"/>
+          </a:xfrm>
+          <a:prstGeom prst="rect">
+            <a:avLst/>
+          </a:prstGeom>
+          <a:noFill/>
+        </p:spPr>
+        <p:txBody>
+          <a:bodyPr wrap="none" rtlCol="0">
+            <a:spAutoFit/>
+          </a:bodyPr>
+          <a:lstStyle/>
+          <a:p>
+            <a:pPr algn="ctr"/>
+            <a:r>
+              <a:rPr lang="ko-KR" altLang="en-US" sz="2400" dirty="0" smtClean="0">
+                <a:solidFill>
+                  <a:schemeClr val="bg1"/>
+                </a:solidFill>
+                <a:latin typeface="나눔스퀘어 Bold" panose="020B0600000101010101" pitchFamily="50" charset="-127"/>
+                <a:ea typeface="나눔스퀘어 Bold" panose="020B0600000101010101" pitchFamily="50" charset="-127"/>
+              </a:rPr>
+              <a:t>애니메이션</a:t>
+            </a:r>
+            <a:endParaRPr lang="en-US" altLang="ko-KR" sz="2400" dirty="0">
+              <a:solidFill>
+                <a:schemeClr val="bg1"/>
+              </a:solidFill>
+              <a:latin typeface="나눔스퀘어 Bold" panose="020B0600000101010101" pitchFamily="50" charset="-127"/>
+              <a:ea typeface="나눔스퀘어 Bold" panose="020B0600000101010101" pitchFamily="50" charset="-127"/>
+            </a:endParaRPr>
+          </a:p>
+        </p:txBody>
+      </p:sp>
+    </p:spTree>
+    <p:extLst>
+      <p:ext uri="{BB962C8B-B14F-4D97-AF65-F5344CB8AC3E}">
+        <p14:creationId xmlns:p14="http://schemas.microsoft.com/office/powerpoint/2010/main" val="3510903501"/>
       </p:ext>
     </p:extLst>
   </p:cSld>
@@ -11358,10 +11103,10 @@
       </p:grpSpPr>
       <p:pic>
         <p:nvPicPr>
-          <p:cNvPr id="5" name="Picture 7">
+          <p:cNvPr id="4" name="Picture 7">
             <a:extLst>
               <a:ext uri="{FF2B5EF4-FFF2-40B4-BE49-F238E27FC236}">
-                <a16:creationId xmlns="" xmlns:a16="http://schemas.microsoft.com/office/drawing/2014/main" id="{CF97F8B5-1605-4D20-B119-00CF37DD408E}"/>
+                <a16:creationId xmlns:a16="http://schemas.microsoft.com/office/drawing/2014/main" xmlns="" id="{AC24F9CE-72F1-470B-9FBC-B82882EFFD7C}"/>
               </a:ext>
             </a:extLst>
           </p:cNvPr>
@@ -11374,8 +11119,8 @@
           <a:blip r:embed="rId2" cstate="print">
             <a:extLst>
               <a:ext uri="{BEBA8EAE-BF5A-486C-A8C5-ECC9F3942E4B}">
-                <a14:imgProps xmlns="" xmlns:a14="http://schemas.microsoft.com/office/drawing/2010/main">
-                  <a14:imgLayer r:embed="rId5">
+                <a14:imgProps xmlns:a14="http://schemas.microsoft.com/office/drawing/2010/main">
+                  <a14:imgLayer r:embed="rId3">
                     <a14:imgEffect>
                       <a14:brightnessContrast bright="100000"/>
                     </a14:imgEffect>
@@ -11399,16 +11144,42 @@
           <a:noFill/>
         </p:spPr>
       </p:pic>
+      <p:pic>
+        <p:nvPicPr>
+          <p:cNvPr id="7170" name="Picture 2" descr="https://d2ujflorbtfzji.cloudfront.net/package-screenshot/83d1f9ee-8a17-45bf-a1d5-d1b100965a05_scaled.jpg"/>
+          <p:cNvPicPr>
+            <a:picLocks noChangeAspect="1" noChangeArrowheads="1"/>
+          </p:cNvPicPr>
+          <p:nvPr/>
+        </p:nvPicPr>
+        <p:blipFill>
+          <a:blip r:embed="rId4"/>
+          <a:srcRect/>
+          <a:stretch>
+            <a:fillRect/>
+          </a:stretch>
+        </p:blipFill>
+        <p:spPr bwMode="auto">
+          <a:xfrm>
+            <a:off x="1214438" y="857232"/>
+            <a:ext cx="7477125" cy="4152901"/>
+          </a:xfrm>
+          <a:prstGeom prst="rect">
+            <a:avLst/>
+          </a:prstGeom>
+          <a:noFill/>
+        </p:spPr>
+      </p:pic>
       <p:sp>
         <p:nvSpPr>
-          <p:cNvPr id="14" name="TextBox 13"/>
+          <p:cNvPr id="7" name="TextBox 6"/>
           <p:cNvSpPr txBox="1"/>
           <p:nvPr/>
         </p:nvSpPr>
         <p:spPr>
           <a:xfrm>
-            <a:off x="4159354" y="3198168"/>
-            <a:ext cx="1587293" cy="461665"/>
+            <a:off x="3224803" y="5271591"/>
+            <a:ext cx="3456395" cy="461665"/>
           </a:xfrm>
           <a:prstGeom prst="rect">
             <a:avLst/>
@@ -11430,7 +11201,37 @@
                 <a:latin typeface="나눔스퀘어 Bold" panose="020B0600000101010101" pitchFamily="50" charset="-127"/>
                 <a:ea typeface="나눔스퀘어 Bold" panose="020B0600000101010101" pitchFamily="50" charset="-127"/>
               </a:rPr>
-              <a:t>애니메이션</a:t>
+              <a:t>오 </a:t>
+            </a:r>
+            <a:r>
+              <a:rPr lang="en-US" altLang="ko-KR" sz="2400" dirty="0" smtClean="0">
+                <a:solidFill>
+                  <a:schemeClr val="bg1"/>
+                </a:solidFill>
+                <a:latin typeface="나눔스퀘어 Bold" panose="020B0600000101010101" pitchFamily="50" charset="-127"/>
+                <a:ea typeface="나눔스퀘어 Bold" panose="020B0600000101010101" pitchFamily="50" charset="-127"/>
+              </a:rPr>
+              <a:t>Animated? </a:t>
+            </a:r>
+            <a:r>
+              <a:rPr lang="ko-KR" altLang="en-US" sz="2400" dirty="0" smtClean="0">
+                <a:solidFill>
+                  <a:schemeClr val="bg1"/>
+                </a:solidFill>
+                <a:latin typeface="나눔스퀘어 Bold" panose="020B0600000101010101" pitchFamily="50" charset="-127"/>
+                <a:ea typeface="나눔스퀘어 Bold" panose="020B0600000101010101" pitchFamily="50" charset="-127"/>
+              </a:rPr>
+              <a:t>이걸 쓰자</a:t>
+            </a:r>
+            <a:r>
+              <a:rPr lang="en-US" altLang="ko-KR" sz="2400" dirty="0" smtClean="0">
+                <a:solidFill>
+                  <a:schemeClr val="bg1"/>
+                </a:solidFill>
+                <a:latin typeface="나눔스퀘어 Bold" panose="020B0600000101010101" pitchFamily="50" charset="-127"/>
+                <a:ea typeface="나눔스퀘어 Bold" panose="020B0600000101010101" pitchFamily="50" charset="-127"/>
+              </a:rPr>
+              <a:t>.</a:t>
             </a:r>
             <a:endParaRPr lang="en-US" altLang="ko-KR" sz="2400" dirty="0">
               <a:solidFill>
@@ -11445,7 +11246,7 @@
     </p:spTree>
     <p:extLst>
       <p:ext uri="{BB962C8B-B14F-4D97-AF65-F5344CB8AC3E}">
-        <p14:creationId xmlns="" xmlns:p14="http://schemas.microsoft.com/office/powerpoint/2010/main" val="3510903501"/>
+        <p14:creationId xmlns:p14="http://schemas.microsoft.com/office/powerpoint/2010/main" val="1593830375"/>
       </p:ext>
     </p:extLst>
   </p:cSld>
@@ -11495,7 +11296,7 @@
           <p:cNvPr id="4" name="Picture 7">
             <a:extLst>
               <a:ext uri="{FF2B5EF4-FFF2-40B4-BE49-F238E27FC236}">
-                <a16:creationId xmlns="" xmlns:a16="http://schemas.microsoft.com/office/drawing/2014/main" id="{AC24F9CE-72F1-470B-9FBC-B82882EFFD7C}"/>
+                <a16:creationId xmlns:a16="http://schemas.microsoft.com/office/drawing/2014/main" xmlns="" id="{AC24F9CE-72F1-470B-9FBC-B82882EFFD7C}"/>
               </a:ext>
             </a:extLst>
           </p:cNvPr>
@@ -11508,8 +11309,8 @@
           <a:blip r:embed="rId2" cstate="print">
             <a:extLst>
               <a:ext uri="{BEBA8EAE-BF5A-486C-A8C5-ECC9F3942E4B}">
-                <a14:imgProps xmlns="" xmlns:a14="http://schemas.microsoft.com/office/drawing/2010/main">
-                  <a14:imgLayer r:embed="rId4">
+                <a14:imgProps xmlns:a14="http://schemas.microsoft.com/office/drawing/2010/main">
+                  <a14:imgLayer r:embed="rId3">
                     <a14:imgEffect>
                       <a14:brightnessContrast bright="100000"/>
                     </a14:imgEffect>
@@ -11533,32 +11334,6 @@
           <a:noFill/>
         </p:spPr>
       </p:pic>
-      <p:pic>
-        <p:nvPicPr>
-          <p:cNvPr id="7170" name="Picture 2" descr="https://d2ujflorbtfzji.cloudfront.net/package-screenshot/83d1f9ee-8a17-45bf-a1d5-d1b100965a05_scaled.jpg"/>
-          <p:cNvPicPr>
-            <a:picLocks noChangeAspect="1" noChangeArrowheads="1"/>
-          </p:cNvPicPr>
-          <p:nvPr/>
-        </p:nvPicPr>
-        <p:blipFill>
-          <a:blip r:embed="rId5"/>
-          <a:srcRect/>
-          <a:stretch>
-            <a:fillRect/>
-          </a:stretch>
-        </p:blipFill>
-        <p:spPr bwMode="auto">
-          <a:xfrm>
-            <a:off x="1214438" y="857232"/>
-            <a:ext cx="7477125" cy="4152901"/>
-          </a:xfrm>
-          <a:prstGeom prst="rect">
-            <a:avLst/>
-          </a:prstGeom>
-          <a:noFill/>
-        </p:spPr>
-      </p:pic>
       <p:sp>
         <p:nvSpPr>
           <p:cNvPr id="7" name="TextBox 6"/>
@@ -11567,8 +11342,8 @@
         </p:nvSpPr>
         <p:spPr>
           <a:xfrm>
-            <a:off x="3224803" y="5271591"/>
-            <a:ext cx="3456395" cy="461665"/>
+            <a:off x="1875074" y="5214950"/>
+            <a:ext cx="6155852" cy="461665"/>
           </a:xfrm>
           <a:prstGeom prst="rect">
             <a:avLst/>
@@ -11590,7 +11365,7 @@
                 <a:latin typeface="나눔스퀘어 Bold" panose="020B0600000101010101" pitchFamily="50" charset="-127"/>
                 <a:ea typeface="나눔스퀘어 Bold" panose="020B0600000101010101" pitchFamily="50" charset="-127"/>
               </a:rPr>
-              <a:t>오 </a:t>
+              <a:t>어</a:t>
             </a:r>
             <a:r>
               <a:rPr lang="en-US" altLang="ko-KR" sz="2400" dirty="0" smtClean="0">
@@ -11600,7 +11375,7 @@
                 <a:latin typeface="나눔스퀘어 Bold" panose="020B0600000101010101" pitchFamily="50" charset="-127"/>
                 <a:ea typeface="나눔스퀘어 Bold" panose="020B0600000101010101" pitchFamily="50" charset="-127"/>
               </a:rPr>
-              <a:t>Animated? </a:t>
+              <a:t>? </a:t>
             </a:r>
             <a:r>
               <a:rPr lang="ko-KR" altLang="en-US" sz="2400" dirty="0" smtClean="0">
@@ -11610,7 +11385,7 @@
                 <a:latin typeface="나눔스퀘어 Bold" panose="020B0600000101010101" pitchFamily="50" charset="-127"/>
                 <a:ea typeface="나눔스퀘어 Bold" panose="020B0600000101010101" pitchFamily="50" charset="-127"/>
               </a:rPr>
-              <a:t>이걸 쓰자</a:t>
+              <a:t>생각했던 거랑 다르게 작동하는 애니메이션</a:t>
             </a:r>
             <a:r>
               <a:rPr lang="en-US" altLang="ko-KR" sz="2400" dirty="0" smtClean="0">
@@ -11632,10 +11407,43 @@
           </a:p>
         </p:txBody>
       </p:sp>
+      <p:pic>
+        <p:nvPicPr>
+          <p:cNvPr id="47106" name="Picture 2"/>
+          <p:cNvPicPr>
+            <a:picLocks noChangeAspect="1" noChangeArrowheads="1"/>
+          </p:cNvPicPr>
+          <p:nvPr/>
+        </p:nvPicPr>
+        <p:blipFill>
+          <a:blip r:embed="rId4"/>
+          <a:srcRect/>
+          <a:stretch>
+            <a:fillRect/>
+          </a:stretch>
+        </p:blipFill>
+        <p:spPr bwMode="auto">
+          <a:xfrm>
+            <a:off x="2066921" y="1428736"/>
+            <a:ext cx="5772158" cy="3337400"/>
+          </a:xfrm>
+          <a:prstGeom prst="rect">
+            <a:avLst/>
+          </a:prstGeom>
+          <a:noFill/>
+          <a:ln w="9525">
+            <a:noFill/>
+            <a:miter lim="800000"/>
+            <a:headEnd/>
+            <a:tailEnd/>
+          </a:ln>
+          <a:effectLst/>
+        </p:spPr>
+      </p:pic>
     </p:spTree>
     <p:extLst>
       <p:ext uri="{BB962C8B-B14F-4D97-AF65-F5344CB8AC3E}">
-        <p14:creationId xmlns="" xmlns:p14="http://schemas.microsoft.com/office/powerpoint/2010/main" val="1593830375"/>
+        <p14:creationId xmlns:p14="http://schemas.microsoft.com/office/powerpoint/2010/main" val="1593830375"/>
       </p:ext>
     </p:extLst>
   </p:cSld>
@@ -11685,7 +11493,7 @@
           <p:cNvPr id="4" name="Picture 7">
             <a:extLst>
               <a:ext uri="{FF2B5EF4-FFF2-40B4-BE49-F238E27FC236}">
-                <a16:creationId xmlns="" xmlns:a16="http://schemas.microsoft.com/office/drawing/2014/main" id="{AC24F9CE-72F1-470B-9FBC-B82882EFFD7C}"/>
+                <a16:creationId xmlns:a16="http://schemas.microsoft.com/office/drawing/2014/main" xmlns="" id="{AC24F9CE-72F1-470B-9FBC-B82882EFFD7C}"/>
               </a:ext>
             </a:extLst>
           </p:cNvPr>
@@ -11698,205 +11506,8 @@
           <a:blip r:embed="rId2" cstate="print">
             <a:extLst>
               <a:ext uri="{BEBA8EAE-BF5A-486C-A8C5-ECC9F3942E4B}">
-                <a14:imgProps xmlns="" xmlns:a14="http://schemas.microsoft.com/office/drawing/2010/main">
-                  <a14:imgLayer r:embed="rId4">
-                    <a14:imgEffect>
-                      <a14:brightnessContrast bright="100000"/>
-                    </a14:imgEffect>
-                  </a14:imgLayer>
-                </a14:imgProps>
-              </a:ext>
-            </a:extLst>
-          </a:blip>
-          <a:stretch>
-            <a:fillRect/>
-          </a:stretch>
-        </p:blipFill>
-        <p:spPr>
-          <a:xfrm>
-            <a:off x="9273480" y="6237312"/>
-            <a:ext cx="456872" cy="548866"/>
-          </a:xfrm>
-          <a:prstGeom prst="rect">
-            <a:avLst/>
-          </a:prstGeom>
-          <a:noFill/>
-        </p:spPr>
-      </p:pic>
-      <p:sp>
-        <p:nvSpPr>
-          <p:cNvPr id="7" name="TextBox 6"/>
-          <p:cNvSpPr txBox="1"/>
-          <p:nvPr/>
-        </p:nvSpPr>
-        <p:spPr>
-          <a:xfrm>
-            <a:off x="1875074" y="5214950"/>
-            <a:ext cx="6155852" cy="461665"/>
-          </a:xfrm>
-          <a:prstGeom prst="rect">
-            <a:avLst/>
-          </a:prstGeom>
-          <a:noFill/>
-        </p:spPr>
-        <p:txBody>
-          <a:bodyPr wrap="none" rtlCol="0">
-            <a:spAutoFit/>
-          </a:bodyPr>
-          <a:lstStyle/>
-          <a:p>
-            <a:pPr algn="ctr"/>
-            <a:r>
-              <a:rPr lang="ko-KR" altLang="en-US" sz="2400" dirty="0" smtClean="0">
-                <a:solidFill>
-                  <a:schemeClr val="bg1"/>
-                </a:solidFill>
-                <a:latin typeface="나눔스퀘어 Bold" panose="020B0600000101010101" pitchFamily="50" charset="-127"/>
-                <a:ea typeface="나눔스퀘어 Bold" panose="020B0600000101010101" pitchFamily="50" charset="-127"/>
-              </a:rPr>
-              <a:t>어</a:t>
-            </a:r>
-            <a:r>
-              <a:rPr lang="en-US" altLang="ko-KR" sz="2400" dirty="0" smtClean="0">
-                <a:solidFill>
-                  <a:schemeClr val="bg1"/>
-                </a:solidFill>
-                <a:latin typeface="나눔스퀘어 Bold" panose="020B0600000101010101" pitchFamily="50" charset="-127"/>
-                <a:ea typeface="나눔스퀘어 Bold" panose="020B0600000101010101" pitchFamily="50" charset="-127"/>
-              </a:rPr>
-              <a:t>? </a:t>
-            </a:r>
-            <a:r>
-              <a:rPr lang="ko-KR" altLang="en-US" sz="2400" dirty="0" smtClean="0">
-                <a:solidFill>
-                  <a:schemeClr val="bg1"/>
-                </a:solidFill>
-                <a:latin typeface="나눔스퀘어 Bold" panose="020B0600000101010101" pitchFamily="50" charset="-127"/>
-                <a:ea typeface="나눔스퀘어 Bold" panose="020B0600000101010101" pitchFamily="50" charset="-127"/>
-              </a:rPr>
-              <a:t>생각했던 거랑 다르게 작동하는 애니메이션</a:t>
-            </a:r>
-            <a:r>
-              <a:rPr lang="en-US" altLang="ko-KR" sz="2400" dirty="0" smtClean="0">
-                <a:solidFill>
-                  <a:schemeClr val="bg1"/>
-                </a:solidFill>
-                <a:latin typeface="나눔스퀘어 Bold" panose="020B0600000101010101" pitchFamily="50" charset="-127"/>
-                <a:ea typeface="나눔스퀘어 Bold" panose="020B0600000101010101" pitchFamily="50" charset="-127"/>
-              </a:rPr>
-              <a:t>.</a:t>
-            </a:r>
-            <a:endParaRPr lang="en-US" altLang="ko-KR" sz="2400" dirty="0">
-              <a:solidFill>
-                <a:schemeClr val="bg1"/>
-              </a:solidFill>
-              <a:latin typeface="나눔스퀘어 Bold" panose="020B0600000101010101" pitchFamily="50" charset="-127"/>
-              <a:ea typeface="나눔스퀘어 Bold" panose="020B0600000101010101" pitchFamily="50" charset="-127"/>
-            </a:endParaRPr>
-          </a:p>
-        </p:txBody>
-      </p:sp>
-      <p:pic>
-        <p:nvPicPr>
-          <p:cNvPr id="47106" name="Picture 2"/>
-          <p:cNvPicPr>
-            <a:picLocks noChangeAspect="1" noChangeArrowheads="1"/>
-          </p:cNvPicPr>
-          <p:nvPr/>
-        </p:nvPicPr>
-        <p:blipFill>
-          <a:blip r:embed="rId5"/>
-          <a:srcRect/>
-          <a:stretch>
-            <a:fillRect/>
-          </a:stretch>
-        </p:blipFill>
-        <p:spPr bwMode="auto">
-          <a:xfrm>
-            <a:off x="2066921" y="1428736"/>
-            <a:ext cx="5772158" cy="3337400"/>
-          </a:xfrm>
-          <a:prstGeom prst="rect">
-            <a:avLst/>
-          </a:prstGeom>
-          <a:noFill/>
-          <a:ln w="9525">
-            <a:noFill/>
-            <a:miter lim="800000"/>
-            <a:headEnd/>
-            <a:tailEnd/>
-          </a:ln>
-          <a:effectLst/>
-        </p:spPr>
-      </p:pic>
-    </p:spTree>
-    <p:extLst>
-      <p:ext uri="{BB962C8B-B14F-4D97-AF65-F5344CB8AC3E}">
-        <p14:creationId xmlns="" xmlns:p14="http://schemas.microsoft.com/office/powerpoint/2010/main" val="1593830375"/>
-      </p:ext>
-    </p:extLst>
-  </p:cSld>
-  <p:clrMapOvr>
-    <a:masterClrMapping/>
-  </p:clrMapOvr>
-  <p:timing>
-    <p:tnLst>
-      <p:par>
-        <p:cTn id="1" dur="indefinite" restart="never" nodeType="tmRoot"/>
-      </p:par>
-    </p:tnLst>
-  </p:timing>
-</p:sld>
-</file>
-
-<file path=ppt/slides/slide25.xml><?xml version="1.0" encoding="utf-8"?>
-<p:sld xmlns:a="http://schemas.openxmlformats.org/drawingml/2006/main" xmlns:r="http://schemas.openxmlformats.org/officeDocument/2006/relationships" xmlns:p="http://schemas.openxmlformats.org/presentationml/2006/main" showMasterSp="0">
-  <p:cSld>
-    <p:bg>
-      <p:bgPr>
-        <a:solidFill>
-          <a:schemeClr val="tx1">
-            <a:lumMod val="75000"/>
-            <a:lumOff val="25000"/>
-          </a:schemeClr>
-        </a:solidFill>
-        <a:effectLst/>
-      </p:bgPr>
-    </p:bg>
-    <p:spTree>
-      <p:nvGrpSpPr>
-        <p:cNvPr id="1" name=""/>
-        <p:cNvGrpSpPr/>
-        <p:nvPr/>
-      </p:nvGrpSpPr>
-      <p:grpSpPr>
-        <a:xfrm>
-          <a:off x="0" y="0"/>
-          <a:ext cx="0" cy="0"/>
-          <a:chOff x="0" y="0"/>
-          <a:chExt cx="0" cy="0"/>
-        </a:xfrm>
-      </p:grpSpPr>
-      <p:pic>
-        <p:nvPicPr>
-          <p:cNvPr id="4" name="Picture 7">
-            <a:extLst>
-              <a:ext uri="{FF2B5EF4-FFF2-40B4-BE49-F238E27FC236}">
-                <a16:creationId xmlns="" xmlns:a16="http://schemas.microsoft.com/office/drawing/2014/main" id="{AC24F9CE-72F1-470B-9FBC-B82882EFFD7C}"/>
-              </a:ext>
-            </a:extLst>
-          </p:cNvPr>
-          <p:cNvPicPr>
-            <a:picLocks noChangeAspect="1"/>
-          </p:cNvPicPr>
-          <p:nvPr/>
-        </p:nvPicPr>
-        <p:blipFill>
-          <a:blip r:embed="rId2" cstate="print">
-            <a:extLst>
-              <a:ext uri="{BEBA8EAE-BF5A-486C-A8C5-ECC9F3942E4B}">
-                <a14:imgProps xmlns="" xmlns:a14="http://schemas.microsoft.com/office/drawing/2010/main">
-                  <a14:imgLayer r:embed="rId4">
+                <a14:imgProps xmlns:a14="http://schemas.microsoft.com/office/drawing/2010/main">
+                  <a14:imgLayer r:embed="rId3">
                     <a14:imgEffect>
                       <a14:brightnessContrast bright="100000"/>
                     </a14:imgEffect>
@@ -11976,7 +11587,7 @@
     </p:spTree>
     <p:extLst>
       <p:ext uri="{BB962C8B-B14F-4D97-AF65-F5344CB8AC3E}">
-        <p14:creationId xmlns="" xmlns:p14="http://schemas.microsoft.com/office/powerpoint/2010/main" val="1593830375"/>
+        <p14:creationId xmlns:p14="http://schemas.microsoft.com/office/powerpoint/2010/main" val="1593830375"/>
       </p:ext>
     </p:extLst>
   </p:cSld>
@@ -11993,7 +11604,7 @@
 </p:sld>
 </file>
 
-<file path=ppt/slides/slide26.xml><?xml version="1.0" encoding="utf-8"?>
+<file path=ppt/slides/slide25.xml><?xml version="1.0" encoding="utf-8"?>
 <p:sld xmlns:a="http://schemas.openxmlformats.org/drawingml/2006/main" xmlns:r="http://schemas.openxmlformats.org/officeDocument/2006/relationships" xmlns:p="http://schemas.openxmlformats.org/presentationml/2006/main" showMasterSp="0">
   <p:cSld>
     <p:bg>
@@ -12139,7 +11750,7 @@
           <p:cNvPr id="4" name="Picture 7">
             <a:extLst>
               <a:ext uri="{FF2B5EF4-FFF2-40B4-BE49-F238E27FC236}">
-                <a16:creationId xmlns="" xmlns:a16="http://schemas.microsoft.com/office/drawing/2014/main" id="{AC24F9CE-72F1-470B-9FBC-B82882EFFD7C}"/>
+                <a16:creationId xmlns:a16="http://schemas.microsoft.com/office/drawing/2014/main" xmlns="" id="{AC24F9CE-72F1-470B-9FBC-B82882EFFD7C}"/>
               </a:ext>
             </a:extLst>
           </p:cNvPr>
@@ -12152,7 +11763,7 @@
           <a:blip r:embed="rId3" cstate="print">
             <a:extLst>
               <a:ext uri="{BEBA8EAE-BF5A-486C-A8C5-ECC9F3942E4B}">
-                <a14:imgProps xmlns="" xmlns:a14="http://schemas.microsoft.com/office/drawing/2010/main">
+                <a14:imgProps xmlns:a14="http://schemas.microsoft.com/office/drawing/2010/main">
                   <a14:imgLayer r:embed="rId4">
                     <a14:imgEffect>
                       <a14:brightnessContrast bright="100000"/>
@@ -12180,7 +11791,7 @@
     </p:spTree>
     <p:extLst>
       <p:ext uri="{BB962C8B-B14F-4D97-AF65-F5344CB8AC3E}">
-        <p14:creationId xmlns="" xmlns:p14="http://schemas.microsoft.com/office/powerpoint/2010/main" val="1593830375"/>
+        <p14:creationId xmlns:p14="http://schemas.microsoft.com/office/powerpoint/2010/main" val="1593830375"/>
       </p:ext>
     </p:extLst>
   </p:cSld>
@@ -12197,7 +11808,7 @@
 </p:sld>
 </file>
 
-<file path=ppt/slides/slide27.xml><?xml version="1.0" encoding="utf-8"?>
+<file path=ppt/slides/slide26.xml><?xml version="1.0" encoding="utf-8"?>
 <p:sld xmlns:a="http://schemas.openxmlformats.org/drawingml/2006/main" xmlns:r="http://schemas.openxmlformats.org/officeDocument/2006/relationships" xmlns:p="http://schemas.openxmlformats.org/presentationml/2006/main">
   <p:cSld>
     <p:spTree>
@@ -12780,7 +12391,7 @@
     </p:spTree>
     <p:extLst>
       <p:ext uri="{BB962C8B-B14F-4D97-AF65-F5344CB8AC3E}">
-        <p14:creationId xmlns="" xmlns:p14="http://schemas.microsoft.com/office/powerpoint/2010/main" val="3082150042"/>
+        <p14:creationId xmlns:p14="http://schemas.microsoft.com/office/powerpoint/2010/main" val="3082150042"/>
       </p:ext>
     </p:extLst>
   </p:cSld>
@@ -12797,7 +12408,7 @@
 </p:sld>
 </file>
 
-<file path=ppt/slides/slide28.xml><?xml version="1.0" encoding="utf-8"?>
+<file path=ppt/slides/slide27.xml><?xml version="1.0" encoding="utf-8"?>
 <p:sld xmlns:a="http://schemas.openxmlformats.org/drawingml/2006/main" xmlns:r="http://schemas.openxmlformats.org/officeDocument/2006/relationships" xmlns:p="http://schemas.openxmlformats.org/presentationml/2006/main" showMasterSp="0">
   <p:cSld>
     <p:bg>
@@ -12988,7 +12599,7 @@
           <p:cNvPr id="9" name="Picture 7">
             <a:extLst>
               <a:ext uri="{FF2B5EF4-FFF2-40B4-BE49-F238E27FC236}">
-                <a16:creationId xmlns="" xmlns:a16="http://schemas.microsoft.com/office/drawing/2014/main" id="{5C209F36-3564-4D10-87BE-D608B3DD2EAE}"/>
+                <a16:creationId xmlns:a16="http://schemas.microsoft.com/office/drawing/2014/main" xmlns="" id="{5C209F36-3564-4D10-87BE-D608B3DD2EAE}"/>
               </a:ext>
             </a:extLst>
           </p:cNvPr>
@@ -13001,7 +12612,7 @@
           <a:blip r:embed="rId2" cstate="print">
             <a:extLst>
               <a:ext uri="{BEBA8EAE-BF5A-486C-A8C5-ECC9F3942E4B}">
-                <a14:imgProps xmlns="" xmlns:a14="http://schemas.microsoft.com/office/drawing/2010/main">
+                <a14:imgProps xmlns:a14="http://schemas.microsoft.com/office/drawing/2010/main">
                   <a14:imgLayer r:embed="rId3">
                     <a14:imgEffect>
                       <a14:brightnessContrast bright="100000"/>
@@ -13029,7 +12640,7 @@
     </p:spTree>
     <p:extLst>
       <p:ext uri="{BB962C8B-B14F-4D97-AF65-F5344CB8AC3E}">
-        <p14:creationId xmlns="" xmlns:p14="http://schemas.microsoft.com/office/powerpoint/2010/main" val="1001780714"/>
+        <p14:creationId xmlns:p14="http://schemas.microsoft.com/office/powerpoint/2010/main" val="1001780714"/>
       </p:ext>
     </p:extLst>
   </p:cSld>
@@ -13046,7 +12657,7 @@
 </p:sld>
 </file>
 
-<file path=ppt/slides/slide29.xml><?xml version="1.0" encoding="utf-8"?>
+<file path=ppt/slides/slide28.xml><?xml version="1.0" encoding="utf-8"?>
 <p:sld xmlns:a="http://schemas.openxmlformats.org/drawingml/2006/main" xmlns:r="http://schemas.openxmlformats.org/officeDocument/2006/relationships" xmlns:p="http://schemas.openxmlformats.org/presentationml/2006/main">
   <p:cSld>
     <p:spTree>
@@ -13247,7 +12858,7 @@
           <a:blip r:embed="rId2">
             <a:extLst>
               <a:ext uri="{28A0092B-C50C-407E-A947-70E740481C1C}">
-                <a14:useLocalDpi xmlns="" xmlns:a14="http://schemas.microsoft.com/office/drawing/2010/main" val="0"/>
+                <a14:useLocalDpi xmlns:a14="http://schemas.microsoft.com/office/drawing/2010/main" val="0"/>
               </a:ext>
             </a:extLst>
           </a:blip>
@@ -13268,13 +12879,20 @@
     </p:spTree>
     <p:extLst>
       <p:ext uri="{BB962C8B-B14F-4D97-AF65-F5344CB8AC3E}">
-        <p14:creationId xmlns="" xmlns:p14="http://schemas.microsoft.com/office/powerpoint/2010/main" val="859416657"/>
+        <p14:creationId xmlns:p14="http://schemas.microsoft.com/office/powerpoint/2010/main" val="859416657"/>
       </p:ext>
     </p:extLst>
   </p:cSld>
   <p:clrMapOvr>
     <a:masterClrMapping/>
   </p:clrMapOvr>
+  <p:timing>
+    <p:tnLst>
+      <p:par>
+        <p:cTn id="1" dur="indefinite" restart="never" nodeType="tmRoot"/>
+      </p:par>
+    </p:tnLst>
+  </p:timing>
 </p:sld>
 </file>
 
@@ -13712,412 +13330,24 @@
     </p:spTree>
     <p:extLst>
       <p:ext uri="{BB962C8B-B14F-4D97-AF65-F5344CB8AC3E}">
-        <p14:creationId xmlns="" xmlns:p14="http://schemas.microsoft.com/office/powerpoint/2010/main" val="2389140848"/>
+        <p14:creationId xmlns:p14="http://schemas.microsoft.com/office/powerpoint/2010/main" val="2389140848"/>
       </p:ext>
     </p:extLst>
   </p:cSld>
   <p:clrMapOvr>
     <a:masterClrMapping/>
   </p:clrMapOvr>
+  <p:timing>
+    <p:tnLst>
+      <p:par>
+        <p:cTn id="1" dur="indefinite" restart="never" nodeType="tmRoot"/>
+      </p:par>
+    </p:tnLst>
+  </p:timing>
 </p:sld>
 </file>
 
 <file path=ppt/slides/slide5.xml><?xml version="1.0" encoding="utf-8"?>
-<p:sld xmlns:a="http://schemas.openxmlformats.org/drawingml/2006/main" xmlns:r="http://schemas.openxmlformats.org/officeDocument/2006/relationships" xmlns:p="http://schemas.openxmlformats.org/presentationml/2006/main">
-  <p:cSld>
-    <p:spTree>
-      <p:nvGrpSpPr>
-        <p:cNvPr id="1" name=""/>
-        <p:cNvGrpSpPr/>
-        <p:nvPr/>
-      </p:nvGrpSpPr>
-      <p:grpSpPr>
-        <a:xfrm>
-          <a:off x="0" y="0"/>
-          <a:ext cx="0" cy="0"/>
-          <a:chOff x="0" y="0"/>
-          <a:chExt cx="0" cy="0"/>
-        </a:xfrm>
-      </p:grpSpPr>
-      <p:sp>
-        <p:nvSpPr>
-          <p:cNvPr id="2" name="제목 1">
-            <a:extLst>
-              <a:ext uri="{FF2B5EF4-FFF2-40B4-BE49-F238E27FC236}">
-                <a16:creationId xmlns="" xmlns:a16="http://schemas.microsoft.com/office/drawing/2014/main" id="{A5E89B3F-4C40-493D-9FF4-29EAC37FE93E}"/>
-              </a:ext>
-            </a:extLst>
-          </p:cNvPr>
-          <p:cNvSpPr>
-            <a:spLocks noGrp="1"/>
-          </p:cNvSpPr>
-          <p:nvPr>
-            <p:ph type="title"/>
-          </p:nvPr>
-        </p:nvSpPr>
-        <p:spPr/>
-        <p:txBody>
-          <a:bodyPr/>
-          <a:lstStyle/>
-          <a:p>
-            <a:endParaRPr lang="ko-KR" altLang="en-US"/>
-          </a:p>
-        </p:txBody>
-      </p:sp>
-      <p:sp>
-        <p:nvSpPr>
-          <p:cNvPr id="3" name="내용 개체 틀 2">
-            <a:extLst>
-              <a:ext uri="{FF2B5EF4-FFF2-40B4-BE49-F238E27FC236}">
-                <a16:creationId xmlns="" xmlns:a16="http://schemas.microsoft.com/office/drawing/2014/main" id="{014A1FF6-FEF9-4DDE-A07D-FB3286C7ABB0}"/>
-              </a:ext>
-            </a:extLst>
-          </p:cNvPr>
-          <p:cNvSpPr>
-            <a:spLocks noGrp="1"/>
-          </p:cNvSpPr>
-          <p:nvPr>
-            <p:ph idx="1"/>
-          </p:nvPr>
-        </p:nvSpPr>
-        <p:spPr>
-          <a:xfrm>
-            <a:off x="344488" y="908719"/>
-            <a:ext cx="9217024" cy="5472609"/>
-          </a:xfrm>
-        </p:spPr>
-        <p:txBody>
-          <a:bodyPr>
-            <a:normAutofit/>
-          </a:bodyPr>
-          <a:lstStyle/>
-          <a:p>
-            <a:r>
-              <a:rPr lang="ko-KR" altLang="en-US" sz="1200" dirty="0"/>
-              <a:t>짧고 간단히 하자</a:t>
-            </a:r>
-          </a:p>
-          <a:p>
-            <a:r>
-              <a:rPr lang="ko-KR" altLang="en-US" sz="1200" dirty="0"/>
-              <a:t>나는 </a:t>
-            </a:r>
-            <a:r>
-              <a:rPr lang="en-US" altLang="ko-KR" sz="1200" dirty="0"/>
-              <a:t>VR</a:t>
-            </a:r>
-            <a:r>
-              <a:rPr lang="ko-KR" altLang="en-US" sz="1200" dirty="0"/>
-              <a:t>과 </a:t>
-            </a:r>
-            <a:r>
-              <a:rPr lang="en-US" altLang="ko-KR" sz="1200" dirty="0"/>
-              <a:t>AR</a:t>
-            </a:r>
-            <a:r>
-              <a:rPr lang="ko-KR" altLang="en-US" sz="1200" dirty="0"/>
-              <a:t>을 섞어 </a:t>
-            </a:r>
-            <a:r>
-              <a:rPr lang="en-US" altLang="ko-KR" sz="1200" dirty="0"/>
-              <a:t>SQUARE</a:t>
-            </a:r>
-            <a:r>
-              <a:rPr lang="ko-KR" altLang="en-US" sz="1200" dirty="0"/>
-              <a:t>를 만들었다</a:t>
-            </a:r>
-            <a:r>
-              <a:rPr lang="en-US" altLang="ko-KR" sz="1200" dirty="0"/>
-              <a:t>.</a:t>
-            </a:r>
-          </a:p>
-          <a:p>
-            <a:r>
-              <a:rPr lang="en-US" altLang="ko-KR" sz="1200" dirty="0"/>
-              <a:t/>
-            </a:r>
-            <a:br>
-              <a:rPr lang="en-US" altLang="ko-KR" sz="1200" dirty="0"/>
-            </a:br>
-            <a:endParaRPr lang="en-US" altLang="ko-KR" sz="1200" dirty="0"/>
-          </a:p>
-          <a:p>
-            <a:r>
-              <a:rPr lang="ko-KR" altLang="en-US" sz="1200" dirty="0"/>
-              <a:t>개요 부분</a:t>
-            </a:r>
-          </a:p>
-          <a:p>
-            <a:r>
-              <a:rPr lang="en-US" altLang="ko-KR" sz="1200" dirty="0"/>
-              <a:t>-</a:t>
-            </a:r>
-            <a:r>
-              <a:rPr lang="en-US" altLang="ko-KR" sz="1200" dirty="0" err="1"/>
-              <a:t>RailShooter</a:t>
-            </a:r>
-            <a:r>
-              <a:rPr lang="en-US" altLang="ko-KR" sz="1200" dirty="0"/>
-              <a:t> </a:t>
-            </a:r>
-            <a:r>
-              <a:rPr lang="ko-KR" altLang="en-US" sz="1200" dirty="0"/>
-              <a:t>부분 삭제</a:t>
-            </a:r>
-          </a:p>
-          <a:p>
-            <a:r>
-              <a:rPr lang="en-US" altLang="ko-KR" sz="1200" dirty="0"/>
-              <a:t>-</a:t>
-            </a:r>
-            <a:r>
-              <a:rPr lang="ko-KR" altLang="en-US" sz="1200" dirty="0"/>
-              <a:t>슬라이드 </a:t>
-            </a:r>
-            <a:r>
-              <a:rPr lang="en-US" altLang="ko-KR" sz="1200" dirty="0"/>
-              <a:t>5~8 </a:t>
-            </a:r>
-            <a:r>
-              <a:rPr lang="ko-KR" altLang="en-US" sz="1200" dirty="0"/>
-              <a:t>삭제</a:t>
-            </a:r>
-          </a:p>
-          <a:p>
-            <a:r>
-              <a:rPr lang="ko-KR" altLang="en-US" sz="1200" dirty="0"/>
-              <a:t/>
-            </a:r>
-            <a:br>
-              <a:rPr lang="ko-KR" altLang="en-US" sz="1200" dirty="0"/>
-            </a:br>
-            <a:endParaRPr lang="ko-KR" altLang="en-US" sz="1200" dirty="0"/>
-          </a:p>
-          <a:p>
-            <a:r>
-              <a:rPr lang="en-US" altLang="ko-KR" sz="1200" dirty="0"/>
-              <a:t>SQUARE </a:t>
-            </a:r>
-            <a:r>
-              <a:rPr lang="ko-KR" altLang="en-US" sz="1200" dirty="0"/>
-              <a:t>소개 부분 편집</a:t>
-            </a:r>
-          </a:p>
-          <a:p>
-            <a:r>
-              <a:rPr lang="en-US" altLang="ko-KR" sz="1200" dirty="0"/>
-              <a:t>+AR</a:t>
-            </a:r>
-            <a:r>
-              <a:rPr lang="ko-KR" altLang="en-US" sz="1200" dirty="0"/>
-              <a:t>과 </a:t>
-            </a:r>
-            <a:r>
-              <a:rPr lang="en-US" altLang="ko-KR" sz="1200" dirty="0"/>
-              <a:t>VR</a:t>
-            </a:r>
-            <a:r>
-              <a:rPr lang="ko-KR" altLang="en-US" sz="1200" dirty="0"/>
-              <a:t>을 혼합해 </a:t>
-            </a:r>
-            <a:r>
-              <a:rPr lang="en-US" altLang="ko-KR" sz="1200" dirty="0"/>
-              <a:t>MR(Mixed Reality)</a:t>
-            </a:r>
-            <a:r>
-              <a:rPr lang="ko-KR" altLang="en-US" sz="1200" dirty="0"/>
-              <a:t>을 만들었다</a:t>
-            </a:r>
-            <a:r>
-              <a:rPr lang="en-US" altLang="ko-KR" sz="1200" dirty="0"/>
-              <a:t>.</a:t>
-            </a:r>
-          </a:p>
-          <a:p>
-            <a:r>
-              <a:rPr lang="en-US" altLang="ko-KR" sz="1200" dirty="0"/>
-              <a:t>-</a:t>
-            </a:r>
-            <a:r>
-              <a:rPr lang="ko-KR" altLang="en-US" sz="1200" dirty="0" err="1"/>
-              <a:t>퀄컴의</a:t>
-            </a:r>
-            <a:r>
-              <a:rPr lang="ko-KR" altLang="en-US" sz="1200" dirty="0"/>
-              <a:t> </a:t>
-            </a:r>
-            <a:r>
-              <a:rPr lang="ko-KR" altLang="en-US" sz="1200" dirty="0" err="1"/>
-              <a:t>뷰포리아</a:t>
-            </a:r>
-            <a:r>
-              <a:rPr lang="ko-KR" altLang="en-US" sz="1200" dirty="0"/>
-              <a:t> 기술 원리 설명 삭제</a:t>
-            </a:r>
-          </a:p>
-          <a:p>
-            <a:r>
-              <a:rPr lang="ko-KR" altLang="en-US" sz="1200" dirty="0"/>
-              <a:t/>
-            </a:r>
-            <a:br>
-              <a:rPr lang="ko-KR" altLang="en-US" sz="1200" dirty="0"/>
-            </a:br>
-            <a:endParaRPr lang="ko-KR" altLang="en-US" sz="1200" dirty="0"/>
-          </a:p>
-          <a:p>
-            <a:r>
-              <a:rPr lang="ko-KR" altLang="en-US" sz="1200" dirty="0"/>
-              <a:t>제작 과정 부분 편집</a:t>
-            </a:r>
-          </a:p>
-          <a:p>
-            <a:r>
-              <a:rPr lang="en-US" altLang="ko-KR" sz="1200" dirty="0"/>
-              <a:t>+</a:t>
-            </a:r>
-            <a:r>
-              <a:rPr lang="ko-KR" altLang="en-US" sz="1200" dirty="0"/>
-              <a:t>제작하면서 겪은 어려움</a:t>
-            </a:r>
-          </a:p>
-          <a:p>
-            <a:r>
-              <a:rPr lang="ko-KR" altLang="en-US" sz="1200" dirty="0"/>
-              <a:t>     </a:t>
-            </a:r>
-            <a:r>
-              <a:rPr lang="en-US" altLang="ko-KR" sz="1200" dirty="0" err="1"/>
-              <a:t>ex_Vuforia</a:t>
-            </a:r>
-            <a:r>
-              <a:rPr lang="ko-KR" altLang="en-US" sz="1200" dirty="0"/>
-              <a:t>와 </a:t>
-            </a:r>
-            <a:r>
-              <a:rPr lang="en-US" altLang="ko-KR" sz="1200" dirty="0"/>
-              <a:t>Google Cardboard </a:t>
-            </a:r>
-            <a:r>
-              <a:rPr lang="ko-KR" altLang="en-US" sz="1200" dirty="0"/>
-              <a:t>충돌</a:t>
-            </a:r>
-            <a:r>
-              <a:rPr lang="en-US" altLang="ko-KR" sz="1200" dirty="0"/>
-              <a:t>.     -&gt;     </a:t>
-            </a:r>
-            <a:r>
-              <a:rPr lang="ko-KR" altLang="en-US" sz="1200" dirty="0"/>
-              <a:t>그래서 </a:t>
-            </a:r>
-            <a:r>
-              <a:rPr lang="en-US" altLang="ko-KR" sz="1200" dirty="0"/>
-              <a:t>Cardboard </a:t>
-            </a:r>
-            <a:r>
-              <a:rPr lang="ko-KR" altLang="en-US" sz="1200" dirty="0"/>
-              <a:t>라이브러리의 일부를 커스텀 </a:t>
-            </a:r>
-            <a:r>
-              <a:rPr lang="ko-KR" altLang="en-US" sz="1200" dirty="0" err="1"/>
-              <a:t>마이즈하게</a:t>
-            </a:r>
-            <a:r>
-              <a:rPr lang="ko-KR" altLang="en-US" sz="1200" dirty="0"/>
-              <a:t> 됨</a:t>
-            </a:r>
-          </a:p>
-          <a:p>
-            <a:r>
-              <a:rPr lang="ko-KR" altLang="en-US" sz="1200" dirty="0"/>
-              <a:t>     </a:t>
-            </a:r>
-            <a:r>
-              <a:rPr lang="en-US" altLang="ko-KR" sz="1200" dirty="0"/>
-              <a:t>ex_</a:t>
-            </a:r>
-            <a:r>
-              <a:rPr lang="ko-KR" altLang="en-US" sz="1200" dirty="0"/>
-              <a:t>레퍼런스가 적음</a:t>
-            </a:r>
-            <a:r>
-              <a:rPr lang="en-US" altLang="ko-KR" sz="1200" dirty="0"/>
-              <a:t>.     -&gt;     </a:t>
-            </a:r>
-            <a:r>
-              <a:rPr lang="ko-KR" altLang="en-US" sz="1200" dirty="0"/>
-              <a:t>예외상황이 발생했을 때</a:t>
-            </a:r>
-            <a:r>
-              <a:rPr lang="en-US" altLang="ko-KR" sz="1200" dirty="0"/>
-              <a:t>, </a:t>
-            </a:r>
-            <a:r>
-              <a:rPr lang="ko-KR" altLang="en-US" sz="1200" dirty="0"/>
-              <a:t>수정하는데 많은 시간이 걸림</a:t>
-            </a:r>
-          </a:p>
-          <a:p>
-            <a:r>
-              <a:rPr lang="ko-KR" altLang="en-US" sz="1200" dirty="0"/>
-              <a:t>     </a:t>
-            </a:r>
-            <a:r>
-              <a:rPr lang="en-US" altLang="ko-KR" sz="1200" dirty="0"/>
-              <a:t>ex_</a:t>
-            </a:r>
-            <a:r>
-              <a:rPr lang="ko-KR" altLang="en-US" sz="1200" dirty="0"/>
-              <a:t>디바이스의 다양성     </a:t>
-            </a:r>
-            <a:r>
-              <a:rPr lang="en-US" altLang="ko-KR" sz="1200" dirty="0"/>
-              <a:t>-&gt;     </a:t>
-            </a:r>
-            <a:r>
-              <a:rPr lang="ko-KR" altLang="en-US" sz="1200" dirty="0"/>
-              <a:t>모델마다 헤드 </a:t>
-            </a:r>
-            <a:r>
-              <a:rPr lang="ko-KR" altLang="en-US" sz="1200" dirty="0" err="1"/>
-              <a:t>트래킹과</a:t>
-            </a:r>
-            <a:r>
-              <a:rPr lang="ko-KR" altLang="en-US" sz="1200" dirty="0"/>
-              <a:t> 태그 인식이 다른 값을 보여줌</a:t>
-            </a:r>
-            <a:r>
-              <a:rPr lang="en-US" altLang="ko-KR" sz="1200" dirty="0"/>
-              <a:t>(=</a:t>
-            </a:r>
-            <a:r>
-              <a:rPr lang="ko-KR" altLang="en-US" sz="1200" dirty="0"/>
-              <a:t>기기마다 다른 경험을 하게 됨</a:t>
-            </a:r>
-            <a:r>
-              <a:rPr lang="en-US" altLang="ko-KR" sz="1200" dirty="0"/>
-              <a:t>)</a:t>
-            </a:r>
-          </a:p>
-          <a:p>
-            <a:endParaRPr lang="ko-KR" altLang="en-US" sz="1200" dirty="0"/>
-          </a:p>
-        </p:txBody>
-      </p:sp>
-    </p:spTree>
-    <p:extLst>
-      <p:ext uri="{BB962C8B-B14F-4D97-AF65-F5344CB8AC3E}">
-        <p14:creationId xmlns="" xmlns:p14="http://schemas.microsoft.com/office/powerpoint/2010/main" val="3773193087"/>
-      </p:ext>
-    </p:extLst>
-  </p:cSld>
-  <p:clrMapOvr>
-    <a:masterClrMapping/>
-  </p:clrMapOvr>
-</p:sld>
-</file>
-
-<file path=ppt/slides/slide6.xml><?xml version="1.0" encoding="utf-8"?>
 <p:sld xmlns:a="http://schemas.openxmlformats.org/drawingml/2006/main" xmlns:r="http://schemas.openxmlformats.org/officeDocument/2006/relationships" xmlns:p="http://schemas.openxmlformats.org/presentationml/2006/main" showMasterSp="0">
   <p:cSld>
     <p:bg>
@@ -14156,7 +13386,7 @@
           <a:blip r:embed="rId2">
             <a:extLst>
               <a:ext uri="{28A0092B-C50C-407E-A947-70E740481C1C}">
-                <a14:useLocalDpi xmlns="" xmlns:a14="http://schemas.microsoft.com/office/drawing/2010/main" val="0"/>
+                <a14:useLocalDpi xmlns:a14="http://schemas.microsoft.com/office/drawing/2010/main" val="0"/>
               </a:ext>
             </a:extLst>
           </a:blip>
@@ -14285,17 +13515,24 @@
     </p:spTree>
     <p:extLst>
       <p:ext uri="{BB962C8B-B14F-4D97-AF65-F5344CB8AC3E}">
-        <p14:creationId xmlns="" xmlns:p14="http://schemas.microsoft.com/office/powerpoint/2010/main" val="3456896283"/>
+        <p14:creationId xmlns:p14="http://schemas.microsoft.com/office/powerpoint/2010/main" val="3456896283"/>
       </p:ext>
     </p:extLst>
   </p:cSld>
   <p:clrMapOvr>
     <a:masterClrMapping/>
   </p:clrMapOvr>
+  <p:timing>
+    <p:tnLst>
+      <p:par>
+        <p:cTn id="1" dur="indefinite" restart="never" nodeType="tmRoot"/>
+      </p:par>
+    </p:tnLst>
+  </p:timing>
 </p:sld>
 </file>
 
-<file path=ppt/slides/slide7.xml><?xml version="1.0" encoding="utf-8"?>
+<file path=ppt/slides/slide6.xml><?xml version="1.0" encoding="utf-8"?>
 <p:sld xmlns:a="http://schemas.openxmlformats.org/drawingml/2006/main" xmlns:r="http://schemas.openxmlformats.org/officeDocument/2006/relationships" xmlns:p="http://schemas.openxmlformats.org/presentationml/2006/main" showMasterSp="0">
   <p:cSld>
     <p:bg>
@@ -14334,7 +13571,7 @@
           <a:blip r:embed="rId2">
             <a:extLst>
               <a:ext uri="{28A0092B-C50C-407E-A947-70E740481C1C}">
-                <a14:useLocalDpi xmlns="" xmlns:a14="http://schemas.microsoft.com/office/drawing/2010/main" val="0"/>
+                <a14:useLocalDpi xmlns:a14="http://schemas.microsoft.com/office/drawing/2010/main" val="0"/>
               </a:ext>
             </a:extLst>
           </a:blip>
@@ -14463,17 +13700,24 @@
     </p:spTree>
     <p:extLst>
       <p:ext uri="{BB962C8B-B14F-4D97-AF65-F5344CB8AC3E}">
-        <p14:creationId xmlns="" xmlns:p14="http://schemas.microsoft.com/office/powerpoint/2010/main" val="2468981482"/>
+        <p14:creationId xmlns:p14="http://schemas.microsoft.com/office/powerpoint/2010/main" val="2468981482"/>
       </p:ext>
     </p:extLst>
   </p:cSld>
   <p:clrMapOvr>
     <a:masterClrMapping/>
   </p:clrMapOvr>
+  <p:timing>
+    <p:tnLst>
+      <p:par>
+        <p:cTn id="1" dur="indefinite" restart="never" nodeType="tmRoot"/>
+      </p:par>
+    </p:tnLst>
+  </p:timing>
 </p:sld>
 </file>
 
-<file path=ppt/slides/slide8.xml><?xml version="1.0" encoding="utf-8"?>
+<file path=ppt/slides/slide7.xml><?xml version="1.0" encoding="utf-8"?>
 <p:sld xmlns:a="http://schemas.openxmlformats.org/drawingml/2006/main" xmlns:r="http://schemas.openxmlformats.org/officeDocument/2006/relationships" xmlns:p="http://schemas.openxmlformats.org/presentationml/2006/main" showMasterSp="0">
   <p:cSld>
     <p:bg>
@@ -14512,7 +13756,7 @@
           <a:blip r:embed="rId2">
             <a:extLst>
               <a:ext uri="{28A0092B-C50C-407E-A947-70E740481C1C}">
-                <a14:useLocalDpi xmlns="" xmlns:a14="http://schemas.microsoft.com/office/drawing/2010/main" val="0"/>
+                <a14:useLocalDpi xmlns:a14="http://schemas.microsoft.com/office/drawing/2010/main" val="0"/>
               </a:ext>
             </a:extLst>
           </a:blip>
@@ -14658,17 +13902,24 @@
     </p:spTree>
     <p:extLst>
       <p:ext uri="{BB962C8B-B14F-4D97-AF65-F5344CB8AC3E}">
-        <p14:creationId xmlns="" xmlns:p14="http://schemas.microsoft.com/office/powerpoint/2010/main" val="3881022457"/>
+        <p14:creationId xmlns:p14="http://schemas.microsoft.com/office/powerpoint/2010/main" val="3881022457"/>
       </p:ext>
     </p:extLst>
   </p:cSld>
   <p:clrMapOvr>
     <a:masterClrMapping/>
   </p:clrMapOvr>
+  <p:timing>
+    <p:tnLst>
+      <p:par>
+        <p:cTn id="1" dur="indefinite" restart="never" nodeType="tmRoot"/>
+      </p:par>
+    </p:tnLst>
+  </p:timing>
 </p:sld>
 </file>
 
-<file path=ppt/slides/slide9.xml><?xml version="1.0" encoding="utf-8"?>
+<file path=ppt/slides/slide8.xml><?xml version="1.0" encoding="utf-8"?>
 <p:sld xmlns:a="http://schemas.openxmlformats.org/drawingml/2006/main" xmlns:r="http://schemas.openxmlformats.org/officeDocument/2006/relationships" xmlns:p="http://schemas.openxmlformats.org/presentationml/2006/main" showMasterSp="0">
   <p:cSld>
     <p:bg>
@@ -14707,7 +13958,7 @@
           <a:blip r:embed="rId2">
             <a:extLst>
               <a:ext uri="{28A0092B-C50C-407E-A947-70E740481C1C}">
-                <a14:useLocalDpi xmlns="" xmlns:a14="http://schemas.microsoft.com/office/drawing/2010/main" val="0"/>
+                <a14:useLocalDpi xmlns:a14="http://schemas.microsoft.com/office/drawing/2010/main" val="0"/>
               </a:ext>
             </a:extLst>
           </a:blip>
@@ -14853,13 +14104,366 @@
     </p:spTree>
     <p:extLst>
       <p:ext uri="{BB962C8B-B14F-4D97-AF65-F5344CB8AC3E}">
-        <p14:creationId xmlns="" xmlns:p14="http://schemas.microsoft.com/office/powerpoint/2010/main" val="3157409714"/>
+        <p14:creationId xmlns:p14="http://schemas.microsoft.com/office/powerpoint/2010/main" val="3157409714"/>
       </p:ext>
     </p:extLst>
   </p:cSld>
   <p:clrMapOvr>
     <a:masterClrMapping/>
   </p:clrMapOvr>
+  <p:timing>
+    <p:tnLst>
+      <p:par>
+        <p:cTn id="1" dur="indefinite" restart="never" nodeType="tmRoot"/>
+      </p:par>
+    </p:tnLst>
+  </p:timing>
+</p:sld>
+</file>
+
+<file path=ppt/slides/slide9.xml><?xml version="1.0" encoding="utf-8"?>
+<p:sld xmlns:a="http://schemas.openxmlformats.org/drawingml/2006/main" xmlns:r="http://schemas.openxmlformats.org/officeDocument/2006/relationships" xmlns:p="http://schemas.openxmlformats.org/presentationml/2006/main">
+  <p:cSld>
+    <p:spTree>
+      <p:nvGrpSpPr>
+        <p:cNvPr id="1" name=""/>
+        <p:cNvGrpSpPr/>
+        <p:nvPr/>
+      </p:nvGrpSpPr>
+      <p:grpSpPr>
+        <a:xfrm>
+          <a:off x="0" y="0"/>
+          <a:ext cx="0" cy="0"/>
+          <a:chOff x="0" y="0"/>
+          <a:chExt cx="0" cy="0"/>
+        </a:xfrm>
+      </p:grpSpPr>
+      <p:sp>
+        <p:nvSpPr>
+          <p:cNvPr id="7" name="제목 3"/>
+          <p:cNvSpPr txBox="1">
+            <a:spLocks/>
+          </p:cNvSpPr>
+          <p:nvPr/>
+        </p:nvSpPr>
+        <p:spPr>
+          <a:xfrm>
+            <a:off x="344488" y="200790"/>
+            <a:ext cx="9217024" cy="419898"/>
+          </a:xfrm>
+          <a:prstGeom prst="rect">
+            <a:avLst/>
+          </a:prstGeom>
+        </p:spPr>
+        <p:txBody>
+          <a:bodyPr/>
+          <a:lstStyle>
+            <a:lvl1pPr algn="l" defTabSz="914400" rtl="0" eaLnBrk="1" latinLnBrk="1" hangingPunct="1">
+              <a:spcBef>
+                <a:spcPct val="0"/>
+              </a:spcBef>
+              <a:buNone/>
+              <a:defRPr sz="2200" b="1" kern="1200">
+                <a:solidFill>
+                  <a:schemeClr val="tx1"/>
+                </a:solidFill>
+                <a:latin typeface="+mj-lt"/>
+                <a:ea typeface="+mj-ea"/>
+                <a:cs typeface="+mj-cs"/>
+              </a:defRPr>
+            </a:lvl1pPr>
+          </a:lstStyle>
+          <a:p>
+            <a:r>
+              <a:rPr lang="en-US" altLang="ko-KR" dirty="0">
+                <a:latin typeface="나눔스퀘어 ExtraBold" panose="020B0600000101010101" pitchFamily="50" charset="-127"/>
+                <a:ea typeface="나눔스퀘어 ExtraBold" panose="020B0600000101010101" pitchFamily="50" charset="-127"/>
+              </a:rPr>
+              <a:t>SQUARE </a:t>
+            </a:r>
+            <a:r>
+              <a:rPr lang="ko-KR" altLang="en-US" dirty="0">
+                <a:latin typeface="나눔스퀘어 ExtraBold" panose="020B0600000101010101" pitchFamily="50" charset="-127"/>
+                <a:ea typeface="나눔스퀘어 ExtraBold" panose="020B0600000101010101" pitchFamily="50" charset="-127"/>
+              </a:rPr>
+              <a:t>소개</a:t>
+            </a:r>
+          </a:p>
+        </p:txBody>
+      </p:sp>
+      <p:grpSp>
+        <p:nvGrpSpPr>
+          <p:cNvPr id="3" name="그룹 2">
+            <a:extLst>
+              <a:ext uri="{FF2B5EF4-FFF2-40B4-BE49-F238E27FC236}">
+                <a16:creationId xmlns:a16="http://schemas.microsoft.com/office/drawing/2014/main" xmlns="" id="{184EC50C-899B-4BF5-8044-94E0C9AEAB29}"/>
+              </a:ext>
+            </a:extLst>
+          </p:cNvPr>
+          <p:cNvGrpSpPr/>
+          <p:nvPr/>
+        </p:nvGrpSpPr>
+        <p:grpSpPr>
+          <a:xfrm>
+            <a:off x="267064" y="2593348"/>
+            <a:ext cx="9371872" cy="1123684"/>
+            <a:chOff x="382402" y="1750164"/>
+            <a:chExt cx="9371872" cy="1123684"/>
+          </a:xfrm>
+        </p:grpSpPr>
+        <p:pic>
+          <p:nvPicPr>
+            <p:cNvPr id="1026" name="Picture 2" descr="https://www.vuforia.com/-/media/Vuforia/Homepage/Singles/Vuforia%20Logo%20OLx2.png?h=1032&amp;la=en&amp;w=3848&amp;hash=4CC8F0C70C008B5412146B5FEC118FF573389536"/>
+            <p:cNvPicPr>
+              <a:picLocks noChangeAspect="1" noChangeArrowheads="1"/>
+            </p:cNvPicPr>
+            <p:nvPr/>
+          </p:nvPicPr>
+          <p:blipFill>
+            <a:blip r:embed="rId2" cstate="print">
+              <a:extLst>
+                <a:ext uri="{28A0092B-C50C-407E-A947-70E740481C1C}">
+                  <a14:useLocalDpi xmlns:a14="http://schemas.microsoft.com/office/drawing/2010/main" val="0"/>
+                </a:ext>
+              </a:extLst>
+            </a:blip>
+            <a:srcRect/>
+            <a:stretch>
+              <a:fillRect/>
+            </a:stretch>
+          </p:blipFill>
+          <p:spPr bwMode="auto">
+            <a:xfrm>
+              <a:off x="382402" y="1750164"/>
+              <a:ext cx="4189861" cy="1123684"/>
+            </a:xfrm>
+            <a:prstGeom prst="rect">
+              <a:avLst/>
+            </a:prstGeom>
+            <a:noFill/>
+            <a:extLst>
+              <a:ext uri="{909E8E84-426E-40DD-AFC4-6F175D3DCCD1}">
+                <a14:hiddenFill xmlns:a14="http://schemas.microsoft.com/office/drawing/2010/main">
+                  <a:solidFill>
+                    <a:srgbClr val="FFFFFF"/>
+                  </a:solidFill>
+                </a14:hiddenFill>
+              </a:ext>
+            </a:extLst>
+          </p:spPr>
+        </p:pic>
+        <p:sp>
+          <p:nvSpPr>
+            <p:cNvPr id="9" name="TextBox 8">
+              <a:extLst>
+                <a:ext uri="{FF2B5EF4-FFF2-40B4-BE49-F238E27FC236}">
+                  <a16:creationId xmlns:a16="http://schemas.microsoft.com/office/drawing/2014/main" xmlns="" id="{3D9EB4ED-BB33-4EBB-8F31-FF38F4FB4C7E}"/>
+                </a:ext>
+              </a:extLst>
+            </p:cNvPr>
+            <p:cNvSpPr txBox="1"/>
+            <p:nvPr/>
+          </p:nvSpPr>
+          <p:spPr>
+            <a:xfrm>
+              <a:off x="4788287" y="1988840"/>
+              <a:ext cx="372218" cy="646331"/>
+            </a:xfrm>
+            <a:prstGeom prst="rect">
+              <a:avLst/>
+            </a:prstGeom>
+            <a:noFill/>
+          </p:spPr>
+          <p:txBody>
+            <a:bodyPr wrap="square" rtlCol="0">
+              <a:spAutoFit/>
+            </a:bodyPr>
+            <a:lstStyle/>
+            <a:p>
+              <a:pPr algn="ctr"/>
+              <a:r>
+                <a:rPr lang="en-US" altLang="ko-KR" sz="3600" dirty="0">
+                  <a:solidFill>
+                    <a:srgbClr val="484848"/>
+                  </a:solidFill>
+                  <a:latin typeface="나눔스퀘어 Bold" panose="020B0600000101010101" pitchFamily="50" charset="-127"/>
+                  <a:ea typeface="나눔스퀘어 Bold" panose="020B0600000101010101" pitchFamily="50" charset="-127"/>
+                </a:rPr>
+                <a:t>+</a:t>
+              </a:r>
+              <a:endParaRPr lang="ko-KR" altLang="en-US" sz="3600" dirty="0">
+                <a:solidFill>
+                  <a:srgbClr val="484848"/>
+                </a:solidFill>
+                <a:latin typeface="나눔스퀘어 Bold" panose="020B0600000101010101" pitchFamily="50" charset="-127"/>
+                <a:ea typeface="나눔스퀘어 Bold" panose="020B0600000101010101" pitchFamily="50" charset="-127"/>
+              </a:endParaRPr>
+            </a:p>
+          </p:txBody>
+        </p:sp>
+        <p:pic>
+          <p:nvPicPr>
+            <p:cNvPr id="2" name="Picture 2" descr="http://seavr2015.com/wordpress/wp-content/uploads/2015/09/cardboard-logo.png">
+              <a:extLst>
+                <a:ext uri="{FF2B5EF4-FFF2-40B4-BE49-F238E27FC236}">
+                  <a16:creationId xmlns:a16="http://schemas.microsoft.com/office/drawing/2014/main" xmlns="" id="{6E518CD5-A0F9-42BE-B04C-C8F662E1D40A}"/>
+                </a:ext>
+              </a:extLst>
+            </p:cNvPr>
+            <p:cNvPicPr>
+              <a:picLocks noChangeAspect="1" noChangeArrowheads="1"/>
+            </p:cNvPicPr>
+            <p:nvPr/>
+          </p:nvPicPr>
+          <p:blipFill>
+            <a:blip r:embed="rId3" cstate="print">
+              <a:extLst>
+                <a:ext uri="{28A0092B-C50C-407E-A947-70E740481C1C}">
+                  <a14:useLocalDpi xmlns:a14="http://schemas.microsoft.com/office/drawing/2010/main" val="0"/>
+                </a:ext>
+              </a:extLst>
+            </a:blip>
+            <a:srcRect/>
+            <a:stretch>
+              <a:fillRect/>
+            </a:stretch>
+          </p:blipFill>
+          <p:spPr bwMode="auto">
+            <a:xfrm>
+              <a:off x="5376529" y="1750648"/>
+              <a:ext cx="4377745" cy="1123200"/>
+            </a:xfrm>
+            <a:prstGeom prst="rect">
+              <a:avLst/>
+            </a:prstGeom>
+            <a:noFill/>
+            <a:extLst>
+              <a:ext uri="{909E8E84-426E-40DD-AFC4-6F175D3DCCD1}">
+                <a14:hiddenFill xmlns:a14="http://schemas.microsoft.com/office/drawing/2010/main">
+                  <a:solidFill>
+                    <a:srgbClr val="FFFFFF"/>
+                  </a:solidFill>
+                </a14:hiddenFill>
+              </a:ext>
+            </a:extLst>
+          </p:spPr>
+        </p:pic>
+      </p:grpSp>
+      <p:sp>
+        <p:nvSpPr>
+          <p:cNvPr id="4" name="TextBox 3">
+            <a:extLst>
+              <a:ext uri="{FF2B5EF4-FFF2-40B4-BE49-F238E27FC236}">
+                <a16:creationId xmlns:a16="http://schemas.microsoft.com/office/drawing/2014/main" xmlns="" id="{0B2033AD-468C-41B4-92E5-574240F7BF90}"/>
+              </a:ext>
+            </a:extLst>
+          </p:cNvPr>
+          <p:cNvSpPr txBox="1"/>
+          <p:nvPr/>
+        </p:nvSpPr>
+        <p:spPr>
+          <a:xfrm>
+            <a:off x="1911142" y="4643844"/>
+            <a:ext cx="6083717" cy="369332"/>
+          </a:xfrm>
+          <a:prstGeom prst="rect">
+            <a:avLst/>
+          </a:prstGeom>
+          <a:noFill/>
+        </p:spPr>
+        <p:txBody>
+          <a:bodyPr wrap="none" rtlCol="0">
+            <a:spAutoFit/>
+          </a:bodyPr>
+          <a:lstStyle/>
+          <a:p>
+            <a:r>
+              <a:rPr lang="en-US" altLang="ko-KR" dirty="0">
+                <a:latin typeface="나눔스퀘어 Bold" panose="020B0600000101010101" pitchFamily="50" charset="-127"/>
+                <a:ea typeface="나눔스퀘어 Bold" panose="020B0600000101010101" pitchFamily="50" charset="-127"/>
+              </a:rPr>
+              <a:t>SQUARE</a:t>
+            </a:r>
+            <a:r>
+              <a:rPr lang="ko-KR" altLang="en-US" dirty="0">
+                <a:latin typeface="나눔스퀘어 Bold" panose="020B0600000101010101" pitchFamily="50" charset="-127"/>
+                <a:ea typeface="나눔스퀘어 Bold" panose="020B0600000101010101" pitchFamily="50" charset="-127"/>
+              </a:rPr>
+              <a:t>는 </a:t>
+            </a:r>
+            <a:r>
+              <a:rPr lang="en-US" altLang="ko-KR" dirty="0">
+                <a:latin typeface="나눔스퀘어 Bold" panose="020B0600000101010101" pitchFamily="50" charset="-127"/>
+                <a:ea typeface="나눔스퀘어 Bold" panose="020B0600000101010101" pitchFamily="50" charset="-127"/>
+              </a:rPr>
+              <a:t>AR </a:t>
+            </a:r>
+            <a:r>
+              <a:rPr lang="ko-KR" altLang="en-US" dirty="0">
+                <a:latin typeface="나눔스퀘어 Bold" panose="020B0600000101010101" pitchFamily="50" charset="-127"/>
+                <a:ea typeface="나눔스퀘어 Bold" panose="020B0600000101010101" pitchFamily="50" charset="-127"/>
+              </a:rPr>
+              <a:t>플랫폼과 </a:t>
+            </a:r>
+            <a:r>
+              <a:rPr lang="en-US" altLang="ko-KR" dirty="0">
+                <a:latin typeface="나눔스퀘어 Bold" panose="020B0600000101010101" pitchFamily="50" charset="-127"/>
+                <a:ea typeface="나눔스퀘어 Bold" panose="020B0600000101010101" pitchFamily="50" charset="-127"/>
+              </a:rPr>
+              <a:t>VR </a:t>
+            </a:r>
+            <a:r>
+              <a:rPr lang="ko-KR" altLang="en-US" dirty="0">
+                <a:latin typeface="나눔스퀘어 Bold" panose="020B0600000101010101" pitchFamily="50" charset="-127"/>
+                <a:ea typeface="나눔스퀘어 Bold" panose="020B0600000101010101" pitchFamily="50" charset="-127"/>
+              </a:rPr>
+              <a:t>플랫폼을 혼합한 </a:t>
+            </a:r>
+            <a:r>
+              <a:rPr lang="en-US" altLang="ko-KR" dirty="0">
+                <a:latin typeface="나눔스퀘어 Bold" panose="020B0600000101010101" pitchFamily="50" charset="-127"/>
+                <a:ea typeface="나눔스퀘어 Bold" panose="020B0600000101010101" pitchFamily="50" charset="-127"/>
+              </a:rPr>
+              <a:t>MR </a:t>
+            </a:r>
+            <a:r>
+              <a:rPr lang="ko-KR" altLang="en-US" dirty="0">
+                <a:latin typeface="나눔스퀘어 Bold" panose="020B0600000101010101" pitchFamily="50" charset="-127"/>
+                <a:ea typeface="나눔스퀘어 Bold" panose="020B0600000101010101" pitchFamily="50" charset="-127"/>
+              </a:rPr>
+              <a:t>게임입니다</a:t>
+            </a:r>
+            <a:r>
+              <a:rPr lang="en-US" altLang="ko-KR" dirty="0">
+                <a:latin typeface="나눔스퀘어 Bold" panose="020B0600000101010101" pitchFamily="50" charset="-127"/>
+                <a:ea typeface="나눔스퀘어 Bold" panose="020B0600000101010101" pitchFamily="50" charset="-127"/>
+              </a:rPr>
+              <a:t>.</a:t>
+            </a:r>
+            <a:endParaRPr lang="ko-KR" altLang="en-US" dirty="0">
+              <a:latin typeface="나눔스퀘어 Bold" panose="020B0600000101010101" pitchFamily="50" charset="-127"/>
+              <a:ea typeface="나눔스퀘어 Bold" panose="020B0600000101010101" pitchFamily="50" charset="-127"/>
+            </a:endParaRPr>
+          </a:p>
+        </p:txBody>
+      </p:sp>
+    </p:spTree>
+    <p:extLst>
+      <p:ext uri="{BB962C8B-B14F-4D97-AF65-F5344CB8AC3E}">
+        <p14:creationId xmlns:p14="http://schemas.microsoft.com/office/powerpoint/2010/main" val="4173763145"/>
+      </p:ext>
+    </p:extLst>
+  </p:cSld>
+  <p:clrMapOvr>
+    <a:masterClrMapping/>
+  </p:clrMapOvr>
+  <p:timing>
+    <p:tnLst>
+      <p:par>
+        <p:cTn id="1" dur="indefinite" restart="never" nodeType="tmRoot"/>
+      </p:par>
+    </p:tnLst>
+  </p:timing>
 </p:sld>
 </file>
 
